--- a/SDD/SDD.pptx
+++ b/SDD/SDD.pptx
@@ -16807,7 +16807,7 @@
           <p:cNvPr id="2" name="Picture 2" descr="A screenshot of a computer&#10;&#10;Description generated with high confidence">
             <a:extLst>
               <a:ext uri="{FF2B5EF4-FFF2-40B4-BE49-F238E27FC236}">
-                <a16:creationId xmlns="" xmlns:a16="http://schemas.microsoft.com/office/drawing/2014/main" id="{637B6AE3-AAEA-4344-9554-15FD907EDA8F}"/>
+                <a16:creationId xmlns:a16="http://schemas.microsoft.com/office/drawing/2014/main" xmlns="" id="{637B6AE3-AAEA-4344-9554-15FD907EDA8F}"/>
               </a:ext>
             </a:extLst>
           </p:cNvPr>
@@ -16824,8 +16824,8 @@
         </p:blipFill>
         <p:spPr>
           <a:xfrm>
-            <a:off x="6439285" y="4732320"/>
-            <a:ext cx="2709029" cy="2120295"/>
+            <a:off x="5500551" y="4229308"/>
+            <a:ext cx="3647764" cy="2623308"/>
           </a:xfrm>
           <a:prstGeom prst="rect">
             <a:avLst/>
@@ -16837,7 +16837,7 @@
           <p:cNvPr id="4" name="Picture 4" descr="A group of people standing in a room&#10;&#10;Description generated with very high confidence">
             <a:extLst>
               <a:ext uri="{FF2B5EF4-FFF2-40B4-BE49-F238E27FC236}">
-                <a16:creationId xmlns="" xmlns:a16="http://schemas.microsoft.com/office/drawing/2014/main" id="{D9851AB0-6876-418B-BB36-714D9747CD14}"/>
+                <a16:creationId xmlns:a16="http://schemas.microsoft.com/office/drawing/2014/main" xmlns="" id="{D9851AB0-6876-418B-BB36-714D9747CD14}"/>
               </a:ext>
             </a:extLst>
           </p:cNvPr>
@@ -16854,8 +16854,8 @@
         </p:blipFill>
         <p:spPr>
           <a:xfrm>
-            <a:off x="10793" y="4759198"/>
-            <a:ext cx="2695550" cy="2129497"/>
+            <a:off x="10792" y="4254002"/>
+            <a:ext cx="3445443" cy="2634693"/>
           </a:xfrm>
           <a:prstGeom prst="rect">
             <a:avLst/>
@@ -16867,7 +16867,7 @@
           <p:cNvPr id="6" name="Arrow: Right 5">
             <a:extLst>
               <a:ext uri="{FF2B5EF4-FFF2-40B4-BE49-F238E27FC236}">
-                <a16:creationId xmlns="" xmlns:a16="http://schemas.microsoft.com/office/drawing/2014/main" id="{DFA939A4-4314-47FA-9627-45CAAD25445A}"/>
+                <a16:creationId xmlns:a16="http://schemas.microsoft.com/office/drawing/2014/main" xmlns="" id="{DFA939A4-4314-47FA-9627-45CAAD25445A}"/>
               </a:ext>
             </a:extLst>
           </p:cNvPr>
@@ -16876,8 +16876,8 @@
         </p:nvSpPr>
         <p:spPr>
           <a:xfrm>
-            <a:off x="3456236" y="5656616"/>
-            <a:ext cx="2044314" cy="353253"/>
+            <a:off x="3456236" y="5572812"/>
+            <a:ext cx="2044314" cy="437058"/>
           </a:xfrm>
           <a:prstGeom prst="rightArrow">
             <a:avLst/>
@@ -16912,7 +16912,7 @@
           <p:cNvPr id="7" name="TextBox 6">
             <a:extLst>
               <a:ext uri="{FF2B5EF4-FFF2-40B4-BE49-F238E27FC236}">
-                <a16:creationId xmlns="" xmlns:a16="http://schemas.microsoft.com/office/drawing/2014/main" id="{A3C87CBC-63E6-44A5-82C5-747DE9DA6FD8}"/>
+                <a16:creationId xmlns:a16="http://schemas.microsoft.com/office/drawing/2014/main" xmlns="" id="{A3C87CBC-63E6-44A5-82C5-747DE9DA6FD8}"/>
               </a:ext>
             </a:extLst>
           </p:cNvPr>
@@ -16922,7 +16922,7 @@
         <p:spPr>
           <a:xfrm>
             <a:off x="5912" y="817841"/>
-            <a:ext cx="9151883" cy="2000548"/>
+            <a:ext cx="9151883" cy="1569660"/>
           </a:xfrm>
           <a:prstGeom prst="rect">
             <a:avLst/>
@@ -16944,18 +16944,14 @@
               <a:rPr lang="en-US" sz="2400" spc="-1" dirty="0">
                 <a:latin typeface="Arial"/>
               </a:rPr>
-              <a:t> Use superior strength or influence to intimidate someone</a:t>
+              <a:t> Use superior strength or influence to intimidate </a:t>
             </a:r>
-            <a:endParaRPr lang="en-US" sz="2400" spc="-1" dirty="0">
-              <a:latin typeface="Arial"/>
-              <a:cs typeface="Arial"/>
-            </a:endParaRPr>
-          </a:p>
-          <a:p>
-            <a:pPr>
-              <a:buFontTx/>
-              <a:buChar char="•"/>
-            </a:pPr>
+            <a:r>
+              <a:rPr lang="en-US" sz="2400" spc="-1" dirty="0" smtClean="0">
+                <a:latin typeface="Arial"/>
+              </a:rPr>
+              <a:t>someone</a:t>
+            </a:r>
             <a:endParaRPr lang="en-US" sz="2800" spc="-1" dirty="0">
               <a:latin typeface="Arial"/>
               <a:cs typeface="Arial"/>
@@ -16981,7 +16977,7 @@
           <p:cNvPr id="8" name="TextBox 7">
             <a:extLst>
               <a:ext uri="{FF2B5EF4-FFF2-40B4-BE49-F238E27FC236}">
-                <a16:creationId xmlns="" xmlns:a16="http://schemas.microsoft.com/office/drawing/2014/main" id="{D42BB7B7-CFFD-4BE0-AE54-95CC17AA9876}"/>
+                <a16:creationId xmlns:a16="http://schemas.microsoft.com/office/drawing/2014/main" xmlns="" id="{D42BB7B7-CFFD-4BE0-AE54-95CC17AA9876}"/>
               </a:ext>
             </a:extLst>
           </p:cNvPr>
@@ -17022,7 +17018,7 @@
           <p:cNvPr id="10" name="TextBox 9">
             <a:extLst>
               <a:ext uri="{FF2B5EF4-FFF2-40B4-BE49-F238E27FC236}">
-                <a16:creationId xmlns="" xmlns:a16="http://schemas.microsoft.com/office/drawing/2014/main" id="{2D62FED7-CAAD-4632-B96D-81631378427F}"/>
+                <a16:creationId xmlns:a16="http://schemas.microsoft.com/office/drawing/2014/main" xmlns="" id="{2D62FED7-CAAD-4632-B96D-81631378427F}"/>
               </a:ext>
             </a:extLst>
           </p:cNvPr>
@@ -17031,7 +17027,7 @@
         </p:nvSpPr>
         <p:spPr>
           <a:xfrm>
-            <a:off x="33010" y="4287563"/>
+            <a:off x="160489" y="3909440"/>
             <a:ext cx="2648606" cy="400110"/>
           </a:xfrm>
           <a:prstGeom prst="rect">
@@ -17054,7 +17050,7 @@
               </a:rPr>
               <a:t>Real life</a:t>
             </a:r>
-            <a:endParaRPr lang="en-US"/>
+            <a:endParaRPr lang="en-US" dirty="0"/>
           </a:p>
         </p:txBody>
       </p:sp>
@@ -17063,7 +17059,7 @@
           <p:cNvPr id="11" name="TextBox 10">
             <a:extLst>
               <a:ext uri="{FF2B5EF4-FFF2-40B4-BE49-F238E27FC236}">
-                <a16:creationId xmlns="" xmlns:a16="http://schemas.microsoft.com/office/drawing/2014/main" id="{33569058-BD4C-4955-BC32-0A55506A8DCE}"/>
+                <a16:creationId xmlns:a16="http://schemas.microsoft.com/office/drawing/2014/main" xmlns="" id="{33569058-BD4C-4955-BC32-0A55506A8DCE}"/>
               </a:ext>
             </a:extLst>
           </p:cNvPr>
@@ -17072,7 +17068,7 @@
         </p:nvSpPr>
         <p:spPr>
           <a:xfrm>
-            <a:off x="6436517" y="4285921"/>
+            <a:off x="5975495" y="3868759"/>
             <a:ext cx="2697875" cy="400110"/>
           </a:xfrm>
           <a:prstGeom prst="rect">
@@ -17095,7 +17091,7 @@
               </a:rPr>
               <a:t>The Internet</a:t>
             </a:r>
-            <a:endParaRPr lang="en-US"/>
+            <a:endParaRPr lang="en-US" dirty="0"/>
           </a:p>
         </p:txBody>
       </p:sp>
@@ -17104,7 +17100,7 @@
           <p:cNvPr id="12" name="TextBox 11">
             <a:extLst>
               <a:ext uri="{FF2B5EF4-FFF2-40B4-BE49-F238E27FC236}">
-                <a16:creationId xmlns="" xmlns:a16="http://schemas.microsoft.com/office/drawing/2014/main" id="{60AF91FB-AF96-4E95-AB9F-EAFD2DEE101F}"/>
+                <a16:creationId xmlns:a16="http://schemas.microsoft.com/office/drawing/2014/main" xmlns="" id="{60AF91FB-AF96-4E95-AB9F-EAFD2DEE101F}"/>
               </a:ext>
             </a:extLst>
           </p:cNvPr>
@@ -17113,7 +17109,7 @@
         </p:nvSpPr>
         <p:spPr>
           <a:xfrm>
-            <a:off x="986" y="2797847"/>
+            <a:off x="986" y="2399261"/>
             <a:ext cx="2967612" cy="646331"/>
           </a:xfrm>
           <a:prstGeom prst="rect">
@@ -17144,7 +17140,7 @@
           <p:cNvPr id="13" name="TextBox 12">
             <a:extLst>
               <a:ext uri="{FF2B5EF4-FFF2-40B4-BE49-F238E27FC236}">
-                <a16:creationId xmlns="" xmlns:a16="http://schemas.microsoft.com/office/drawing/2014/main" id="{176BDA53-93C3-4B3A-897E-F2C5642AE7DB}"/>
+                <a16:creationId xmlns:a16="http://schemas.microsoft.com/office/drawing/2014/main" xmlns="" id="{176BDA53-93C3-4B3A-897E-F2C5642AE7DB}"/>
               </a:ext>
             </a:extLst>
           </p:cNvPr>
@@ -17153,7 +17149,7 @@
         </p:nvSpPr>
         <p:spPr>
           <a:xfrm>
-            <a:off x="9607" y="3454924"/>
+            <a:off x="9607" y="3078443"/>
             <a:ext cx="9122322" cy="830997"/>
           </a:xfrm>
           <a:prstGeom prst="rect">

--- a/SDD/SDD.pptx
+++ b/SDD/SDD.pptx
@@ -22,21 +22,22 @@
     <p:sldId id="264" r:id="rId16"/>
     <p:sldId id="265" r:id="rId17"/>
     <p:sldId id="266" r:id="rId18"/>
-    <p:sldId id="267" r:id="rId19"/>
-    <p:sldId id="268" r:id="rId20"/>
-    <p:sldId id="269" r:id="rId21"/>
-    <p:sldId id="270" r:id="rId22"/>
-    <p:sldId id="271" r:id="rId23"/>
-    <p:sldId id="272" r:id="rId24"/>
-    <p:sldId id="273" r:id="rId25"/>
-    <p:sldId id="274" r:id="rId26"/>
-    <p:sldId id="275" r:id="rId27"/>
-    <p:sldId id="276" r:id="rId28"/>
-    <p:sldId id="277" r:id="rId29"/>
-    <p:sldId id="278" r:id="rId30"/>
-    <p:sldId id="279" r:id="rId31"/>
-    <p:sldId id="280" r:id="rId32"/>
-    <p:sldId id="281" r:id="rId33"/>
+    <p:sldId id="283" r:id="rId19"/>
+    <p:sldId id="267" r:id="rId20"/>
+    <p:sldId id="268" r:id="rId21"/>
+    <p:sldId id="269" r:id="rId22"/>
+    <p:sldId id="270" r:id="rId23"/>
+    <p:sldId id="271" r:id="rId24"/>
+    <p:sldId id="272" r:id="rId25"/>
+    <p:sldId id="273" r:id="rId26"/>
+    <p:sldId id="274" r:id="rId27"/>
+    <p:sldId id="275" r:id="rId28"/>
+    <p:sldId id="276" r:id="rId29"/>
+    <p:sldId id="277" r:id="rId30"/>
+    <p:sldId id="278" r:id="rId31"/>
+    <p:sldId id="279" r:id="rId32"/>
+    <p:sldId id="280" r:id="rId33"/>
+    <p:sldId id="281" r:id="rId34"/>
   </p:sldIdLst>
   <p:sldSz cx="9144000" cy="6858000" type="screen4x3"/>
   <p:notesSz cx="7772400" cy="10058400"/>
@@ -135,6 +136,22 @@
       </a:defRPr>
     </a:lvl9pPr>
   </p:defaultTextStyle>
+  <p:extLst>
+    <p:ext uri="{EFAFB233-063F-42B5-8137-9DF3F51BA10A}">
+      <p15:sldGuideLst xmlns:p15="http://schemas.microsoft.com/office/powerpoint/2012/main">
+        <p15:guide id="1" orient="horz" pos="2160">
+          <p15:clr>
+            <a:srgbClr val="A4A3A4"/>
+          </p15:clr>
+        </p15:guide>
+        <p15:guide id="2" pos="2880">
+          <p15:clr>
+            <a:srgbClr val="A4A3A4"/>
+          </p15:clr>
+        </p15:guide>
+      </p15:sldGuideLst>
+    </p:ext>
+  </p:extLst>
 </p:presentation>
 </file>
 
@@ -233,6 +250,13 @@
             </c:spPr>
           </c:dPt>
           <c:dLbls>
+            <c:spPr>
+              <a:noFill/>
+              <a:ln>
+                <a:noFill/>
+              </a:ln>
+              <a:effectLst/>
+            </c:spPr>
             <c:dLblPos val="bestFit"/>
             <c:showLegendKey val="0"/>
             <c:showVal val="0"/>
@@ -241,6 +265,9 @@
             <c:showPercent val="0"/>
             <c:showBubbleSize val="1"/>
             <c:showLeaderLines val="0"/>
+            <c:extLst>
+              <c:ext xmlns:c15="http://schemas.microsoft.com/office/drawing/2012/chart" uri="{CE6537A1-D6FC-4f65-9D91-7224C49458BB}"/>
+            </c:extLst>
           </c:dLbls>
           <c:cat>
             <c:strRef>
@@ -424,6 +451,13 @@
             </c:spPr>
           </c:dPt>
           <c:dLbls>
+            <c:spPr>
+              <a:noFill/>
+              <a:ln>
+                <a:noFill/>
+              </a:ln>
+              <a:effectLst/>
+            </c:spPr>
             <c:dLblPos val="bestFit"/>
             <c:showLegendKey val="0"/>
             <c:showVal val="0"/>
@@ -432,6 +466,9 @@
             <c:showPercent val="0"/>
             <c:showBubbleSize val="1"/>
             <c:showLeaderLines val="0"/>
+            <c:extLst>
+              <c:ext xmlns:c15="http://schemas.microsoft.com/office/drawing/2012/chart" uri="{CE6537A1-D6FC-4f65-9D91-7224C49458BB}"/>
+            </c:extLst>
           </c:dLbls>
           <c:cat>
             <c:strRef>
@@ -14339,7 +14376,7 @@
         </p:style>
         <p:txBody>
           <a:bodyPr lIns="0" tIns="0" rIns="0" bIns="0">
-            <a:normAutofit/>
+            <a:normAutofit lnSpcReduction="10000"/>
           </a:bodyPr>
           <a:lstStyle/>
           <a:p>
@@ -14357,7 +14394,7 @@
               <a:buChar char="•"/>
             </a:pPr>
             <a:r>
-              <a:rPr lang="en-US" sz="2800" b="1" strike="noStrike" spc="-1">
+              <a:rPr lang="en-US" sz="2800" b="1" strike="noStrike" spc="-1" dirty="0">
                 <a:solidFill>
                   <a:srgbClr val="000000"/>
                 </a:solidFill>
@@ -14366,7 +14403,7 @@
               </a:rPr>
               <a:t>Bag of words</a:t>
             </a:r>
-            <a:endParaRPr lang="en-US" sz="2800" b="0" strike="noStrike" spc="-1">
+            <a:endParaRPr lang="en-US" sz="2800" b="0" strike="noStrike" spc="-1" dirty="0">
               <a:latin typeface="Arial"/>
             </a:endParaRPr>
           </a:p>
@@ -14380,7 +14417,7 @@
               </a:spcBef>
             </a:pPr>
             <a:r>
-              <a:rPr lang="en-US" sz="1800" b="0" strike="noStrike" spc="-1">
+              <a:rPr lang="en-US" sz="1800" b="0" strike="noStrike" spc="-1" dirty="0">
                 <a:solidFill>
                   <a:srgbClr val="000000"/>
                 </a:solidFill>
@@ -14389,7 +14426,7 @@
               </a:rPr>
               <a:t>Bag of word models don’t respect semantics of the word.</a:t>
             </a:r>
-            <a:endParaRPr lang="en-US" sz="1800" b="0" strike="noStrike" spc="-1">
+            <a:endParaRPr lang="en-US" sz="1800" b="0" strike="noStrike" spc="-1" dirty="0">
               <a:latin typeface="Arial"/>
             </a:endParaRPr>
           </a:p>
@@ -14408,18 +14445,30 @@
               <a:buChar char="•"/>
             </a:pPr>
             <a:r>
-              <a:rPr lang="en-US" sz="2800" b="1" strike="noStrike" spc="-1">
+              <a:rPr lang="en-US" sz="2800" b="1" strike="noStrike" spc="-1" dirty="0" smtClean="0">
                 <a:solidFill>
                   <a:srgbClr val="000000"/>
                 </a:solidFill>
                 <a:latin typeface="Arial"/>
                 <a:ea typeface="DejaVu Sans"/>
               </a:rPr>
-              <a:t>Logistic regression</a:t>
+              <a:t>KNN</a:t>
             </a:r>
-            <a:endParaRPr lang="en-US" sz="2800" b="0" strike="noStrike" spc="-1">
-              <a:latin typeface="Arial"/>
-            </a:endParaRPr>
+            <a:endParaRPr lang="en-US" sz="2800" b="0" strike="noStrike" spc="-1" dirty="0">
+              <a:latin typeface="Arial"/>
+            </a:endParaRPr>
+          </a:p>
+          <a:p>
+            <a:r>
+              <a:rPr lang="en-US" dirty="0"/>
+              <a:t>must compute the distance and sort all the training data at each prediction, which can be slow if there are a large number of training examples</a:t>
+            </a:r>
+          </a:p>
+          <a:p>
+            <a:r>
+              <a:rPr lang="en-US" dirty="0"/>
+              <a:t>And it is robust to noisy data.</a:t>
+            </a:r>
           </a:p>
           <a:p>
             <a:pPr>
@@ -14431,16 +14480,16 @@
               </a:spcBef>
             </a:pPr>
             <a:r>
-              <a:rPr lang="en-US" sz="1800" b="0" strike="noStrike" spc="-1">
+              <a:rPr lang="en-US" sz="1800" b="0" strike="noStrike" spc="-1" dirty="0" smtClean="0">
                 <a:solidFill>
                   <a:srgbClr val="000000"/>
                 </a:solidFill>
                 <a:latin typeface="Arial"/>
                 <a:ea typeface="DejaVu Sans"/>
               </a:rPr>
-              <a:t>is a statistical technique allowing researchers to create predictive models. t gives you a discrete binary outcome between 0 and 1. To say it in simpler words, it’s outcome is either one thing or another.</a:t>
+              <a:t>.</a:t>
             </a:r>
-            <a:endParaRPr lang="en-US" sz="1800" b="0" strike="noStrike" spc="-1">
+            <a:endParaRPr lang="en-US" sz="1800" b="0" strike="noStrike" spc="-1" dirty="0">
               <a:latin typeface="Arial"/>
             </a:endParaRPr>
           </a:p>
@@ -14459,7 +14508,7 @@
               <a:buChar char="•"/>
             </a:pPr>
             <a:r>
-              <a:rPr lang="en-US" sz="2800" b="1" strike="noStrike" spc="-1">
+              <a:rPr lang="en-US" sz="2800" b="1" strike="noStrike" spc="-1" dirty="0">
                 <a:solidFill>
                   <a:srgbClr val="000000"/>
                 </a:solidFill>
@@ -14468,7 +14517,7 @@
               </a:rPr>
               <a:t>Skip gram</a:t>
             </a:r>
-            <a:endParaRPr lang="en-US" sz="2800" b="0" strike="noStrike" spc="-1">
+            <a:endParaRPr lang="en-US" sz="2800" b="0" strike="noStrike" spc="-1" dirty="0">
               <a:latin typeface="Arial"/>
             </a:endParaRPr>
           </a:p>
@@ -14482,7 +14531,7 @@
               </a:spcBef>
             </a:pPr>
             <a:r>
-              <a:rPr lang="en-US" sz="1800" b="0" strike="noStrike" spc="-1">
+              <a:rPr lang="en-US" sz="1800" b="0" strike="noStrike" spc="-1" dirty="0">
                 <a:solidFill>
                   <a:srgbClr val="000000"/>
                 </a:solidFill>
@@ -14491,7 +14540,7 @@
               </a:rPr>
               <a:t>Failed to identify the combined word phrases.</a:t>
             </a:r>
-            <a:endParaRPr lang="en-US" sz="1800" b="0" strike="noStrike" spc="-1">
+            <a:endParaRPr lang="en-US" sz="1800" b="0" strike="noStrike" spc="-1" dirty="0">
               <a:latin typeface="Arial"/>
             </a:endParaRPr>
           </a:p>
@@ -14510,16 +14559,15 @@
               <a:buChar char="•"/>
             </a:pPr>
             <a:r>
-              <a:rPr lang="en-US" sz="2800" b="1" strike="noStrike" spc="-1">
+              <a:rPr lang="en-US" sz="2800" b="1" spc="-1" dirty="0" smtClean="0">
                 <a:solidFill>
                   <a:srgbClr val="000000"/>
                 </a:solidFill>
                 <a:latin typeface="Arial"/>
-                <a:ea typeface="DejaVu Sans"/>
               </a:rPr>
-              <a:t>Naïve Bayes</a:t>
+              <a:t>N-gram</a:t>
             </a:r>
-            <a:endParaRPr lang="en-US" sz="2800" b="0" strike="noStrike" spc="-1">
+            <a:endParaRPr lang="en-US" sz="2800" b="0" strike="noStrike" spc="-1" dirty="0">
               <a:latin typeface="Arial"/>
             </a:endParaRPr>
           </a:p>
@@ -14533,16 +14581,36 @@
               </a:spcBef>
             </a:pPr>
             <a:r>
-              <a:rPr lang="en-US" sz="1800" b="0" strike="noStrike" spc="-1">
+              <a:rPr lang="en-US" sz="1800" b="0" strike="noStrike" spc="-1" dirty="0">
                 <a:solidFill>
                   <a:srgbClr val="000000"/>
                 </a:solidFill>
                 <a:latin typeface="Arial"/>
                 <a:ea typeface="DejaVu Sans"/>
               </a:rPr>
-              <a:t>Naïve Bayes will have low recall and precision with small daataset.</a:t>
+              <a:t>Naïve Bayes will have low recall and precision with small </a:t>
             </a:r>
-            <a:endParaRPr lang="en-US" sz="1800" b="0" strike="noStrike" spc="-1">
+            <a:r>
+              <a:rPr lang="en-US" sz="1800" b="0" strike="noStrike" spc="-1" dirty="0" err="1">
+                <a:solidFill>
+                  <a:srgbClr val="000000"/>
+                </a:solidFill>
+                <a:latin typeface="Arial"/>
+                <a:ea typeface="DejaVu Sans"/>
+              </a:rPr>
+              <a:t>daataset</a:t>
+            </a:r>
+            <a:r>
+              <a:rPr lang="en-US" sz="1800" b="0" strike="noStrike" spc="-1" dirty="0">
+                <a:solidFill>
+                  <a:srgbClr val="000000"/>
+                </a:solidFill>
+                <a:latin typeface="Arial"/>
+                <a:ea typeface="DejaVu Sans"/>
+              </a:rPr>
+              <a:t>.</a:t>
+            </a:r>
+            <a:endParaRPr lang="en-US" sz="1800" b="0" strike="noStrike" spc="-1" dirty="0">
               <a:latin typeface="Arial"/>
             </a:endParaRPr>
           </a:p>
@@ -14555,7 +14623,7 @@
                 <a:spcPts val="1001"/>
               </a:spcBef>
             </a:pPr>
-            <a:endParaRPr lang="en-US" sz="1800" b="0" strike="noStrike" spc="-1">
+            <a:endParaRPr lang="en-US" sz="1800" b="0" strike="noStrike" spc="-1" dirty="0">
               <a:latin typeface="Arial"/>
             </a:endParaRPr>
           </a:p>
@@ -14568,7 +14636,7 @@
                 <a:spcPts val="1001"/>
               </a:spcBef>
             </a:pPr>
-            <a:endParaRPr lang="en-US" sz="1800" b="0" strike="noStrike" spc="-1">
+            <a:endParaRPr lang="en-US" sz="1800" b="0" strike="noStrike" spc="-1" dirty="0">
               <a:latin typeface="Arial"/>
             </a:endParaRPr>
           </a:p>
@@ -14581,7 +14649,7 @@
                 <a:spcPts val="1001"/>
               </a:spcBef>
             </a:pPr>
-            <a:endParaRPr lang="en-US" sz="1800" b="0" strike="noStrike" spc="-1">
+            <a:endParaRPr lang="en-US" sz="1800" b="0" strike="noStrike" spc="-1" dirty="0">
               <a:latin typeface="Arial"/>
             </a:endParaRPr>
           </a:p>
@@ -14594,7 +14662,7 @@
                 <a:spcPts val="1001"/>
               </a:spcBef>
             </a:pPr>
-            <a:endParaRPr lang="en-US" sz="1800" b="0" strike="noStrike" spc="-1">
+            <a:endParaRPr lang="en-US" sz="1800" b="0" strike="noStrike" spc="-1" dirty="0">
               <a:latin typeface="Arial"/>
             </a:endParaRPr>
           </a:p>
@@ -14654,184 +14722,125 @@
       </p:grpSpPr>
       <p:sp>
         <p:nvSpPr>
-          <p:cNvPr id="364" name="CustomShape 1"/>
-          <p:cNvSpPr/>
-          <p:nvPr/>
-        </p:nvSpPr>
-        <p:spPr>
-          <a:xfrm>
-            <a:off x="457200" y="273600"/>
-            <a:ext cx="8228520" cy="1144080"/>
-          </a:xfrm>
-          <a:prstGeom prst="rect">
-            <a:avLst/>
-          </a:prstGeom>
-          <a:noFill/>
-          <a:ln>
-            <a:noFill/>
-          </a:ln>
-        </p:spPr>
-        <p:style>
-          <a:lnRef idx="0">
-            <a:scrgbClr r="0" g="0" b="0"/>
-          </a:lnRef>
-          <a:fillRef idx="0">
-            <a:scrgbClr r="0" g="0" b="0"/>
-          </a:fillRef>
-          <a:effectRef idx="0">
-            <a:scrgbClr r="0" g="0" b="0"/>
-          </a:effectRef>
-          <a:fontRef idx="minor"/>
-        </p:style>
-        <p:txBody>
-          <a:bodyPr lIns="0" tIns="0" rIns="0" bIns="0" anchor="ctr"/>
-          <a:lstStyle/>
-          <a:p>
-            <a:pPr>
-              <a:lnSpc>
-                <a:spcPct val="90000"/>
-              </a:lnSpc>
+          <p:cNvPr id="2" name="Title 1"/>
+          <p:cNvSpPr>
+            <a:spLocks noGrp="1"/>
+          </p:cNvSpPr>
+          <p:nvPr>
+            <p:ph type="title"/>
+          </p:nvPr>
+        </p:nvSpPr>
+        <p:spPr/>
+        <p:txBody>
+          <a:bodyPr/>
+          <a:lstStyle/>
+          <a:p>
+            <a:r>
+              <a:rPr lang="en-US" sz="3600" dirty="0" smtClean="0"/>
+              <a:t>What we have used</a:t>
+            </a:r>
+            <a:endParaRPr lang="en-US" sz="3600" dirty="0"/>
+          </a:p>
+        </p:txBody>
+      </p:sp>
+      <p:sp>
+        <p:nvSpPr>
+          <p:cNvPr id="3" name="Subtitle 2"/>
+          <p:cNvSpPr>
+            <a:spLocks noGrp="1"/>
+          </p:cNvSpPr>
+          <p:nvPr>
+            <p:ph type="subTitle"/>
+          </p:nvPr>
+        </p:nvSpPr>
+        <p:spPr/>
+        <p:txBody>
+          <a:bodyPr/>
+          <a:lstStyle/>
+          <a:p>
+            <a:pPr marL="457200" indent="-457200">
+              <a:buFont typeface="Arial" panose="020B0604020202020204" pitchFamily="34" charset="0"/>
+              <a:buChar char="•"/>
             </a:pPr>
             <a:r>
-              <a:rPr lang="en-US" sz="4400" b="0" strike="noStrike" spc="-1">
+              <a:rPr lang="en-US" sz="2800" dirty="0" smtClean="0">
                 <a:solidFill>
-                  <a:srgbClr val="1F497D"/>
+                  <a:srgbClr val="FF0000"/>
                 </a:solidFill>
-                <a:latin typeface="Arial"/>
-                <a:ea typeface="DejaVu Sans"/>
               </a:rPr>
-              <a:t>System Overview</a:t>
+              <a:t>TFIDF</a:t>
             </a:r>
-            <a:endParaRPr lang="en-US" sz="4400" b="0" strike="noStrike" spc="-1">
-              <a:latin typeface="Arial"/>
-            </a:endParaRPr>
-          </a:p>
-        </p:txBody>
-      </p:sp>
-      <p:pic>
-        <p:nvPicPr>
-          <p:cNvPr id="365" name="Picture 3"/>
-          <p:cNvPicPr/>
-          <p:nvPr/>
-        </p:nvPicPr>
-        <p:blipFill>
-          <a:blip r:embed="rId2"/>
-          <a:stretch/>
-        </p:blipFill>
-        <p:spPr>
-          <a:xfrm>
-            <a:off x="0" y="1593360"/>
-            <a:ext cx="9143280" cy="4422600"/>
-          </a:xfrm>
-          <a:prstGeom prst="rect">
-            <a:avLst/>
-          </a:prstGeom>
-          <a:ln>
-            <a:noFill/>
-          </a:ln>
-        </p:spPr>
-      </p:pic>
-      <p:pic>
-        <p:nvPicPr>
-          <p:cNvPr id="366" name="Picture 4"/>
-          <p:cNvPicPr/>
-          <p:nvPr/>
-        </p:nvPicPr>
-        <p:blipFill>
-          <a:blip r:embed="rId3"/>
-          <a:stretch/>
-        </p:blipFill>
-        <p:spPr>
-          <a:xfrm>
-            <a:off x="7439760" y="3535560"/>
-            <a:ext cx="1245960" cy="537840"/>
-          </a:xfrm>
-          <a:prstGeom prst="rect">
-            <a:avLst/>
-          </a:prstGeom>
-          <a:ln>
-            <a:noFill/>
-          </a:ln>
-        </p:spPr>
-      </p:pic>
-      <p:pic>
-        <p:nvPicPr>
-          <p:cNvPr id="367" name="Picture 5"/>
-          <p:cNvPicPr/>
-          <p:nvPr/>
-        </p:nvPicPr>
-        <p:blipFill>
-          <a:blip r:embed="rId4"/>
-          <a:stretch/>
-        </p:blipFill>
-        <p:spPr>
-          <a:xfrm>
-            <a:off x="7589880" y="1953360"/>
-            <a:ext cx="946080" cy="610200"/>
-          </a:xfrm>
-          <a:prstGeom prst="rect">
-            <a:avLst/>
-          </a:prstGeom>
-          <a:ln>
-            <a:noFill/>
-          </a:ln>
-        </p:spPr>
-      </p:pic>
-      <p:pic>
-        <p:nvPicPr>
-          <p:cNvPr id="368" name="Picture 7"/>
-          <p:cNvPicPr/>
-          <p:nvPr/>
-        </p:nvPicPr>
-        <p:blipFill>
-          <a:blip r:embed="rId5"/>
-          <a:stretch/>
-        </p:blipFill>
-        <p:spPr>
-          <a:xfrm>
-            <a:off x="7439760" y="2781000"/>
-            <a:ext cx="1209240" cy="578880"/>
-          </a:xfrm>
-          <a:prstGeom prst="rect">
-            <a:avLst/>
-          </a:prstGeom>
-          <a:ln>
-            <a:noFill/>
-          </a:ln>
-        </p:spPr>
-      </p:pic>
+          </a:p>
+          <a:p>
+            <a:pPr marL="0" indent="0">
+              <a:buNone/>
+            </a:pPr>
+            <a:r>
+              <a:rPr lang="en-US" dirty="0" smtClean="0"/>
+              <a:t>Tell us the importance of the word in the document.</a:t>
+            </a:r>
+          </a:p>
+          <a:p>
+            <a:pPr marL="457200" indent="-457200">
+              <a:buFont typeface="Arial" panose="020B0604020202020204" pitchFamily="34" charset="0"/>
+              <a:buChar char="•"/>
+            </a:pPr>
+            <a:r>
+              <a:rPr lang="en-US" sz="2800" dirty="0" smtClean="0">
+                <a:solidFill>
+                  <a:srgbClr val="FF0000"/>
+                </a:solidFill>
+              </a:rPr>
+              <a:t>Sentiment analysis</a:t>
+            </a:r>
+          </a:p>
+          <a:p>
+            <a:pPr marL="0" indent="0">
+              <a:buNone/>
+            </a:pPr>
+            <a:r>
+              <a:rPr lang="en-US" dirty="0" smtClean="0"/>
+              <a:t>Give us the polarity of the sentence.</a:t>
+            </a:r>
+          </a:p>
+          <a:p>
+            <a:pPr marL="457200" indent="-457200">
+              <a:buFont typeface="Arial" panose="020B0604020202020204" pitchFamily="34" charset="0"/>
+              <a:buChar char="•"/>
+            </a:pPr>
+            <a:r>
+              <a:rPr lang="en-US" sz="2800" dirty="0" smtClean="0">
+                <a:solidFill>
+                  <a:srgbClr val="FF0000"/>
+                </a:solidFill>
+              </a:rPr>
+              <a:t>SVM</a:t>
+            </a:r>
+          </a:p>
+          <a:p>
+            <a:pPr marL="0" indent="0">
+              <a:buNone/>
+            </a:pPr>
+            <a:r>
+              <a:rPr lang="en-US" dirty="0" smtClean="0"/>
+              <a:t>high predictive power and avoids overfitting.</a:t>
+            </a:r>
+          </a:p>
+          <a:p>
+            <a:endParaRPr lang="en-US" dirty="0"/>
+          </a:p>
+        </p:txBody>
+      </p:sp>
     </p:spTree>
+    <p:extLst>
+      <p:ext uri="{BB962C8B-B14F-4D97-AF65-F5344CB8AC3E}">
+        <p14:creationId xmlns:p14="http://schemas.microsoft.com/office/powerpoint/2010/main" val="667596461"/>
+      </p:ext>
+    </p:extLst>
   </p:cSld>
   <p:clrMapOvr>
     <a:masterClrMapping/>
   </p:clrMapOvr>
-  <p:timing>
-    <p:tnLst>
-      <p:par>
-        <p:cTn id="1" dur="indefinite" restart="never" nodeType="tmRoot">
-          <p:childTnLst>
-            <p:seq>
-              <p:cTn id="2" dur="indefinite" nodeType="mainSeq"/>
-              <p:prevCondLst>
-                <p:cond evt="onPrev" delay="0">
-                  <p:tgtEl>
-                    <p:sldTgt/>
-                  </p:tgtEl>
-                </p:cond>
-              </p:prevCondLst>
-              <p:nextCondLst>
-                <p:cond evt="onNext" delay="0">
-                  <p:tgtEl>
-                    <p:sldTgt/>
-                  </p:tgtEl>
-                </p:cond>
-              </p:nextCondLst>
-            </p:seq>
-          </p:childTnLst>
-        </p:cTn>
-      </p:par>
-    </p:tnLst>
-  </p:timing>
 </p:sld>
 </file>
 
@@ -14852,9 +14861,65 @@
           <a:chExt cx="0" cy="0"/>
         </a:xfrm>
       </p:grpSpPr>
+      <p:sp>
+        <p:nvSpPr>
+          <p:cNvPr id="364" name="CustomShape 1"/>
+          <p:cNvSpPr/>
+          <p:nvPr/>
+        </p:nvSpPr>
+        <p:spPr>
+          <a:xfrm>
+            <a:off x="457200" y="273600"/>
+            <a:ext cx="8228520" cy="1144080"/>
+          </a:xfrm>
+          <a:prstGeom prst="rect">
+            <a:avLst/>
+          </a:prstGeom>
+          <a:noFill/>
+          <a:ln>
+            <a:noFill/>
+          </a:ln>
+        </p:spPr>
+        <p:style>
+          <a:lnRef idx="0">
+            <a:scrgbClr r="0" g="0" b="0"/>
+          </a:lnRef>
+          <a:fillRef idx="0">
+            <a:scrgbClr r="0" g="0" b="0"/>
+          </a:fillRef>
+          <a:effectRef idx="0">
+            <a:scrgbClr r="0" g="0" b="0"/>
+          </a:effectRef>
+          <a:fontRef idx="minor"/>
+        </p:style>
+        <p:txBody>
+          <a:bodyPr lIns="0" tIns="0" rIns="0" bIns="0" anchor="ctr"/>
+          <a:lstStyle/>
+          <a:p>
+            <a:pPr>
+              <a:lnSpc>
+                <a:spcPct val="90000"/>
+              </a:lnSpc>
+            </a:pPr>
+            <a:r>
+              <a:rPr lang="en-US" sz="4400" b="0" strike="noStrike" spc="-1">
+                <a:solidFill>
+                  <a:srgbClr val="1F497D"/>
+                </a:solidFill>
+                <a:latin typeface="Arial"/>
+                <a:ea typeface="DejaVu Sans"/>
+              </a:rPr>
+              <a:t>System Overview</a:t>
+            </a:r>
+            <a:endParaRPr lang="en-US" sz="4400" b="0" strike="noStrike" spc="-1">
+              <a:latin typeface="Arial"/>
+            </a:endParaRPr>
+          </a:p>
+        </p:txBody>
+      </p:sp>
       <p:pic>
         <p:nvPicPr>
-          <p:cNvPr id="369" name="Picture 3"/>
+          <p:cNvPr id="365" name="Picture 3"/>
           <p:cNvPicPr/>
           <p:nvPr/>
         </p:nvPicPr>
@@ -14864,8 +14929,77 @@
         </p:blipFill>
         <p:spPr>
           <a:xfrm>
-            <a:off x="0" y="0"/>
-            <a:ext cx="9143280" cy="6959520"/>
+            <a:off x="0" y="1593360"/>
+            <a:ext cx="9143280" cy="4422600"/>
+          </a:xfrm>
+          <a:prstGeom prst="rect">
+            <a:avLst/>
+          </a:prstGeom>
+          <a:ln>
+            <a:noFill/>
+          </a:ln>
+        </p:spPr>
+      </p:pic>
+      <p:pic>
+        <p:nvPicPr>
+          <p:cNvPr id="366" name="Picture 4"/>
+          <p:cNvPicPr/>
+          <p:nvPr/>
+        </p:nvPicPr>
+        <p:blipFill>
+          <a:blip r:embed="rId3"/>
+          <a:stretch/>
+        </p:blipFill>
+        <p:spPr>
+          <a:xfrm>
+            <a:off x="7439760" y="3535560"/>
+            <a:ext cx="1245960" cy="537840"/>
+          </a:xfrm>
+          <a:prstGeom prst="rect">
+            <a:avLst/>
+          </a:prstGeom>
+          <a:ln>
+            <a:noFill/>
+          </a:ln>
+        </p:spPr>
+      </p:pic>
+      <p:pic>
+        <p:nvPicPr>
+          <p:cNvPr id="367" name="Picture 5"/>
+          <p:cNvPicPr/>
+          <p:nvPr/>
+        </p:nvPicPr>
+        <p:blipFill>
+          <a:blip r:embed="rId4"/>
+          <a:stretch/>
+        </p:blipFill>
+        <p:spPr>
+          <a:xfrm>
+            <a:off x="7589880" y="1953360"/>
+            <a:ext cx="946080" cy="610200"/>
+          </a:xfrm>
+          <a:prstGeom prst="rect">
+            <a:avLst/>
+          </a:prstGeom>
+          <a:ln>
+            <a:noFill/>
+          </a:ln>
+        </p:spPr>
+      </p:pic>
+      <p:pic>
+        <p:nvPicPr>
+          <p:cNvPr id="368" name="Picture 7"/>
+          <p:cNvPicPr/>
+          <p:nvPr/>
+        </p:nvPicPr>
+        <p:blipFill>
+          <a:blip r:embed="rId5"/>
+          <a:stretch/>
+        </p:blipFill>
+        <p:spPr>
+          <a:xfrm>
+            <a:off x="7439760" y="2781000"/>
+            <a:ext cx="1209240" cy="578880"/>
           </a:xfrm>
           <a:prstGeom prst="rect">
             <a:avLst/>
@@ -14927,65 +15061,9 @@
           <a:chExt cx="0" cy="0"/>
         </a:xfrm>
       </p:grpSpPr>
-      <p:sp>
-        <p:nvSpPr>
-          <p:cNvPr id="370" name="CustomShape 1"/>
-          <p:cNvSpPr/>
-          <p:nvPr/>
-        </p:nvSpPr>
-        <p:spPr>
-          <a:xfrm>
-            <a:off x="3457080" y="159480"/>
-            <a:ext cx="2054880" cy="638280"/>
-          </a:xfrm>
-          <a:prstGeom prst="rect">
-            <a:avLst/>
-          </a:prstGeom>
-          <a:noFill/>
-          <a:ln>
-            <a:noFill/>
-          </a:ln>
-        </p:spPr>
-        <p:style>
-          <a:lnRef idx="0">
-            <a:scrgbClr r="0" g="0" b="0"/>
-          </a:lnRef>
-          <a:fillRef idx="0">
-            <a:scrgbClr r="0" g="0" b="0"/>
-          </a:fillRef>
-          <a:effectRef idx="0">
-            <a:scrgbClr r="0" g="0" b="0"/>
-          </a:effectRef>
-          <a:fontRef idx="minor"/>
-        </p:style>
-        <p:txBody>
-          <a:bodyPr lIns="90000" tIns="45000" rIns="90000" bIns="45000"/>
-          <a:lstStyle/>
-          <a:p>
-            <a:pPr algn="ctr">
-              <a:lnSpc>
-                <a:spcPct val="100000"/>
-              </a:lnSpc>
-            </a:pPr>
-            <a:r>
-              <a:rPr lang="en-US" sz="3600" b="0" strike="noStrike" spc="-1">
-                <a:solidFill>
-                  <a:srgbClr val="000000"/>
-                </a:solidFill>
-                <a:latin typeface="Times New Roman"/>
-                <a:ea typeface="DejaVu Sans"/>
-              </a:rPr>
-              <a:t>Demo</a:t>
-            </a:r>
-            <a:endParaRPr lang="en-US" sz="3600" b="0" strike="noStrike" spc="-1">
-              <a:latin typeface="Arial"/>
-            </a:endParaRPr>
-          </a:p>
-        </p:txBody>
-      </p:sp>
       <p:pic>
         <p:nvPicPr>
-          <p:cNvPr id="371" name="Picture 170"/>
+          <p:cNvPr id="369" name="Picture 3"/>
           <p:cNvPicPr/>
           <p:nvPr/>
         </p:nvPicPr>
@@ -14995,8 +15073,8 @@
         </p:blipFill>
         <p:spPr>
           <a:xfrm>
-            <a:off x="7589520" y="91800"/>
-            <a:ext cx="1552680" cy="1231560"/>
+            <a:off x="0" y="0"/>
+            <a:ext cx="9143280" cy="6959520"/>
           </a:xfrm>
           <a:prstGeom prst="rect">
             <a:avLst/>
@@ -15060,14 +15138,14 @@
       </p:grpSpPr>
       <p:sp>
         <p:nvSpPr>
-          <p:cNvPr id="372" name="CustomShape 1"/>
+          <p:cNvPr id="370" name="CustomShape 1"/>
           <p:cNvSpPr/>
           <p:nvPr/>
         </p:nvSpPr>
         <p:spPr>
           <a:xfrm>
-            <a:off x="457200" y="273600"/>
-            <a:ext cx="8228160" cy="2066760"/>
+            <a:off x="3457080" y="159480"/>
+            <a:ext cx="2054880" cy="638280"/>
           </a:xfrm>
           <a:prstGeom prst="rect">
             <a:avLst/>
@@ -15090,33 +15168,23 @@
           <a:fontRef idx="minor"/>
         </p:style>
         <p:txBody>
-          <a:bodyPr lIns="0" tIns="0" rIns="0" bIns="0" anchor="ctr">
-            <a:normAutofit/>
-          </a:bodyPr>
-          <a:lstStyle/>
-          <a:p>
-            <a:pPr marL="228600" indent="-227520" algn="ctr">
+          <a:bodyPr lIns="90000" tIns="45000" rIns="90000" bIns="45000"/>
+          <a:lstStyle/>
+          <a:p>
+            <a:pPr algn="ctr">
               <a:lnSpc>
-                <a:spcPct val="90000"/>
+                <a:spcPct val="100000"/>
               </a:lnSpc>
-              <a:spcBef>
-                <a:spcPts val="1001"/>
-              </a:spcBef>
-              <a:buClr>
-                <a:srgbClr val="000000"/>
-              </a:buClr>
-              <a:buFont typeface="Arial"/>
-              <a:buChar char="•"/>
             </a:pPr>
             <a:r>
               <a:rPr lang="en-US" sz="3600" b="0" strike="noStrike" spc="-1">
                 <a:solidFill>
                   <a:srgbClr val="000000"/>
                 </a:solidFill>
-                <a:latin typeface="Arial"/>
+                <a:latin typeface="Times New Roman"/>
                 <a:ea typeface="DejaVu Sans"/>
               </a:rPr>
-              <a:t>Any Questions ?</a:t>
+              <a:t>Demo</a:t>
             </a:r>
             <a:endParaRPr lang="en-US" sz="3600" b="0" strike="noStrike" spc="-1">
               <a:latin typeface="Arial"/>
@@ -15124,6 +15192,29 @@
           </a:p>
         </p:txBody>
       </p:sp>
+      <p:pic>
+        <p:nvPicPr>
+          <p:cNvPr id="371" name="Picture 170"/>
+          <p:cNvPicPr/>
+          <p:nvPr/>
+        </p:nvPicPr>
+        <p:blipFill>
+          <a:blip r:embed="rId2"/>
+          <a:stretch/>
+        </p:blipFill>
+        <p:spPr>
+          <a:xfrm>
+            <a:off x="7589520" y="91800"/>
+            <a:ext cx="1552680" cy="1231560"/>
+          </a:xfrm>
+          <a:prstGeom prst="rect">
+            <a:avLst/>
+          </a:prstGeom>
+          <a:ln>
+            <a:noFill/>
+          </a:ln>
+        </p:spPr>
+      </p:pic>
     </p:spTree>
   </p:cSld>
   <p:clrMapOvr>
@@ -15178,14 +15269,14 @@
       </p:grpSpPr>
       <p:sp>
         <p:nvSpPr>
-          <p:cNvPr id="373" name="CustomShape 1"/>
+          <p:cNvPr id="372" name="CustomShape 1"/>
           <p:cNvSpPr/>
           <p:nvPr/>
         </p:nvSpPr>
         <p:spPr>
           <a:xfrm>
             <a:off x="457200" y="273600"/>
-            <a:ext cx="8228520" cy="1144080"/>
+            <a:ext cx="8228160" cy="2066760"/>
           </a:xfrm>
           <a:prstGeom prst="rect">
             <a:avLst/>
@@ -15208,61 +15299,39 @@
           <a:fontRef idx="minor"/>
         </p:style>
         <p:txBody>
-          <a:bodyPr lIns="0" tIns="0" rIns="0" bIns="0" anchor="ctr"/>
-          <a:lstStyle/>
-          <a:p>
-            <a:pPr>
+          <a:bodyPr lIns="0" tIns="0" rIns="0" bIns="0" anchor="ctr">
+            <a:normAutofit/>
+          </a:bodyPr>
+          <a:lstStyle/>
+          <a:p>
+            <a:pPr marL="228600" indent="-227520" algn="ctr">
               <a:lnSpc>
                 <a:spcPct val="90000"/>
               </a:lnSpc>
+              <a:spcBef>
+                <a:spcPts val="1001"/>
+              </a:spcBef>
+              <a:buClr>
+                <a:srgbClr val="000000"/>
+              </a:buClr>
+              <a:buFont typeface="Arial"/>
+              <a:buChar char="•"/>
             </a:pPr>
             <a:r>
-              <a:rPr lang="en-US" sz="4400" b="0" strike="noStrike" spc="-1">
+              <a:rPr lang="en-US" sz="3600" b="0" strike="noStrike" spc="-1">
                 <a:solidFill>
                   <a:srgbClr val="000000"/>
                 </a:solidFill>
                 <a:latin typeface="Arial"/>
                 <a:ea typeface="DejaVu Sans"/>
               </a:rPr>
-              <a:t>Appendix</a:t>
+              <a:t>Any Questions ?</a:t>
             </a:r>
-            <a:endParaRPr lang="en-US" sz="4400" b="0" strike="noStrike" spc="-1">
-              <a:latin typeface="Arial"/>
-            </a:endParaRPr>
-          </a:p>
-        </p:txBody>
-      </p:sp>
-      <p:sp>
-        <p:nvSpPr>
-          <p:cNvPr id="374" name="CustomShape 2"/>
-          <p:cNvSpPr/>
-          <p:nvPr/>
-        </p:nvSpPr>
-        <p:spPr>
-          <a:xfrm>
-            <a:off x="457200" y="1604520"/>
-            <a:ext cx="8228520" cy="3976560"/>
-          </a:xfrm>
-          <a:prstGeom prst="rect">
-            <a:avLst/>
-          </a:prstGeom>
-          <a:noFill/>
-          <a:ln>
-            <a:noFill/>
-          </a:ln>
-        </p:spPr>
-        <p:style>
-          <a:lnRef idx="0">
-            <a:scrgbClr r="0" g="0" b="0"/>
-          </a:lnRef>
-          <a:fillRef idx="0">
-            <a:scrgbClr r="0" g="0" b="0"/>
-          </a:fillRef>
-          <a:effectRef idx="0">
-            <a:scrgbClr r="0" g="0" b="0"/>
-          </a:effectRef>
-          <a:fontRef idx="minor"/>
-        </p:style>
+            <a:endParaRPr lang="en-US" sz="3600" b="0" strike="noStrike" spc="-1">
+              <a:latin typeface="Arial"/>
+            </a:endParaRPr>
+          </a:p>
+        </p:txBody>
       </p:sp>
     </p:spTree>
   </p:cSld>
@@ -15318,14 +15387,14 @@
       </p:grpSpPr>
       <p:sp>
         <p:nvSpPr>
-          <p:cNvPr id="375" name="CustomShape 1"/>
+          <p:cNvPr id="373" name="CustomShape 1"/>
           <p:cNvSpPr/>
           <p:nvPr/>
         </p:nvSpPr>
         <p:spPr>
           <a:xfrm>
-            <a:off x="685800" y="304920"/>
-            <a:ext cx="7769880" cy="1467360"/>
+            <a:off x="457200" y="273600"/>
+            <a:ext cx="8228520" cy="1144080"/>
           </a:xfrm>
           <a:prstGeom prst="rect">
             <a:avLst/>
@@ -15348,12 +15417,12 @@
           <a:fontRef idx="minor"/>
         </p:style>
         <p:txBody>
-          <a:bodyPr lIns="90000" tIns="45000" rIns="90000" bIns="45000" anchor="ctr"/>
-          <a:lstStyle/>
-          <a:p>
-            <a:pPr algn="ctr">
+          <a:bodyPr lIns="0" tIns="0" rIns="0" bIns="0" anchor="ctr"/>
+          <a:lstStyle/>
+          <a:p>
+            <a:pPr>
               <a:lnSpc>
-                <a:spcPct val="100000"/>
+                <a:spcPct val="90000"/>
               </a:lnSpc>
             </a:pPr>
             <a:r>
@@ -15361,70 +15430,27 @@
                 <a:solidFill>
                   <a:srgbClr val="000000"/>
                 </a:solidFill>
-                <a:latin typeface="Calibri"/>
+                <a:latin typeface="Arial"/>
                 <a:ea typeface="DejaVu Sans"/>
               </a:rPr>
-              <a:t>Most Important Algorithm</a:t>
+              <a:t>Appendix</a:t>
             </a:r>
             <a:endParaRPr lang="en-US" sz="4400" b="0" strike="noStrike" spc="-1">
               <a:latin typeface="Arial"/>
             </a:endParaRPr>
           </a:p>
-          <a:p>
-            <a:pPr algn="ctr">
-              <a:lnSpc>
-                <a:spcPct val="100000"/>
-              </a:lnSpc>
-            </a:pPr>
-            <a:r>
-              <a:rPr lang="en-US" sz="4400" b="0" strike="noStrike" spc="-1">
-                <a:solidFill>
-                  <a:srgbClr val="000000"/>
-                </a:solidFill>
-                <a:latin typeface="Calibri"/>
-                <a:ea typeface="DejaVu Sans"/>
-              </a:rPr>
-              <a:t>Sentiment Analysis</a:t>
-            </a:r>
-            <a:endParaRPr lang="en-US" sz="4400" b="0" strike="noStrike" spc="-1">
-              <a:latin typeface="Arial"/>
-            </a:endParaRPr>
-          </a:p>
-        </p:txBody>
-      </p:sp>
-      <p:pic>
-        <p:nvPicPr>
-          <p:cNvPr id="376" name="Picture 170"/>
-          <p:cNvPicPr/>
-          <p:nvPr/>
-        </p:nvPicPr>
-        <p:blipFill>
-          <a:blip r:embed="rId2"/>
-          <a:stretch/>
-        </p:blipFill>
-        <p:spPr>
-          <a:xfrm>
-            <a:off x="7760880" y="92160"/>
-            <a:ext cx="1381680" cy="1095840"/>
-          </a:xfrm>
-          <a:prstGeom prst="rect">
-            <a:avLst/>
-          </a:prstGeom>
-          <a:ln>
-            <a:noFill/>
-          </a:ln>
-        </p:spPr>
-      </p:pic>
-      <p:sp>
-        <p:nvSpPr>
-          <p:cNvPr id="377" name="CustomShape 2"/>
+        </p:txBody>
+      </p:sp>
+      <p:sp>
+        <p:nvSpPr>
+          <p:cNvPr id="374" name="CustomShape 2"/>
           <p:cNvSpPr/>
           <p:nvPr/>
         </p:nvSpPr>
         <p:spPr>
           <a:xfrm>
-            <a:off x="456840" y="3238560"/>
-            <a:ext cx="8228160" cy="1143720"/>
+            <a:off x="457200" y="1604520"/>
+            <a:ext cx="8228520" cy="3976560"/>
           </a:xfrm>
           <a:prstGeom prst="rect">
             <a:avLst/>
@@ -15446,120 +15472,6 @@
           </a:effectRef>
           <a:fontRef idx="minor"/>
         </p:style>
-        <p:txBody>
-          <a:bodyPr lIns="0" tIns="0" rIns="0" bIns="0" anchor="ctr"/>
-          <a:lstStyle/>
-          <a:p>
-            <a:pPr marL="571680" indent="-570600">
-              <a:lnSpc>
-                <a:spcPct val="90000"/>
-              </a:lnSpc>
-              <a:spcBef>
-                <a:spcPts val="1001"/>
-              </a:spcBef>
-              <a:buClr>
-                <a:srgbClr val="000000"/>
-              </a:buClr>
-              <a:buFont typeface="Arial"/>
-              <a:buChar char="•"/>
-            </a:pPr>
-            <a:r>
-              <a:rPr lang="en-US" sz="2800" b="0" strike="noStrike" spc="-1">
-                <a:solidFill>
-                  <a:srgbClr val="000000"/>
-                </a:solidFill>
-                <a:latin typeface="Arial"/>
-                <a:ea typeface="DejaVu Sans"/>
-              </a:rPr>
-              <a:t>What is Sentiment Analysis ?</a:t>
-            </a:r>
-            <a:endParaRPr lang="en-US" sz="2800" b="0" strike="noStrike" spc="-1">
-              <a:latin typeface="Arial"/>
-            </a:endParaRPr>
-          </a:p>
-          <a:p>
-            <a:pPr>
-              <a:lnSpc>
-                <a:spcPct val="90000"/>
-              </a:lnSpc>
-              <a:spcBef>
-                <a:spcPts val="1001"/>
-              </a:spcBef>
-            </a:pPr>
-            <a:endParaRPr lang="en-US" sz="2800" b="0" strike="noStrike" spc="-1">
-              <a:latin typeface="Arial"/>
-            </a:endParaRPr>
-          </a:p>
-          <a:p>
-            <a:pPr marL="571680" indent="-570600">
-              <a:lnSpc>
-                <a:spcPct val="90000"/>
-              </a:lnSpc>
-              <a:spcBef>
-                <a:spcPts val="1001"/>
-              </a:spcBef>
-              <a:buClr>
-                <a:srgbClr val="000000"/>
-              </a:buClr>
-              <a:buFont typeface="Arial"/>
-              <a:buChar char="•"/>
-            </a:pPr>
-            <a:r>
-              <a:rPr lang="en-US" sz="2800" b="0" strike="noStrike" spc="-1">
-                <a:solidFill>
-                  <a:srgbClr val="000000"/>
-                </a:solidFill>
-                <a:latin typeface="Arial"/>
-                <a:ea typeface="DejaVu Sans"/>
-              </a:rPr>
-              <a:t>Why we chose it ?</a:t>
-            </a:r>
-            <a:endParaRPr lang="en-US" sz="2800" b="0" strike="noStrike" spc="-1">
-              <a:latin typeface="Arial"/>
-            </a:endParaRPr>
-          </a:p>
-          <a:p>
-            <a:pPr>
-              <a:lnSpc>
-                <a:spcPct val="90000"/>
-              </a:lnSpc>
-              <a:spcBef>
-                <a:spcPts val="1001"/>
-              </a:spcBef>
-            </a:pPr>
-            <a:endParaRPr lang="en-US" sz="2800" b="0" strike="noStrike" spc="-1">
-              <a:latin typeface="Arial"/>
-            </a:endParaRPr>
-          </a:p>
-          <a:p>
-            <a:pPr marL="571680" indent="-570600">
-              <a:lnSpc>
-                <a:spcPct val="90000"/>
-              </a:lnSpc>
-              <a:spcBef>
-                <a:spcPts val="1001"/>
-              </a:spcBef>
-              <a:buClr>
-                <a:srgbClr val="000000"/>
-              </a:buClr>
-              <a:buFont typeface="Arial"/>
-              <a:buChar char="•"/>
-            </a:pPr>
-            <a:r>
-              <a:rPr lang="en-US" sz="2800" b="0" strike="noStrike" spc="-1">
-                <a:solidFill>
-                  <a:srgbClr val="000000"/>
-                </a:solidFill>
-                <a:latin typeface="Arial"/>
-                <a:ea typeface="DejaVu Sans"/>
-              </a:rPr>
-              <a:t>How it works ?</a:t>
-            </a:r>
-            <a:endParaRPr lang="en-US" sz="2800" b="0" strike="noStrike" spc="-1">
-              <a:latin typeface="Arial"/>
-            </a:endParaRPr>
-          </a:p>
-        </p:txBody>
       </p:sp>
     </p:spTree>
   </p:cSld>
@@ -15615,14 +15527,14 @@
       </p:grpSpPr>
       <p:sp>
         <p:nvSpPr>
-          <p:cNvPr id="378" name="CustomShape 1"/>
+          <p:cNvPr id="375" name="CustomShape 1"/>
           <p:cNvSpPr/>
           <p:nvPr/>
         </p:nvSpPr>
         <p:spPr>
           <a:xfrm>
-            <a:off x="2377440" y="274320"/>
-            <a:ext cx="4699440" cy="758520"/>
+            <a:off x="685800" y="304920"/>
+            <a:ext cx="7769880" cy="1467360"/>
           </a:xfrm>
           <a:prstGeom prst="rect">
             <a:avLst/>
@@ -15645,10 +15557,10 @@
           <a:fontRef idx="minor"/>
         </p:style>
         <p:txBody>
-          <a:bodyPr lIns="90000" tIns="45000" rIns="90000" bIns="45000"/>
-          <a:lstStyle/>
-          <a:p>
-            <a:pPr>
+          <a:bodyPr lIns="90000" tIns="45000" rIns="90000" bIns="45000" anchor="ctr"/>
+          <a:lstStyle/>
+          <a:p>
+            <a:pPr algn="ctr">
               <a:lnSpc>
                 <a:spcPct val="100000"/>
               </a:lnSpc>
@@ -15658,20 +15570,40 @@
                 <a:solidFill>
                   <a:srgbClr val="000000"/>
                 </a:solidFill>
-                <a:latin typeface="Arial"/>
+                <a:latin typeface="Calibri"/>
                 <a:ea typeface="DejaVu Sans"/>
               </a:rPr>
-              <a:t>Business Model </a:t>
+              <a:t>Most Important Algorithm</a:t>
             </a:r>
             <a:endParaRPr lang="en-US" sz="4400" b="0" strike="noStrike" spc="-1">
               <a:latin typeface="Arial"/>
             </a:endParaRPr>
           </a:p>
+          <a:p>
+            <a:pPr algn="ctr">
+              <a:lnSpc>
+                <a:spcPct val="100000"/>
+              </a:lnSpc>
+            </a:pPr>
+            <a:r>
+              <a:rPr lang="en-US" sz="4400" b="0" strike="noStrike" spc="-1">
+                <a:solidFill>
+                  <a:srgbClr val="000000"/>
+                </a:solidFill>
+                <a:latin typeface="Calibri"/>
+                <a:ea typeface="DejaVu Sans"/>
+              </a:rPr>
+              <a:t>Sentiment Analysis</a:t>
+            </a:r>
+            <a:endParaRPr lang="en-US" sz="4400" b="0" strike="noStrike" spc="-1">
+              <a:latin typeface="Arial"/>
+            </a:endParaRPr>
+          </a:p>
         </p:txBody>
       </p:sp>
       <p:pic>
         <p:nvPicPr>
-          <p:cNvPr id="379" name="Picture 282"/>
+          <p:cNvPr id="376" name="Picture 170"/>
           <p:cNvPicPr/>
           <p:nvPr/>
         </p:nvPicPr>
@@ -15681,8 +15613,8 @@
         </p:blipFill>
         <p:spPr>
           <a:xfrm>
-            <a:off x="385200" y="1286280"/>
-            <a:ext cx="8351640" cy="5562360"/>
+            <a:off x="7760880" y="92160"/>
+            <a:ext cx="1381680" cy="1095840"/>
           </a:xfrm>
           <a:prstGeom prst="rect">
             <a:avLst/>
@@ -15692,39 +15624,16 @@
           </a:ln>
         </p:spPr>
       </p:pic>
-      <p:pic>
-        <p:nvPicPr>
-          <p:cNvPr id="380" name="Picture 170"/>
-          <p:cNvPicPr/>
-          <p:nvPr/>
-        </p:nvPicPr>
-        <p:blipFill>
-          <a:blip r:embed="rId3"/>
-          <a:stretch/>
-        </p:blipFill>
-        <p:spPr>
-          <a:xfrm>
-            <a:off x="7760880" y="92160"/>
-            <a:ext cx="1381680" cy="1095840"/>
-          </a:xfrm>
-          <a:prstGeom prst="rect">
-            <a:avLst/>
-          </a:prstGeom>
-          <a:ln>
-            <a:noFill/>
-          </a:ln>
-        </p:spPr>
-      </p:pic>
-      <p:sp>
-        <p:nvSpPr>
-          <p:cNvPr id="381" name="CustomShape 2"/>
+      <p:sp>
+        <p:nvSpPr>
+          <p:cNvPr id="377" name="CustomShape 2"/>
           <p:cNvSpPr/>
           <p:nvPr/>
         </p:nvSpPr>
         <p:spPr>
           <a:xfrm>
-            <a:off x="4404600" y="6035040"/>
-            <a:ext cx="3275640" cy="363960"/>
+            <a:off x="456840" y="3238560"/>
+            <a:ext cx="8228160" cy="1143720"/>
           </a:xfrm>
           <a:prstGeom prst="rect">
             <a:avLst/>
@@ -15747,25 +15656,115 @@
           <a:fontRef idx="minor"/>
         </p:style>
         <p:txBody>
-          <a:bodyPr lIns="90000" tIns="45000" rIns="90000" bIns="45000"/>
-          <a:lstStyle/>
-          <a:p>
-            <a:pPr>
+          <a:bodyPr lIns="0" tIns="0" rIns="0" bIns="0" anchor="ctr"/>
+          <a:lstStyle/>
+          <a:p>
+            <a:pPr marL="571680" indent="-570600">
               <a:lnSpc>
-                <a:spcPct val="100000"/>
+                <a:spcPct val="90000"/>
               </a:lnSpc>
+              <a:spcBef>
+                <a:spcPts val="1001"/>
+              </a:spcBef>
+              <a:buClr>
+                <a:srgbClr val="000000"/>
+              </a:buClr>
+              <a:buFont typeface="Arial"/>
+              <a:buChar char="•"/>
             </a:pPr>
             <a:r>
-              <a:rPr lang="en-US" sz="1800" b="0" strike="noStrike" spc="-1">
+              <a:rPr lang="en-US" sz="2800" b="0" strike="noStrike" spc="-1">
                 <a:solidFill>
                   <a:srgbClr val="000000"/>
                 </a:solidFill>
                 <a:latin typeface="Arial"/>
                 <a:ea typeface="DejaVu Sans"/>
               </a:rPr>
-              <a:t>Self Learning</a:t>
+              <a:t>What is Sentiment Analysis ?</a:t>
             </a:r>
-            <a:endParaRPr lang="en-US" sz="1800" b="0" strike="noStrike" spc="-1">
+            <a:endParaRPr lang="en-US" sz="2800" b="0" strike="noStrike" spc="-1">
+              <a:latin typeface="Arial"/>
+            </a:endParaRPr>
+          </a:p>
+          <a:p>
+            <a:pPr>
+              <a:lnSpc>
+                <a:spcPct val="90000"/>
+              </a:lnSpc>
+              <a:spcBef>
+                <a:spcPts val="1001"/>
+              </a:spcBef>
+            </a:pPr>
+            <a:endParaRPr lang="en-US" sz="2800" b="0" strike="noStrike" spc="-1">
+              <a:latin typeface="Arial"/>
+            </a:endParaRPr>
+          </a:p>
+          <a:p>
+            <a:pPr marL="571680" indent="-570600">
+              <a:lnSpc>
+                <a:spcPct val="90000"/>
+              </a:lnSpc>
+              <a:spcBef>
+                <a:spcPts val="1001"/>
+              </a:spcBef>
+              <a:buClr>
+                <a:srgbClr val="000000"/>
+              </a:buClr>
+              <a:buFont typeface="Arial"/>
+              <a:buChar char="•"/>
+            </a:pPr>
+            <a:r>
+              <a:rPr lang="en-US" sz="2800" b="0" strike="noStrike" spc="-1">
+                <a:solidFill>
+                  <a:srgbClr val="000000"/>
+                </a:solidFill>
+                <a:latin typeface="Arial"/>
+                <a:ea typeface="DejaVu Sans"/>
+              </a:rPr>
+              <a:t>Why we chose it ?</a:t>
+            </a:r>
+            <a:endParaRPr lang="en-US" sz="2800" b="0" strike="noStrike" spc="-1">
+              <a:latin typeface="Arial"/>
+            </a:endParaRPr>
+          </a:p>
+          <a:p>
+            <a:pPr>
+              <a:lnSpc>
+                <a:spcPct val="90000"/>
+              </a:lnSpc>
+              <a:spcBef>
+                <a:spcPts val="1001"/>
+              </a:spcBef>
+            </a:pPr>
+            <a:endParaRPr lang="en-US" sz="2800" b="0" strike="noStrike" spc="-1">
+              <a:latin typeface="Arial"/>
+            </a:endParaRPr>
+          </a:p>
+          <a:p>
+            <a:pPr marL="571680" indent="-570600">
+              <a:lnSpc>
+                <a:spcPct val="90000"/>
+              </a:lnSpc>
+              <a:spcBef>
+                <a:spcPts val="1001"/>
+              </a:spcBef>
+              <a:buClr>
+                <a:srgbClr val="000000"/>
+              </a:buClr>
+              <a:buFont typeface="Arial"/>
+              <a:buChar char="•"/>
+            </a:pPr>
+            <a:r>
+              <a:rPr lang="en-US" sz="2800" b="0" strike="noStrike" spc="-1">
+                <a:solidFill>
+                  <a:srgbClr val="000000"/>
+                </a:solidFill>
+                <a:latin typeface="Arial"/>
+                <a:ea typeface="DejaVu Sans"/>
+              </a:rPr>
+              <a:t>How it works ?</a:t>
+            </a:r>
+            <a:endParaRPr lang="en-US" sz="2800" b="0" strike="noStrike" spc="-1">
               <a:latin typeface="Arial"/>
             </a:endParaRPr>
           </a:p>
@@ -15825,6 +15824,216 @@
       </p:grpSpPr>
       <p:sp>
         <p:nvSpPr>
+          <p:cNvPr id="378" name="CustomShape 1"/>
+          <p:cNvSpPr/>
+          <p:nvPr/>
+        </p:nvSpPr>
+        <p:spPr>
+          <a:xfrm>
+            <a:off x="2377440" y="274320"/>
+            <a:ext cx="4699440" cy="758520"/>
+          </a:xfrm>
+          <a:prstGeom prst="rect">
+            <a:avLst/>
+          </a:prstGeom>
+          <a:noFill/>
+          <a:ln>
+            <a:noFill/>
+          </a:ln>
+        </p:spPr>
+        <p:style>
+          <a:lnRef idx="0">
+            <a:scrgbClr r="0" g="0" b="0"/>
+          </a:lnRef>
+          <a:fillRef idx="0">
+            <a:scrgbClr r="0" g="0" b="0"/>
+          </a:fillRef>
+          <a:effectRef idx="0">
+            <a:scrgbClr r="0" g="0" b="0"/>
+          </a:effectRef>
+          <a:fontRef idx="minor"/>
+        </p:style>
+        <p:txBody>
+          <a:bodyPr lIns="90000" tIns="45000" rIns="90000" bIns="45000"/>
+          <a:lstStyle/>
+          <a:p>
+            <a:pPr>
+              <a:lnSpc>
+                <a:spcPct val="100000"/>
+              </a:lnSpc>
+            </a:pPr>
+            <a:r>
+              <a:rPr lang="en-US" sz="4400" b="0" strike="noStrike" spc="-1">
+                <a:solidFill>
+                  <a:srgbClr val="000000"/>
+                </a:solidFill>
+                <a:latin typeface="Arial"/>
+                <a:ea typeface="DejaVu Sans"/>
+              </a:rPr>
+              <a:t>Business Model </a:t>
+            </a:r>
+            <a:endParaRPr lang="en-US" sz="4400" b="0" strike="noStrike" spc="-1">
+              <a:latin typeface="Arial"/>
+            </a:endParaRPr>
+          </a:p>
+        </p:txBody>
+      </p:sp>
+      <p:pic>
+        <p:nvPicPr>
+          <p:cNvPr id="379" name="Picture 282"/>
+          <p:cNvPicPr/>
+          <p:nvPr/>
+        </p:nvPicPr>
+        <p:blipFill>
+          <a:blip r:embed="rId2"/>
+          <a:stretch/>
+        </p:blipFill>
+        <p:spPr>
+          <a:xfrm>
+            <a:off x="385200" y="1286280"/>
+            <a:ext cx="8351640" cy="5562360"/>
+          </a:xfrm>
+          <a:prstGeom prst="rect">
+            <a:avLst/>
+          </a:prstGeom>
+          <a:ln>
+            <a:noFill/>
+          </a:ln>
+        </p:spPr>
+      </p:pic>
+      <p:pic>
+        <p:nvPicPr>
+          <p:cNvPr id="380" name="Picture 170"/>
+          <p:cNvPicPr/>
+          <p:nvPr/>
+        </p:nvPicPr>
+        <p:blipFill>
+          <a:blip r:embed="rId3"/>
+          <a:stretch/>
+        </p:blipFill>
+        <p:spPr>
+          <a:xfrm>
+            <a:off x="7760880" y="92160"/>
+            <a:ext cx="1381680" cy="1095840"/>
+          </a:xfrm>
+          <a:prstGeom prst="rect">
+            <a:avLst/>
+          </a:prstGeom>
+          <a:ln>
+            <a:noFill/>
+          </a:ln>
+        </p:spPr>
+      </p:pic>
+      <p:sp>
+        <p:nvSpPr>
+          <p:cNvPr id="381" name="CustomShape 2"/>
+          <p:cNvSpPr/>
+          <p:nvPr/>
+        </p:nvSpPr>
+        <p:spPr>
+          <a:xfrm>
+            <a:off x="4404600" y="6035040"/>
+            <a:ext cx="3275640" cy="363960"/>
+          </a:xfrm>
+          <a:prstGeom prst="rect">
+            <a:avLst/>
+          </a:prstGeom>
+          <a:noFill/>
+          <a:ln>
+            <a:noFill/>
+          </a:ln>
+        </p:spPr>
+        <p:style>
+          <a:lnRef idx="0">
+            <a:scrgbClr r="0" g="0" b="0"/>
+          </a:lnRef>
+          <a:fillRef idx="0">
+            <a:scrgbClr r="0" g="0" b="0"/>
+          </a:fillRef>
+          <a:effectRef idx="0">
+            <a:scrgbClr r="0" g="0" b="0"/>
+          </a:effectRef>
+          <a:fontRef idx="minor"/>
+        </p:style>
+        <p:txBody>
+          <a:bodyPr lIns="90000" tIns="45000" rIns="90000" bIns="45000"/>
+          <a:lstStyle/>
+          <a:p>
+            <a:pPr>
+              <a:lnSpc>
+                <a:spcPct val="100000"/>
+              </a:lnSpc>
+            </a:pPr>
+            <a:r>
+              <a:rPr lang="en-US" sz="1800" b="0" strike="noStrike" spc="-1">
+                <a:solidFill>
+                  <a:srgbClr val="000000"/>
+                </a:solidFill>
+                <a:latin typeface="Arial"/>
+                <a:ea typeface="DejaVu Sans"/>
+              </a:rPr>
+              <a:t>Self Learning</a:t>
+            </a:r>
+            <a:endParaRPr lang="en-US" sz="1800" b="0" strike="noStrike" spc="-1">
+              <a:latin typeface="Arial"/>
+            </a:endParaRPr>
+          </a:p>
+        </p:txBody>
+      </p:sp>
+    </p:spTree>
+  </p:cSld>
+  <p:clrMapOvr>
+    <a:masterClrMapping/>
+  </p:clrMapOvr>
+  <p:timing>
+    <p:tnLst>
+      <p:par>
+        <p:cTn id="1" dur="indefinite" restart="never" nodeType="tmRoot">
+          <p:childTnLst>
+            <p:seq>
+              <p:cTn id="2" dur="indefinite" nodeType="mainSeq"/>
+              <p:prevCondLst>
+                <p:cond evt="onPrev" delay="0">
+                  <p:tgtEl>
+                    <p:sldTgt/>
+                  </p:tgtEl>
+                </p:cond>
+              </p:prevCondLst>
+              <p:nextCondLst>
+                <p:cond evt="onNext" delay="0">
+                  <p:tgtEl>
+                    <p:sldTgt/>
+                  </p:tgtEl>
+                </p:cond>
+              </p:nextCondLst>
+            </p:seq>
+          </p:childTnLst>
+        </p:cTn>
+      </p:par>
+    </p:tnLst>
+  </p:timing>
+</p:sld>
+</file>
+
+<file path=ppt/slides/slide19.xml><?xml version="1.0" encoding="utf-8"?>
+<p:sld xmlns:a="http://schemas.openxmlformats.org/drawingml/2006/main" xmlns:r="http://schemas.openxmlformats.org/officeDocument/2006/relationships" xmlns:p="http://schemas.openxmlformats.org/presentationml/2006/main">
+  <p:cSld>
+    <p:spTree>
+      <p:nvGrpSpPr>
+        <p:cNvPr id="1" name=""/>
+        <p:cNvGrpSpPr/>
+        <p:nvPr/>
+      </p:nvGrpSpPr>
+      <p:grpSpPr>
+        <a:xfrm>
+          <a:off x="0" y="0"/>
+          <a:ext cx="0" cy="0"/>
+          <a:chOff x="0" y="0"/>
+          <a:chExt cx="0" cy="0"/>
+        </a:xfrm>
+      </p:grpSpPr>
+      <p:sp>
+        <p:nvSpPr>
           <p:cNvPr id="382" name="CustomShape 1"/>
           <p:cNvSpPr/>
           <p:nvPr/>
@@ -15937,7 +16146,410 @@
 </p:sld>
 </file>
 
-<file path=ppt/slides/slide19.xml><?xml version="1.0" encoding="utf-8"?>
+<file path=ppt/slides/slide2.xml><?xml version="1.0" encoding="utf-8"?>
+<p:sld xmlns:a="http://schemas.openxmlformats.org/drawingml/2006/main" xmlns:r="http://schemas.openxmlformats.org/officeDocument/2006/relationships" xmlns:p="http://schemas.openxmlformats.org/presentationml/2006/main">
+  <p:cSld>
+    <p:spTree>
+      <p:nvGrpSpPr>
+        <p:cNvPr id="1" name=""/>
+        <p:cNvGrpSpPr/>
+        <p:nvPr/>
+      </p:nvGrpSpPr>
+      <p:grpSpPr>
+        <a:xfrm>
+          <a:off x="0" y="0"/>
+          <a:ext cx="0" cy="0"/>
+          <a:chOff x="0" y="0"/>
+          <a:chExt cx="0" cy="0"/>
+        </a:xfrm>
+      </p:grpSpPr>
+      <p:pic>
+        <p:nvPicPr>
+          <p:cNvPr id="2" name="Picture 2" descr="A screenshot of a computer&#10;&#10;Description generated with high confidence">
+            <a:extLst>
+              <a:ext uri="{FF2B5EF4-FFF2-40B4-BE49-F238E27FC236}">
+                <a16:creationId xmlns:a16="http://schemas.microsoft.com/office/drawing/2014/main" xmlns="" id="{637B6AE3-AAEA-4344-9554-15FD907EDA8F}"/>
+              </a:ext>
+            </a:extLst>
+          </p:cNvPr>
+          <p:cNvPicPr>
+            <a:picLocks noChangeAspect="1"/>
+          </p:cNvPicPr>
+          <p:nvPr/>
+        </p:nvPicPr>
+        <p:blipFill>
+          <a:blip r:embed="rId2"/>
+          <a:stretch>
+            <a:fillRect/>
+          </a:stretch>
+        </p:blipFill>
+        <p:spPr>
+          <a:xfrm>
+            <a:off x="5500551" y="4229308"/>
+            <a:ext cx="3647764" cy="2623308"/>
+          </a:xfrm>
+          <a:prstGeom prst="rect">
+            <a:avLst/>
+          </a:prstGeom>
+        </p:spPr>
+      </p:pic>
+      <p:pic>
+        <p:nvPicPr>
+          <p:cNvPr id="4" name="Picture 4" descr="A group of people standing in a room&#10;&#10;Description generated with very high confidence">
+            <a:extLst>
+              <a:ext uri="{FF2B5EF4-FFF2-40B4-BE49-F238E27FC236}">
+                <a16:creationId xmlns:a16="http://schemas.microsoft.com/office/drawing/2014/main" xmlns="" id="{D9851AB0-6876-418B-BB36-714D9747CD14}"/>
+              </a:ext>
+            </a:extLst>
+          </p:cNvPr>
+          <p:cNvPicPr>
+            <a:picLocks noChangeAspect="1"/>
+          </p:cNvPicPr>
+          <p:nvPr/>
+        </p:nvPicPr>
+        <p:blipFill>
+          <a:blip r:embed="rId3"/>
+          <a:stretch>
+            <a:fillRect/>
+          </a:stretch>
+        </p:blipFill>
+        <p:spPr>
+          <a:xfrm>
+            <a:off x="10792" y="4254002"/>
+            <a:ext cx="3445443" cy="2634693"/>
+          </a:xfrm>
+          <a:prstGeom prst="rect">
+            <a:avLst/>
+          </a:prstGeom>
+        </p:spPr>
+      </p:pic>
+      <p:sp>
+        <p:nvSpPr>
+          <p:cNvPr id="6" name="Arrow: Right 5">
+            <a:extLst>
+              <a:ext uri="{FF2B5EF4-FFF2-40B4-BE49-F238E27FC236}">
+                <a16:creationId xmlns:a16="http://schemas.microsoft.com/office/drawing/2014/main" xmlns="" id="{DFA939A4-4314-47FA-9627-45CAAD25445A}"/>
+              </a:ext>
+            </a:extLst>
+          </p:cNvPr>
+          <p:cNvSpPr/>
+          <p:nvPr/>
+        </p:nvSpPr>
+        <p:spPr>
+          <a:xfrm>
+            <a:off x="3456236" y="5572812"/>
+            <a:ext cx="2044314" cy="437058"/>
+          </a:xfrm>
+          <a:prstGeom prst="rightArrow">
+            <a:avLst/>
+          </a:prstGeom>
+          <a:ln w="57150"/>
+        </p:spPr>
+        <p:style>
+          <a:lnRef idx="2">
+            <a:schemeClr val="accent5"/>
+          </a:lnRef>
+          <a:fillRef idx="1">
+            <a:schemeClr val="lt1"/>
+          </a:fillRef>
+          <a:effectRef idx="0">
+            <a:schemeClr val="accent5"/>
+          </a:effectRef>
+          <a:fontRef idx="minor">
+            <a:schemeClr val="dk1"/>
+          </a:fontRef>
+        </p:style>
+        <p:txBody>
+          <a:bodyPr rtlCol="0" anchor="ctr"/>
+          <a:lstStyle/>
+          <a:p>
+            <a:pPr algn="ctr"/>
+            <a:endParaRPr lang="en-US"/>
+          </a:p>
+        </p:txBody>
+      </p:sp>
+      <p:sp>
+        <p:nvSpPr>
+          <p:cNvPr id="7" name="TextBox 6">
+            <a:extLst>
+              <a:ext uri="{FF2B5EF4-FFF2-40B4-BE49-F238E27FC236}">
+                <a16:creationId xmlns:a16="http://schemas.microsoft.com/office/drawing/2014/main" xmlns="" id="{A3C87CBC-63E6-44A5-82C5-747DE9DA6FD8}"/>
+              </a:ext>
+            </a:extLst>
+          </p:cNvPr>
+          <p:cNvSpPr txBox="1"/>
+          <p:nvPr/>
+        </p:nvSpPr>
+        <p:spPr>
+          <a:xfrm>
+            <a:off x="5912" y="817841"/>
+            <a:ext cx="9151883" cy="1569660"/>
+          </a:xfrm>
+          <a:prstGeom prst="rect">
+            <a:avLst/>
+          </a:prstGeom>
+        </p:spPr>
+        <p:txBody>
+          <a:bodyPr rot="0" spcFirstLastPara="0" vertOverflow="overflow" horzOverflow="overflow" vert="horz" wrap="square" lIns="91440" tIns="45720" rIns="91440" bIns="45720" numCol="1" spcCol="0" rtlCol="0" fromWordArt="0" anchor="t" anchorCtr="0" forceAA="0" compatLnSpc="1">
+            <a:prstTxWarp prst="textNoShape">
+              <a:avLst/>
+            </a:prstTxWarp>
+            <a:spAutoFit/>
+          </a:bodyPr>
+          <a:lstStyle/>
+          <a:p>
+            <a:pPr>
+              <a:buChar char="•"/>
+            </a:pPr>
+            <a:r>
+              <a:rPr lang="en-US" sz="2400" spc="-1" dirty="0">
+                <a:latin typeface="Arial"/>
+              </a:rPr>
+              <a:t> Use superior strength or influence to intimidate </a:t>
+            </a:r>
+            <a:r>
+              <a:rPr lang="en-US" sz="2400" spc="-1" dirty="0" smtClean="0">
+                <a:latin typeface="Arial"/>
+              </a:rPr>
+              <a:t>someone</a:t>
+            </a:r>
+            <a:endParaRPr lang="en-US" sz="2800" spc="-1" dirty="0">
+              <a:latin typeface="Arial"/>
+              <a:cs typeface="Arial"/>
+            </a:endParaRPr>
+          </a:p>
+          <a:p>
+            <a:pPr>
+              <a:buFont typeface="Arial"/>
+              <a:buChar char="•"/>
+            </a:pPr>
+            <a:r>
+              <a:rPr lang="en-US" sz="2400" spc="-1" dirty="0">
+                <a:latin typeface="Arial"/>
+                <a:cs typeface="Arial"/>
+              </a:rPr>
+              <a:t> Cyberbullying has been manifesting our youth for quite some time, due to them being involved in one form of social media communication or another.</a:t>
+            </a:r>
+          </a:p>
+        </p:txBody>
+      </p:sp>
+      <p:sp>
+        <p:nvSpPr>
+          <p:cNvPr id="8" name="TextBox 7">
+            <a:extLst>
+              <a:ext uri="{FF2B5EF4-FFF2-40B4-BE49-F238E27FC236}">
+                <a16:creationId xmlns:a16="http://schemas.microsoft.com/office/drawing/2014/main" xmlns="" id="{D42BB7B7-CFFD-4BE0-AE54-95CC17AA9876}"/>
+              </a:ext>
+            </a:extLst>
+          </p:cNvPr>
+          <p:cNvSpPr txBox="1"/>
+          <p:nvPr/>
+        </p:nvSpPr>
+        <p:spPr>
+          <a:xfrm>
+            <a:off x="4681" y="71931"/>
+            <a:ext cx="2963917" cy="646331"/>
+          </a:xfrm>
+          <a:prstGeom prst="rect">
+            <a:avLst/>
+          </a:prstGeom>
+        </p:spPr>
+        <p:txBody>
+          <a:bodyPr rot="0" spcFirstLastPara="0" vertOverflow="overflow" horzOverflow="overflow" vert="horz" wrap="square" lIns="91440" tIns="45720" rIns="91440" bIns="45720" numCol="1" spcCol="0" rtlCol="0" fromWordArt="0" anchor="t" anchorCtr="0" forceAA="0" compatLnSpc="1">
+            <a:prstTxWarp prst="textNoShape">
+              <a:avLst/>
+            </a:prstTxWarp>
+            <a:spAutoFit/>
+          </a:bodyPr>
+          <a:lstStyle/>
+          <a:p>
+            <a:pPr algn="l"/>
+            <a:r>
+              <a:rPr lang="en-US" sz="3600" b="1" dirty="0">
+                <a:latin typeface="Arial"/>
+                <a:cs typeface="Arial"/>
+              </a:rPr>
+              <a:t>Introduction</a:t>
+            </a:r>
+          </a:p>
+        </p:txBody>
+      </p:sp>
+      <p:sp>
+        <p:nvSpPr>
+          <p:cNvPr id="10" name="TextBox 9">
+            <a:extLst>
+              <a:ext uri="{FF2B5EF4-FFF2-40B4-BE49-F238E27FC236}">
+                <a16:creationId xmlns:a16="http://schemas.microsoft.com/office/drawing/2014/main" xmlns="" id="{2D62FED7-CAAD-4632-B96D-81631378427F}"/>
+              </a:ext>
+            </a:extLst>
+          </p:cNvPr>
+          <p:cNvSpPr txBox="1"/>
+          <p:nvPr/>
+        </p:nvSpPr>
+        <p:spPr>
+          <a:xfrm>
+            <a:off x="160489" y="3909440"/>
+            <a:ext cx="2648606" cy="400110"/>
+          </a:xfrm>
+          <a:prstGeom prst="rect">
+            <a:avLst/>
+          </a:prstGeom>
+        </p:spPr>
+        <p:txBody>
+          <a:bodyPr rot="0" spcFirstLastPara="0" vertOverflow="overflow" horzOverflow="overflow" vert="horz" wrap="square" lIns="91440" tIns="45720" rIns="91440" bIns="45720" numCol="1" spcCol="0" rtlCol="0" fromWordArt="0" anchor="t" anchorCtr="0" forceAA="0" compatLnSpc="1">
+            <a:prstTxWarp prst="textNoShape">
+              <a:avLst/>
+            </a:prstTxWarp>
+            <a:spAutoFit/>
+          </a:bodyPr>
+          <a:lstStyle/>
+          <a:p>
+            <a:pPr algn="ctr"/>
+            <a:r>
+              <a:rPr lang="en-US" sz="2000" b="1" dirty="0">
+                <a:cs typeface="Calibri"/>
+              </a:rPr>
+              <a:t>Real life</a:t>
+            </a:r>
+            <a:endParaRPr lang="en-US" dirty="0"/>
+          </a:p>
+        </p:txBody>
+      </p:sp>
+      <p:sp>
+        <p:nvSpPr>
+          <p:cNvPr id="11" name="TextBox 10">
+            <a:extLst>
+              <a:ext uri="{FF2B5EF4-FFF2-40B4-BE49-F238E27FC236}">
+                <a16:creationId xmlns:a16="http://schemas.microsoft.com/office/drawing/2014/main" xmlns="" id="{33569058-BD4C-4955-BC32-0A55506A8DCE}"/>
+              </a:ext>
+            </a:extLst>
+          </p:cNvPr>
+          <p:cNvSpPr txBox="1"/>
+          <p:nvPr/>
+        </p:nvSpPr>
+        <p:spPr>
+          <a:xfrm>
+            <a:off x="5975495" y="3868759"/>
+            <a:ext cx="2697875" cy="400110"/>
+          </a:xfrm>
+          <a:prstGeom prst="rect">
+            <a:avLst/>
+          </a:prstGeom>
+        </p:spPr>
+        <p:txBody>
+          <a:bodyPr rot="0" spcFirstLastPara="0" vertOverflow="overflow" horzOverflow="overflow" vert="horz" wrap="square" lIns="91440" tIns="45720" rIns="91440" bIns="45720" numCol="1" spcCol="0" rtlCol="0" fromWordArt="0" anchor="t" anchorCtr="0" forceAA="0" compatLnSpc="1">
+            <a:prstTxWarp prst="textNoShape">
+              <a:avLst/>
+            </a:prstTxWarp>
+            <a:spAutoFit/>
+          </a:bodyPr>
+          <a:lstStyle/>
+          <a:p>
+            <a:pPr algn="ctr"/>
+            <a:r>
+              <a:rPr lang="en-US" sz="2000" b="1" dirty="0">
+                <a:cs typeface="Calibri"/>
+              </a:rPr>
+              <a:t>The Internet</a:t>
+            </a:r>
+            <a:endParaRPr lang="en-US" dirty="0"/>
+          </a:p>
+        </p:txBody>
+      </p:sp>
+      <p:sp>
+        <p:nvSpPr>
+          <p:cNvPr id="12" name="TextBox 11">
+            <a:extLst>
+              <a:ext uri="{FF2B5EF4-FFF2-40B4-BE49-F238E27FC236}">
+                <a16:creationId xmlns:a16="http://schemas.microsoft.com/office/drawing/2014/main" xmlns="" id="{60AF91FB-AF96-4E95-AB9F-EAFD2DEE101F}"/>
+              </a:ext>
+            </a:extLst>
+          </p:cNvPr>
+          <p:cNvSpPr txBox="1"/>
+          <p:nvPr/>
+        </p:nvSpPr>
+        <p:spPr>
+          <a:xfrm>
+            <a:off x="986" y="2399261"/>
+            <a:ext cx="2967612" cy="646331"/>
+          </a:xfrm>
+          <a:prstGeom prst="rect">
+            <a:avLst/>
+          </a:prstGeom>
+        </p:spPr>
+        <p:txBody>
+          <a:bodyPr rot="0" spcFirstLastPara="0" vertOverflow="overflow" horzOverflow="overflow" vert="horz" wrap="square" lIns="91440" tIns="45720" rIns="91440" bIns="45720" numCol="1" spcCol="0" rtlCol="0" fromWordArt="0" anchor="t" anchorCtr="0" forceAA="0" compatLnSpc="1">
+            <a:prstTxWarp prst="textNoShape">
+              <a:avLst/>
+            </a:prstTxWarp>
+            <a:spAutoFit/>
+          </a:bodyPr>
+          <a:lstStyle/>
+          <a:p>
+            <a:r>
+              <a:rPr lang="en-US" sz="3600" b="1" dirty="0">
+                <a:latin typeface="Arial"/>
+                <a:cs typeface="Arial"/>
+              </a:rPr>
+              <a:t>Our Scope</a:t>
+            </a:r>
+          </a:p>
+        </p:txBody>
+      </p:sp>
+      <p:sp>
+        <p:nvSpPr>
+          <p:cNvPr id="13" name="TextBox 12">
+            <a:extLst>
+              <a:ext uri="{FF2B5EF4-FFF2-40B4-BE49-F238E27FC236}">
+                <a16:creationId xmlns:a16="http://schemas.microsoft.com/office/drawing/2014/main" xmlns="" id="{176BDA53-93C3-4B3A-897E-F2C5642AE7DB}"/>
+              </a:ext>
+            </a:extLst>
+          </p:cNvPr>
+          <p:cNvSpPr txBox="1"/>
+          <p:nvPr/>
+        </p:nvSpPr>
+        <p:spPr>
+          <a:xfrm>
+            <a:off x="9607" y="3078443"/>
+            <a:ext cx="9122322" cy="830997"/>
+          </a:xfrm>
+          <a:prstGeom prst="rect">
+            <a:avLst/>
+          </a:prstGeom>
+        </p:spPr>
+        <p:txBody>
+          <a:bodyPr rot="0" spcFirstLastPara="0" vertOverflow="overflow" horzOverflow="overflow" vert="horz" wrap="square" lIns="91440" tIns="45720" rIns="91440" bIns="45720" numCol="1" spcCol="0" rtlCol="0" fromWordArt="0" anchor="t" anchorCtr="0" forceAA="0" compatLnSpc="1">
+            <a:prstTxWarp prst="textNoShape">
+              <a:avLst/>
+            </a:prstTxWarp>
+            <a:spAutoFit/>
+          </a:bodyPr>
+          <a:lstStyle/>
+          <a:p>
+            <a:r>
+              <a:rPr lang="en-US" sz="2400" dirty="0"/>
+              <a:t>Social Media platforms will benefit from our software as cyberbullying rates will drop</a:t>
+            </a:r>
+            <a:endParaRPr lang="en-US" sz="2400" dirty="0">
+              <a:cs typeface="Calibri"/>
+            </a:endParaRPr>
+          </a:p>
+        </p:txBody>
+      </p:sp>
+    </p:spTree>
+    <p:extLst>
+      <p:ext uri="{BB962C8B-B14F-4D97-AF65-F5344CB8AC3E}">
+        <p14:creationId xmlns:p14="http://schemas.microsoft.com/office/powerpoint/2010/main" val="4029253074"/>
+      </p:ext>
+    </p:extLst>
+  </p:cSld>
+  <p:clrMapOvr>
+    <a:masterClrMapping/>
+  </p:clrMapOvr>
+</p:sld>
+</file>
+
+<file path=ppt/slides/slide20.xml><?xml version="1.0" encoding="utf-8"?>
 <p:sld xmlns:a="http://schemas.openxmlformats.org/drawingml/2006/main" xmlns:r="http://schemas.openxmlformats.org/officeDocument/2006/relationships" xmlns:p="http://schemas.openxmlformats.org/presentationml/2006/main">
   <p:cSld>
     <p:spTree>
@@ -16785,410 +17397,7 @@
 </p:sld>
 </file>
 
-<file path=ppt/slides/slide2.xml><?xml version="1.0" encoding="utf-8"?>
-<p:sld xmlns:a="http://schemas.openxmlformats.org/drawingml/2006/main" xmlns:r="http://schemas.openxmlformats.org/officeDocument/2006/relationships" xmlns:p="http://schemas.openxmlformats.org/presentationml/2006/main">
-  <p:cSld>
-    <p:spTree>
-      <p:nvGrpSpPr>
-        <p:cNvPr id="1" name=""/>
-        <p:cNvGrpSpPr/>
-        <p:nvPr/>
-      </p:nvGrpSpPr>
-      <p:grpSpPr>
-        <a:xfrm>
-          <a:off x="0" y="0"/>
-          <a:ext cx="0" cy="0"/>
-          <a:chOff x="0" y="0"/>
-          <a:chExt cx="0" cy="0"/>
-        </a:xfrm>
-      </p:grpSpPr>
-      <p:pic>
-        <p:nvPicPr>
-          <p:cNvPr id="2" name="Picture 2" descr="A screenshot of a computer&#10;&#10;Description generated with high confidence">
-            <a:extLst>
-              <a:ext uri="{FF2B5EF4-FFF2-40B4-BE49-F238E27FC236}">
-                <a16:creationId xmlns:a16="http://schemas.microsoft.com/office/drawing/2014/main" xmlns="" id="{637B6AE3-AAEA-4344-9554-15FD907EDA8F}"/>
-              </a:ext>
-            </a:extLst>
-          </p:cNvPr>
-          <p:cNvPicPr>
-            <a:picLocks noChangeAspect="1"/>
-          </p:cNvPicPr>
-          <p:nvPr/>
-        </p:nvPicPr>
-        <p:blipFill>
-          <a:blip r:embed="rId2"/>
-          <a:stretch>
-            <a:fillRect/>
-          </a:stretch>
-        </p:blipFill>
-        <p:spPr>
-          <a:xfrm>
-            <a:off x="5500551" y="4229308"/>
-            <a:ext cx="3647764" cy="2623308"/>
-          </a:xfrm>
-          <a:prstGeom prst="rect">
-            <a:avLst/>
-          </a:prstGeom>
-        </p:spPr>
-      </p:pic>
-      <p:pic>
-        <p:nvPicPr>
-          <p:cNvPr id="4" name="Picture 4" descr="A group of people standing in a room&#10;&#10;Description generated with very high confidence">
-            <a:extLst>
-              <a:ext uri="{FF2B5EF4-FFF2-40B4-BE49-F238E27FC236}">
-                <a16:creationId xmlns:a16="http://schemas.microsoft.com/office/drawing/2014/main" xmlns="" id="{D9851AB0-6876-418B-BB36-714D9747CD14}"/>
-              </a:ext>
-            </a:extLst>
-          </p:cNvPr>
-          <p:cNvPicPr>
-            <a:picLocks noChangeAspect="1"/>
-          </p:cNvPicPr>
-          <p:nvPr/>
-        </p:nvPicPr>
-        <p:blipFill>
-          <a:blip r:embed="rId3"/>
-          <a:stretch>
-            <a:fillRect/>
-          </a:stretch>
-        </p:blipFill>
-        <p:spPr>
-          <a:xfrm>
-            <a:off x="10792" y="4254002"/>
-            <a:ext cx="3445443" cy="2634693"/>
-          </a:xfrm>
-          <a:prstGeom prst="rect">
-            <a:avLst/>
-          </a:prstGeom>
-        </p:spPr>
-      </p:pic>
-      <p:sp>
-        <p:nvSpPr>
-          <p:cNvPr id="6" name="Arrow: Right 5">
-            <a:extLst>
-              <a:ext uri="{FF2B5EF4-FFF2-40B4-BE49-F238E27FC236}">
-                <a16:creationId xmlns:a16="http://schemas.microsoft.com/office/drawing/2014/main" xmlns="" id="{DFA939A4-4314-47FA-9627-45CAAD25445A}"/>
-              </a:ext>
-            </a:extLst>
-          </p:cNvPr>
-          <p:cNvSpPr/>
-          <p:nvPr/>
-        </p:nvSpPr>
-        <p:spPr>
-          <a:xfrm>
-            <a:off x="3456236" y="5572812"/>
-            <a:ext cx="2044314" cy="437058"/>
-          </a:xfrm>
-          <a:prstGeom prst="rightArrow">
-            <a:avLst/>
-          </a:prstGeom>
-          <a:ln w="57150"/>
-        </p:spPr>
-        <p:style>
-          <a:lnRef idx="2">
-            <a:schemeClr val="accent5"/>
-          </a:lnRef>
-          <a:fillRef idx="1">
-            <a:schemeClr val="lt1"/>
-          </a:fillRef>
-          <a:effectRef idx="0">
-            <a:schemeClr val="accent5"/>
-          </a:effectRef>
-          <a:fontRef idx="minor">
-            <a:schemeClr val="dk1"/>
-          </a:fontRef>
-        </p:style>
-        <p:txBody>
-          <a:bodyPr rtlCol="0" anchor="ctr"/>
-          <a:lstStyle/>
-          <a:p>
-            <a:pPr algn="ctr"/>
-            <a:endParaRPr lang="en-US"/>
-          </a:p>
-        </p:txBody>
-      </p:sp>
-      <p:sp>
-        <p:nvSpPr>
-          <p:cNvPr id="7" name="TextBox 6">
-            <a:extLst>
-              <a:ext uri="{FF2B5EF4-FFF2-40B4-BE49-F238E27FC236}">
-                <a16:creationId xmlns:a16="http://schemas.microsoft.com/office/drawing/2014/main" xmlns="" id="{A3C87CBC-63E6-44A5-82C5-747DE9DA6FD8}"/>
-              </a:ext>
-            </a:extLst>
-          </p:cNvPr>
-          <p:cNvSpPr txBox="1"/>
-          <p:nvPr/>
-        </p:nvSpPr>
-        <p:spPr>
-          <a:xfrm>
-            <a:off x="5912" y="817841"/>
-            <a:ext cx="9151883" cy="1569660"/>
-          </a:xfrm>
-          <a:prstGeom prst="rect">
-            <a:avLst/>
-          </a:prstGeom>
-        </p:spPr>
-        <p:txBody>
-          <a:bodyPr rot="0" spcFirstLastPara="0" vertOverflow="overflow" horzOverflow="overflow" vert="horz" wrap="square" lIns="91440" tIns="45720" rIns="91440" bIns="45720" numCol="1" spcCol="0" rtlCol="0" fromWordArt="0" anchor="t" anchorCtr="0" forceAA="0" compatLnSpc="1">
-            <a:prstTxWarp prst="textNoShape">
-              <a:avLst/>
-            </a:prstTxWarp>
-            <a:spAutoFit/>
-          </a:bodyPr>
-          <a:lstStyle/>
-          <a:p>
-            <a:pPr>
-              <a:buChar char="•"/>
-            </a:pPr>
-            <a:r>
-              <a:rPr lang="en-US" sz="2400" spc="-1" dirty="0">
-                <a:latin typeface="Arial"/>
-              </a:rPr>
-              <a:t> Use superior strength or influence to intimidate </a:t>
-            </a:r>
-            <a:r>
-              <a:rPr lang="en-US" sz="2400" spc="-1" dirty="0" smtClean="0">
-                <a:latin typeface="Arial"/>
-              </a:rPr>
-              <a:t>someone</a:t>
-            </a:r>
-            <a:endParaRPr lang="en-US" sz="2800" spc="-1" dirty="0">
-              <a:latin typeface="Arial"/>
-              <a:cs typeface="Arial"/>
-            </a:endParaRPr>
-          </a:p>
-          <a:p>
-            <a:pPr>
-              <a:buFont typeface="Arial"/>
-              <a:buChar char="•"/>
-            </a:pPr>
-            <a:r>
-              <a:rPr lang="en-US" sz="2400" spc="-1" dirty="0">
-                <a:latin typeface="Arial"/>
-                <a:cs typeface="Arial"/>
-              </a:rPr>
-              <a:t> Cyberbullying has been manifesting our youth for quite some time, due to them being involved in one form of social media communication or another.</a:t>
-            </a:r>
-          </a:p>
-        </p:txBody>
-      </p:sp>
-      <p:sp>
-        <p:nvSpPr>
-          <p:cNvPr id="8" name="TextBox 7">
-            <a:extLst>
-              <a:ext uri="{FF2B5EF4-FFF2-40B4-BE49-F238E27FC236}">
-                <a16:creationId xmlns:a16="http://schemas.microsoft.com/office/drawing/2014/main" xmlns="" id="{D42BB7B7-CFFD-4BE0-AE54-95CC17AA9876}"/>
-              </a:ext>
-            </a:extLst>
-          </p:cNvPr>
-          <p:cNvSpPr txBox="1"/>
-          <p:nvPr/>
-        </p:nvSpPr>
-        <p:spPr>
-          <a:xfrm>
-            <a:off x="4681" y="71931"/>
-            <a:ext cx="2963917" cy="646331"/>
-          </a:xfrm>
-          <a:prstGeom prst="rect">
-            <a:avLst/>
-          </a:prstGeom>
-        </p:spPr>
-        <p:txBody>
-          <a:bodyPr rot="0" spcFirstLastPara="0" vertOverflow="overflow" horzOverflow="overflow" vert="horz" wrap="square" lIns="91440" tIns="45720" rIns="91440" bIns="45720" numCol="1" spcCol="0" rtlCol="0" fromWordArt="0" anchor="t" anchorCtr="0" forceAA="0" compatLnSpc="1">
-            <a:prstTxWarp prst="textNoShape">
-              <a:avLst/>
-            </a:prstTxWarp>
-            <a:spAutoFit/>
-          </a:bodyPr>
-          <a:lstStyle/>
-          <a:p>
-            <a:pPr algn="l"/>
-            <a:r>
-              <a:rPr lang="en-US" sz="3600" b="1" dirty="0">
-                <a:latin typeface="Arial"/>
-                <a:cs typeface="Arial"/>
-              </a:rPr>
-              <a:t>Introduction</a:t>
-            </a:r>
-          </a:p>
-        </p:txBody>
-      </p:sp>
-      <p:sp>
-        <p:nvSpPr>
-          <p:cNvPr id="10" name="TextBox 9">
-            <a:extLst>
-              <a:ext uri="{FF2B5EF4-FFF2-40B4-BE49-F238E27FC236}">
-                <a16:creationId xmlns:a16="http://schemas.microsoft.com/office/drawing/2014/main" xmlns="" id="{2D62FED7-CAAD-4632-B96D-81631378427F}"/>
-              </a:ext>
-            </a:extLst>
-          </p:cNvPr>
-          <p:cNvSpPr txBox="1"/>
-          <p:nvPr/>
-        </p:nvSpPr>
-        <p:spPr>
-          <a:xfrm>
-            <a:off x="160489" y="3909440"/>
-            <a:ext cx="2648606" cy="400110"/>
-          </a:xfrm>
-          <a:prstGeom prst="rect">
-            <a:avLst/>
-          </a:prstGeom>
-        </p:spPr>
-        <p:txBody>
-          <a:bodyPr rot="0" spcFirstLastPara="0" vertOverflow="overflow" horzOverflow="overflow" vert="horz" wrap="square" lIns="91440" tIns="45720" rIns="91440" bIns="45720" numCol="1" spcCol="0" rtlCol="0" fromWordArt="0" anchor="t" anchorCtr="0" forceAA="0" compatLnSpc="1">
-            <a:prstTxWarp prst="textNoShape">
-              <a:avLst/>
-            </a:prstTxWarp>
-            <a:spAutoFit/>
-          </a:bodyPr>
-          <a:lstStyle/>
-          <a:p>
-            <a:pPr algn="ctr"/>
-            <a:r>
-              <a:rPr lang="en-US" sz="2000" b="1" dirty="0">
-                <a:cs typeface="Calibri"/>
-              </a:rPr>
-              <a:t>Real life</a:t>
-            </a:r>
-            <a:endParaRPr lang="en-US" dirty="0"/>
-          </a:p>
-        </p:txBody>
-      </p:sp>
-      <p:sp>
-        <p:nvSpPr>
-          <p:cNvPr id="11" name="TextBox 10">
-            <a:extLst>
-              <a:ext uri="{FF2B5EF4-FFF2-40B4-BE49-F238E27FC236}">
-                <a16:creationId xmlns:a16="http://schemas.microsoft.com/office/drawing/2014/main" xmlns="" id="{33569058-BD4C-4955-BC32-0A55506A8DCE}"/>
-              </a:ext>
-            </a:extLst>
-          </p:cNvPr>
-          <p:cNvSpPr txBox="1"/>
-          <p:nvPr/>
-        </p:nvSpPr>
-        <p:spPr>
-          <a:xfrm>
-            <a:off x="5975495" y="3868759"/>
-            <a:ext cx="2697875" cy="400110"/>
-          </a:xfrm>
-          <a:prstGeom prst="rect">
-            <a:avLst/>
-          </a:prstGeom>
-        </p:spPr>
-        <p:txBody>
-          <a:bodyPr rot="0" spcFirstLastPara="0" vertOverflow="overflow" horzOverflow="overflow" vert="horz" wrap="square" lIns="91440" tIns="45720" rIns="91440" bIns="45720" numCol="1" spcCol="0" rtlCol="0" fromWordArt="0" anchor="t" anchorCtr="0" forceAA="0" compatLnSpc="1">
-            <a:prstTxWarp prst="textNoShape">
-              <a:avLst/>
-            </a:prstTxWarp>
-            <a:spAutoFit/>
-          </a:bodyPr>
-          <a:lstStyle/>
-          <a:p>
-            <a:pPr algn="ctr"/>
-            <a:r>
-              <a:rPr lang="en-US" sz="2000" b="1" dirty="0">
-                <a:cs typeface="Calibri"/>
-              </a:rPr>
-              <a:t>The Internet</a:t>
-            </a:r>
-            <a:endParaRPr lang="en-US" dirty="0"/>
-          </a:p>
-        </p:txBody>
-      </p:sp>
-      <p:sp>
-        <p:nvSpPr>
-          <p:cNvPr id="12" name="TextBox 11">
-            <a:extLst>
-              <a:ext uri="{FF2B5EF4-FFF2-40B4-BE49-F238E27FC236}">
-                <a16:creationId xmlns:a16="http://schemas.microsoft.com/office/drawing/2014/main" xmlns="" id="{60AF91FB-AF96-4E95-AB9F-EAFD2DEE101F}"/>
-              </a:ext>
-            </a:extLst>
-          </p:cNvPr>
-          <p:cNvSpPr txBox="1"/>
-          <p:nvPr/>
-        </p:nvSpPr>
-        <p:spPr>
-          <a:xfrm>
-            <a:off x="986" y="2399261"/>
-            <a:ext cx="2967612" cy="646331"/>
-          </a:xfrm>
-          <a:prstGeom prst="rect">
-            <a:avLst/>
-          </a:prstGeom>
-        </p:spPr>
-        <p:txBody>
-          <a:bodyPr rot="0" spcFirstLastPara="0" vertOverflow="overflow" horzOverflow="overflow" vert="horz" wrap="square" lIns="91440" tIns="45720" rIns="91440" bIns="45720" numCol="1" spcCol="0" rtlCol="0" fromWordArt="0" anchor="t" anchorCtr="0" forceAA="0" compatLnSpc="1">
-            <a:prstTxWarp prst="textNoShape">
-              <a:avLst/>
-            </a:prstTxWarp>
-            <a:spAutoFit/>
-          </a:bodyPr>
-          <a:lstStyle/>
-          <a:p>
-            <a:r>
-              <a:rPr lang="en-US" sz="3600" b="1" dirty="0">
-                <a:latin typeface="Arial"/>
-                <a:cs typeface="Arial"/>
-              </a:rPr>
-              <a:t>Our Scope</a:t>
-            </a:r>
-          </a:p>
-        </p:txBody>
-      </p:sp>
-      <p:sp>
-        <p:nvSpPr>
-          <p:cNvPr id="13" name="TextBox 12">
-            <a:extLst>
-              <a:ext uri="{FF2B5EF4-FFF2-40B4-BE49-F238E27FC236}">
-                <a16:creationId xmlns:a16="http://schemas.microsoft.com/office/drawing/2014/main" xmlns="" id="{176BDA53-93C3-4B3A-897E-F2C5642AE7DB}"/>
-              </a:ext>
-            </a:extLst>
-          </p:cNvPr>
-          <p:cNvSpPr txBox="1"/>
-          <p:nvPr/>
-        </p:nvSpPr>
-        <p:spPr>
-          <a:xfrm>
-            <a:off x="9607" y="3078443"/>
-            <a:ext cx="9122322" cy="830997"/>
-          </a:xfrm>
-          <a:prstGeom prst="rect">
-            <a:avLst/>
-          </a:prstGeom>
-        </p:spPr>
-        <p:txBody>
-          <a:bodyPr rot="0" spcFirstLastPara="0" vertOverflow="overflow" horzOverflow="overflow" vert="horz" wrap="square" lIns="91440" tIns="45720" rIns="91440" bIns="45720" numCol="1" spcCol="0" rtlCol="0" fromWordArt="0" anchor="t" anchorCtr="0" forceAA="0" compatLnSpc="1">
-            <a:prstTxWarp prst="textNoShape">
-              <a:avLst/>
-            </a:prstTxWarp>
-            <a:spAutoFit/>
-          </a:bodyPr>
-          <a:lstStyle/>
-          <a:p>
-            <a:r>
-              <a:rPr lang="en-US" sz="2400" dirty="0"/>
-              <a:t>Social Media platforms will benefit from our software as cyberbullying rates will drop</a:t>
-            </a:r>
-            <a:endParaRPr lang="en-US" sz="2400" dirty="0">
-              <a:cs typeface="Calibri"/>
-            </a:endParaRPr>
-          </a:p>
-        </p:txBody>
-      </p:sp>
-    </p:spTree>
-    <p:extLst>
-      <p:ext uri="{BB962C8B-B14F-4D97-AF65-F5344CB8AC3E}">
-        <p14:creationId xmlns:p14="http://schemas.microsoft.com/office/powerpoint/2010/main" val="4029253074"/>
-      </p:ext>
-    </p:extLst>
-  </p:cSld>
-  <p:clrMapOvr>
-    <a:masterClrMapping/>
-  </p:clrMapOvr>
-</p:sld>
-</file>
-
-<file path=ppt/slides/slide20.xml><?xml version="1.0" encoding="utf-8"?>
+<file path=ppt/slides/slide21.xml><?xml version="1.0" encoding="utf-8"?>
 <p:sld xmlns:a="http://schemas.openxmlformats.org/drawingml/2006/main" xmlns:r="http://schemas.openxmlformats.org/officeDocument/2006/relationships" xmlns:p="http://schemas.openxmlformats.org/presentationml/2006/main">
   <p:cSld>
     <p:spTree>
@@ -17328,7 +17537,7 @@
 </p:sld>
 </file>
 
-<file path=ppt/slides/slide21.xml><?xml version="1.0" encoding="utf-8"?>
+<file path=ppt/slides/slide22.xml><?xml version="1.0" encoding="utf-8"?>
 <p:sld xmlns:a="http://schemas.openxmlformats.org/drawingml/2006/main" xmlns:r="http://schemas.openxmlformats.org/officeDocument/2006/relationships" xmlns:p="http://schemas.openxmlformats.org/presentationml/2006/main">
   <p:cSld>
     <p:spTree>
@@ -17491,7 +17700,7 @@
 </p:sld>
 </file>
 
-<file path=ppt/slides/slide22.xml><?xml version="1.0" encoding="utf-8"?>
+<file path=ppt/slides/slide23.xml><?xml version="1.0" encoding="utf-8"?>
 <p:sld xmlns:a="http://schemas.openxmlformats.org/drawingml/2006/main" xmlns:r="http://schemas.openxmlformats.org/officeDocument/2006/relationships" xmlns:p="http://schemas.openxmlformats.org/presentationml/2006/main">
   <p:cSld>
     <p:spTree>
@@ -18280,7 +18489,7 @@
 </p:sld>
 </file>
 
-<file path=ppt/slides/slide23.xml><?xml version="1.0" encoding="utf-8"?>
+<file path=ppt/slides/slide24.xml><?xml version="1.0" encoding="utf-8"?>
 <p:sld xmlns:a="http://schemas.openxmlformats.org/drawingml/2006/main" xmlns:r="http://schemas.openxmlformats.org/officeDocument/2006/relationships" xmlns:p="http://schemas.openxmlformats.org/presentationml/2006/main">
   <p:cSld>
     <p:spTree>
@@ -18390,137 +18599,6 @@
           <a:xfrm>
             <a:off x="7760880" y="92160"/>
             <a:ext cx="1381680" cy="1095840"/>
-          </a:xfrm>
-          <a:prstGeom prst="rect">
-            <a:avLst/>
-          </a:prstGeom>
-          <a:ln>
-            <a:noFill/>
-          </a:ln>
-        </p:spPr>
-      </p:pic>
-    </p:spTree>
-  </p:cSld>
-  <p:clrMapOvr>
-    <a:masterClrMapping/>
-  </p:clrMapOvr>
-  <p:timing>
-    <p:tnLst>
-      <p:par>
-        <p:cTn id="1" dur="indefinite" restart="never" nodeType="tmRoot">
-          <p:childTnLst>
-            <p:seq>
-              <p:cTn id="2" dur="indefinite" nodeType="mainSeq"/>
-              <p:prevCondLst>
-                <p:cond evt="onPrev" delay="0">
-                  <p:tgtEl>
-                    <p:sldTgt/>
-                  </p:tgtEl>
-                </p:cond>
-              </p:prevCondLst>
-              <p:nextCondLst>
-                <p:cond evt="onNext" delay="0">
-                  <p:tgtEl>
-                    <p:sldTgt/>
-                  </p:tgtEl>
-                </p:cond>
-              </p:nextCondLst>
-            </p:seq>
-          </p:childTnLst>
-        </p:cTn>
-      </p:par>
-    </p:tnLst>
-  </p:timing>
-</p:sld>
-</file>
-
-<file path=ppt/slides/slide24.xml><?xml version="1.0" encoding="utf-8"?>
-<p:sld xmlns:a="http://schemas.openxmlformats.org/drawingml/2006/main" xmlns:r="http://schemas.openxmlformats.org/officeDocument/2006/relationships" xmlns:p="http://schemas.openxmlformats.org/presentationml/2006/main">
-  <p:cSld>
-    <p:spTree>
-      <p:nvGrpSpPr>
-        <p:cNvPr id="1" name=""/>
-        <p:cNvGrpSpPr/>
-        <p:nvPr/>
-      </p:nvGrpSpPr>
-      <p:grpSpPr>
-        <a:xfrm>
-          <a:off x="0" y="0"/>
-          <a:ext cx="0" cy="0"/>
-          <a:chOff x="0" y="0"/>
-          <a:chExt cx="0" cy="0"/>
-        </a:xfrm>
-      </p:grpSpPr>
-      <p:sp>
-        <p:nvSpPr>
-          <p:cNvPr id="416" name="CustomShape 1"/>
-          <p:cNvSpPr/>
-          <p:nvPr/>
-        </p:nvSpPr>
-        <p:spPr>
-          <a:xfrm>
-            <a:off x="457200" y="273600"/>
-            <a:ext cx="8228160" cy="1143720"/>
-          </a:xfrm>
-          <a:prstGeom prst="rect">
-            <a:avLst/>
-          </a:prstGeom>
-          <a:noFill/>
-          <a:ln>
-            <a:noFill/>
-          </a:ln>
-        </p:spPr>
-        <p:style>
-          <a:lnRef idx="0">
-            <a:scrgbClr r="0" g="0" b="0"/>
-          </a:lnRef>
-          <a:fillRef idx="0">
-            <a:scrgbClr r="0" g="0" b="0"/>
-          </a:fillRef>
-          <a:effectRef idx="0">
-            <a:scrgbClr r="0" g="0" b="0"/>
-          </a:effectRef>
-          <a:fontRef idx="minor"/>
-        </p:style>
-        <p:txBody>
-          <a:bodyPr lIns="0" tIns="0" rIns="0" bIns="0" anchor="ctr"/>
-          <a:lstStyle/>
-          <a:p>
-            <a:pPr>
-              <a:lnSpc>
-                <a:spcPct val="90000"/>
-              </a:lnSpc>
-            </a:pPr>
-            <a:r>
-              <a:rPr lang="en-US" sz="4400" b="0" strike="noStrike" spc="-1">
-                <a:solidFill>
-                  <a:srgbClr val="000000"/>
-                </a:solidFill>
-                <a:latin typeface="Arial"/>
-                <a:ea typeface="DejaVu Sans"/>
-              </a:rPr>
-              <a:t>Block diagram</a:t>
-            </a:r>
-            <a:endParaRPr lang="en-US" sz="4400" b="0" strike="noStrike" spc="-1">
-              <a:latin typeface="Arial"/>
-            </a:endParaRPr>
-          </a:p>
-        </p:txBody>
-      </p:sp>
-      <p:pic>
-        <p:nvPicPr>
-          <p:cNvPr id="417" name="Picture 3"/>
-          <p:cNvPicPr/>
-          <p:nvPr/>
-        </p:nvPicPr>
-        <p:blipFill>
-          <a:blip r:embed="rId2"/>
-          <a:stretch/>
-        </p:blipFill>
-        <p:spPr>
-          <a:xfrm>
-            <a:off x="-360" y="1604520"/>
-            <a:ext cx="9142920" cy="4874760"/>
           </a:xfrm>
           <a:prstGeom prst="rect">
             <a:avLst/>
@@ -18566,6 +18644,137 @@
 </file>
 
 <file path=ppt/slides/slide25.xml><?xml version="1.0" encoding="utf-8"?>
+<p:sld xmlns:a="http://schemas.openxmlformats.org/drawingml/2006/main" xmlns:r="http://schemas.openxmlformats.org/officeDocument/2006/relationships" xmlns:p="http://schemas.openxmlformats.org/presentationml/2006/main">
+  <p:cSld>
+    <p:spTree>
+      <p:nvGrpSpPr>
+        <p:cNvPr id="1" name=""/>
+        <p:cNvGrpSpPr/>
+        <p:nvPr/>
+      </p:nvGrpSpPr>
+      <p:grpSpPr>
+        <a:xfrm>
+          <a:off x="0" y="0"/>
+          <a:ext cx="0" cy="0"/>
+          <a:chOff x="0" y="0"/>
+          <a:chExt cx="0" cy="0"/>
+        </a:xfrm>
+      </p:grpSpPr>
+      <p:sp>
+        <p:nvSpPr>
+          <p:cNvPr id="416" name="CustomShape 1"/>
+          <p:cNvSpPr/>
+          <p:nvPr/>
+        </p:nvSpPr>
+        <p:spPr>
+          <a:xfrm>
+            <a:off x="457200" y="273600"/>
+            <a:ext cx="8228160" cy="1143720"/>
+          </a:xfrm>
+          <a:prstGeom prst="rect">
+            <a:avLst/>
+          </a:prstGeom>
+          <a:noFill/>
+          <a:ln>
+            <a:noFill/>
+          </a:ln>
+        </p:spPr>
+        <p:style>
+          <a:lnRef idx="0">
+            <a:scrgbClr r="0" g="0" b="0"/>
+          </a:lnRef>
+          <a:fillRef idx="0">
+            <a:scrgbClr r="0" g="0" b="0"/>
+          </a:fillRef>
+          <a:effectRef idx="0">
+            <a:scrgbClr r="0" g="0" b="0"/>
+          </a:effectRef>
+          <a:fontRef idx="minor"/>
+        </p:style>
+        <p:txBody>
+          <a:bodyPr lIns="0" tIns="0" rIns="0" bIns="0" anchor="ctr"/>
+          <a:lstStyle/>
+          <a:p>
+            <a:pPr>
+              <a:lnSpc>
+                <a:spcPct val="90000"/>
+              </a:lnSpc>
+            </a:pPr>
+            <a:r>
+              <a:rPr lang="en-US" sz="4400" b="0" strike="noStrike" spc="-1">
+                <a:solidFill>
+                  <a:srgbClr val="000000"/>
+                </a:solidFill>
+                <a:latin typeface="Arial"/>
+                <a:ea typeface="DejaVu Sans"/>
+              </a:rPr>
+              <a:t>Block diagram</a:t>
+            </a:r>
+            <a:endParaRPr lang="en-US" sz="4400" b="0" strike="noStrike" spc="-1">
+              <a:latin typeface="Arial"/>
+            </a:endParaRPr>
+          </a:p>
+        </p:txBody>
+      </p:sp>
+      <p:pic>
+        <p:nvPicPr>
+          <p:cNvPr id="417" name="Picture 3"/>
+          <p:cNvPicPr/>
+          <p:nvPr/>
+        </p:nvPicPr>
+        <p:blipFill>
+          <a:blip r:embed="rId2"/>
+          <a:stretch/>
+        </p:blipFill>
+        <p:spPr>
+          <a:xfrm>
+            <a:off x="-360" y="1604520"/>
+            <a:ext cx="9142920" cy="4874760"/>
+          </a:xfrm>
+          <a:prstGeom prst="rect">
+            <a:avLst/>
+          </a:prstGeom>
+          <a:ln>
+            <a:noFill/>
+          </a:ln>
+        </p:spPr>
+      </p:pic>
+    </p:spTree>
+  </p:cSld>
+  <p:clrMapOvr>
+    <a:masterClrMapping/>
+  </p:clrMapOvr>
+  <p:timing>
+    <p:tnLst>
+      <p:par>
+        <p:cTn id="1" dur="indefinite" restart="never" nodeType="tmRoot">
+          <p:childTnLst>
+            <p:seq>
+              <p:cTn id="2" dur="indefinite" nodeType="mainSeq"/>
+              <p:prevCondLst>
+                <p:cond evt="onPrev" delay="0">
+                  <p:tgtEl>
+                    <p:sldTgt/>
+                  </p:tgtEl>
+                </p:cond>
+              </p:prevCondLst>
+              <p:nextCondLst>
+                <p:cond evt="onNext" delay="0">
+                  <p:tgtEl>
+                    <p:sldTgt/>
+                  </p:tgtEl>
+                </p:cond>
+              </p:nextCondLst>
+            </p:seq>
+          </p:childTnLst>
+        </p:cTn>
+      </p:par>
+    </p:tnLst>
+  </p:timing>
+</p:sld>
+</file>
+
+<file path=ppt/slides/slide26.xml><?xml version="1.0" encoding="utf-8"?>
 <p:sld xmlns:a="http://schemas.openxmlformats.org/drawingml/2006/main" xmlns:r="http://schemas.openxmlformats.org/officeDocument/2006/relationships" xmlns:p="http://schemas.openxmlformats.org/presentationml/2006/main">
   <p:cSld>
     <p:spTree>

--- a/SDD/SDD.pptx
+++ b/SDD/SDD.pptx
@@ -14,30 +14,33 @@
   <p:sldIdLst>
     <p:sldId id="256" r:id="rId9"/>
     <p:sldId id="282" r:id="rId10"/>
-    <p:sldId id="259" r:id="rId11"/>
-    <p:sldId id="260" r:id="rId12"/>
-    <p:sldId id="261" r:id="rId13"/>
-    <p:sldId id="262" r:id="rId14"/>
-    <p:sldId id="263" r:id="rId15"/>
-    <p:sldId id="264" r:id="rId16"/>
-    <p:sldId id="265" r:id="rId17"/>
-    <p:sldId id="266" r:id="rId18"/>
-    <p:sldId id="283" r:id="rId19"/>
-    <p:sldId id="267" r:id="rId20"/>
-    <p:sldId id="268" r:id="rId21"/>
-    <p:sldId id="269" r:id="rId22"/>
-    <p:sldId id="270" r:id="rId23"/>
-    <p:sldId id="271" r:id="rId24"/>
-    <p:sldId id="272" r:id="rId25"/>
-    <p:sldId id="273" r:id="rId26"/>
-    <p:sldId id="274" r:id="rId27"/>
-    <p:sldId id="275" r:id="rId28"/>
-    <p:sldId id="276" r:id="rId29"/>
-    <p:sldId id="277" r:id="rId30"/>
-    <p:sldId id="278" r:id="rId31"/>
-    <p:sldId id="279" r:id="rId32"/>
-    <p:sldId id="280" r:id="rId33"/>
-    <p:sldId id="281" r:id="rId34"/>
+    <p:sldId id="284" r:id="rId11"/>
+    <p:sldId id="285" r:id="rId12"/>
+    <p:sldId id="259" r:id="rId13"/>
+    <p:sldId id="260" r:id="rId14"/>
+    <p:sldId id="261" r:id="rId15"/>
+    <p:sldId id="262" r:id="rId16"/>
+    <p:sldId id="263" r:id="rId17"/>
+    <p:sldId id="264" r:id="rId18"/>
+    <p:sldId id="265" r:id="rId19"/>
+    <p:sldId id="266" r:id="rId20"/>
+    <p:sldId id="283" r:id="rId21"/>
+    <p:sldId id="268" r:id="rId22"/>
+    <p:sldId id="286" r:id="rId23"/>
+    <p:sldId id="269" r:id="rId24"/>
+    <p:sldId id="270" r:id="rId25"/>
+    <p:sldId id="271" r:id="rId26"/>
+    <p:sldId id="272" r:id="rId27"/>
+    <p:sldId id="273" r:id="rId28"/>
+    <p:sldId id="274" r:id="rId29"/>
+    <p:sldId id="267" r:id="rId30"/>
+    <p:sldId id="275" r:id="rId31"/>
+    <p:sldId id="276" r:id="rId32"/>
+    <p:sldId id="277" r:id="rId33"/>
+    <p:sldId id="278" r:id="rId34"/>
+    <p:sldId id="279" r:id="rId35"/>
+    <p:sldId id="280" r:id="rId36"/>
+    <p:sldId id="281" r:id="rId37"/>
   </p:sldIdLst>
   <p:sldSz cx="9144000" cy="6858000" type="screen4x3"/>
   <p:notesSz cx="7772400" cy="10058400"/>
@@ -14287,16 +14290,39 @@
           <a:chExt cx="0" cy="0"/>
         </a:xfrm>
       </p:grpSpPr>
-      <p:sp>
-        <p:nvSpPr>
-          <p:cNvPr id="362" name="CustomShape 1"/>
+      <p:pic>
+        <p:nvPicPr>
+          <p:cNvPr id="353" name="Picture 352"/>
+          <p:cNvPicPr/>
+          <p:nvPr/>
+        </p:nvPicPr>
+        <p:blipFill>
+          <a:blip r:embed="rId2"/>
+          <a:stretch/>
+        </p:blipFill>
+        <p:spPr>
+          <a:xfrm>
+            <a:off x="16560" y="2525040"/>
+            <a:ext cx="9143280" cy="1815120"/>
+          </a:xfrm>
+          <a:prstGeom prst="rect">
+            <a:avLst/>
+          </a:prstGeom>
+          <a:ln>
+            <a:noFill/>
+          </a:ln>
+        </p:spPr>
+      </p:pic>
+      <p:sp>
+        <p:nvSpPr>
+          <p:cNvPr id="354" name="CustomShape 1"/>
           <p:cNvSpPr/>
           <p:nvPr/>
         </p:nvSpPr>
         <p:spPr>
           <a:xfrm>
-            <a:off x="457200" y="273600"/>
-            <a:ext cx="8228520" cy="1144080"/>
+            <a:off x="1460160" y="304920"/>
+            <a:ext cx="5840280" cy="759240"/>
           </a:xfrm>
           <a:prstGeom prst="rect">
             <a:avLst/>
@@ -14319,350 +14345,25 @@
           <a:fontRef idx="minor"/>
         </p:style>
         <p:txBody>
-          <a:bodyPr lIns="0" tIns="0" rIns="0" bIns="0" anchor="ctr"/>
-          <a:lstStyle/>
-          <a:p>
-            <a:pPr>
+          <a:bodyPr lIns="90000" tIns="45000" rIns="90000" bIns="45000"/>
+          <a:lstStyle/>
+          <a:p>
+            <a:pPr algn="ctr">
               <a:lnSpc>
-                <a:spcPct val="90000"/>
+                <a:spcPct val="100000"/>
               </a:lnSpc>
             </a:pPr>
             <a:r>
-              <a:rPr lang="en-US" sz="4400" b="1" strike="noStrike" spc="-1">
-                <a:solidFill>
-                  <a:srgbClr val="FF0000"/>
-                </a:solidFill>
-                <a:latin typeface="Arial"/>
-                <a:ea typeface="DejaVu Sans"/>
-              </a:rPr>
-              <a:t>Design Rationale</a:t>
-            </a:r>
-            <a:endParaRPr lang="en-US" sz="4400" b="0" strike="noStrike" spc="-1">
-              <a:latin typeface="Arial"/>
-            </a:endParaRPr>
-          </a:p>
-        </p:txBody>
-      </p:sp>
-      <p:sp>
-        <p:nvSpPr>
-          <p:cNvPr id="363" name="CustomShape 2"/>
-          <p:cNvSpPr/>
-          <p:nvPr/>
-        </p:nvSpPr>
-        <p:spPr>
-          <a:xfrm>
-            <a:off x="457200" y="1604520"/>
-            <a:ext cx="8228520" cy="3976560"/>
-          </a:xfrm>
-          <a:prstGeom prst="rect">
-            <a:avLst/>
-          </a:prstGeom>
-          <a:noFill/>
-          <a:ln>
-            <a:noFill/>
-          </a:ln>
-        </p:spPr>
-        <p:style>
-          <a:lnRef idx="0">
-            <a:scrgbClr r="0" g="0" b="0"/>
-          </a:lnRef>
-          <a:fillRef idx="0">
-            <a:scrgbClr r="0" g="0" b="0"/>
-          </a:fillRef>
-          <a:effectRef idx="0">
-            <a:scrgbClr r="0" g="0" b="0"/>
-          </a:effectRef>
-          <a:fontRef idx="minor"/>
-        </p:style>
-        <p:txBody>
-          <a:bodyPr lIns="0" tIns="0" rIns="0" bIns="0">
-            <a:normAutofit lnSpcReduction="10000"/>
-          </a:bodyPr>
-          <a:lstStyle/>
-          <a:p>
-            <a:pPr marL="228600" indent="-227880">
-              <a:lnSpc>
-                <a:spcPct val="90000"/>
-              </a:lnSpc>
-              <a:spcBef>
-                <a:spcPts val="1001"/>
-              </a:spcBef>
-              <a:buClr>
-                <a:srgbClr val="000000"/>
-              </a:buClr>
-              <a:buFont typeface="Arial"/>
-              <a:buChar char="•"/>
-            </a:pPr>
-            <a:r>
-              <a:rPr lang="en-US" sz="2800" b="1" strike="noStrike" spc="-1" dirty="0">
+              <a:rPr lang="en-US" sz="4400" b="0" strike="noStrike" spc="-1">
                 <a:solidFill>
                   <a:srgbClr val="000000"/>
                 </a:solidFill>
-                <a:latin typeface="Arial"/>
+                <a:latin typeface="Calibri"/>
                 <a:ea typeface="DejaVu Sans"/>
               </a:rPr>
-              <a:t>Bag of words</a:t>
+              <a:t>Facade Design Pattern</a:t>
             </a:r>
-            <a:endParaRPr lang="en-US" sz="2800" b="0" strike="noStrike" spc="-1" dirty="0">
-              <a:latin typeface="Arial"/>
-            </a:endParaRPr>
-          </a:p>
-          <a:p>
-            <a:pPr>
-              <a:lnSpc>
-                <a:spcPct val="90000"/>
-              </a:lnSpc>
-              <a:spcBef>
-                <a:spcPts val="1001"/>
-              </a:spcBef>
-            </a:pPr>
-            <a:r>
-              <a:rPr lang="en-US" sz="1800" b="0" strike="noStrike" spc="-1" dirty="0">
-                <a:solidFill>
-                  <a:srgbClr val="000000"/>
-                </a:solidFill>
-                <a:latin typeface="Arial"/>
-                <a:ea typeface="DejaVu Sans"/>
-              </a:rPr>
-              <a:t>Bag of word models don’t respect semantics of the word.</a:t>
-            </a:r>
-            <a:endParaRPr lang="en-US" sz="1800" b="0" strike="noStrike" spc="-1" dirty="0">
-              <a:latin typeface="Arial"/>
-            </a:endParaRPr>
-          </a:p>
-          <a:p>
-            <a:pPr marL="228600" indent="-227880">
-              <a:lnSpc>
-                <a:spcPct val="90000"/>
-              </a:lnSpc>
-              <a:spcBef>
-                <a:spcPts val="1001"/>
-              </a:spcBef>
-              <a:buClr>
-                <a:srgbClr val="000000"/>
-              </a:buClr>
-              <a:buFont typeface="Arial"/>
-              <a:buChar char="•"/>
-            </a:pPr>
-            <a:r>
-              <a:rPr lang="en-US" sz="2800" b="1" strike="noStrike" spc="-1" dirty="0" smtClean="0">
-                <a:solidFill>
-                  <a:srgbClr val="000000"/>
-                </a:solidFill>
-                <a:latin typeface="Arial"/>
-                <a:ea typeface="DejaVu Sans"/>
-              </a:rPr>
-              <a:t>KNN</a:t>
-            </a:r>
-            <a:endParaRPr lang="en-US" sz="2800" b="0" strike="noStrike" spc="-1" dirty="0">
-              <a:latin typeface="Arial"/>
-            </a:endParaRPr>
-          </a:p>
-          <a:p>
-            <a:r>
-              <a:rPr lang="en-US" dirty="0"/>
-              <a:t>must compute the distance and sort all the training data at each prediction, which can be slow if there are a large number of training examples</a:t>
-            </a:r>
-          </a:p>
-          <a:p>
-            <a:r>
-              <a:rPr lang="en-US" dirty="0"/>
-              <a:t>And it is robust to noisy data.</a:t>
-            </a:r>
-          </a:p>
-          <a:p>
-            <a:pPr>
-              <a:lnSpc>
-                <a:spcPct val="90000"/>
-              </a:lnSpc>
-              <a:spcBef>
-                <a:spcPts val="1001"/>
-              </a:spcBef>
-            </a:pPr>
-            <a:r>
-              <a:rPr lang="en-US" sz="1800" b="0" strike="noStrike" spc="-1" dirty="0" smtClean="0">
-                <a:solidFill>
-                  <a:srgbClr val="000000"/>
-                </a:solidFill>
-                <a:latin typeface="Arial"/>
-                <a:ea typeface="DejaVu Sans"/>
-              </a:rPr>
-              <a:t>.</a:t>
-            </a:r>
-            <a:endParaRPr lang="en-US" sz="1800" b="0" strike="noStrike" spc="-1" dirty="0">
-              <a:latin typeface="Arial"/>
-            </a:endParaRPr>
-          </a:p>
-          <a:p>
-            <a:pPr marL="228600" indent="-227880">
-              <a:lnSpc>
-                <a:spcPct val="90000"/>
-              </a:lnSpc>
-              <a:spcBef>
-                <a:spcPts val="1001"/>
-              </a:spcBef>
-              <a:buClr>
-                <a:srgbClr val="000000"/>
-              </a:buClr>
-              <a:buFont typeface="Arial"/>
-              <a:buChar char="•"/>
-            </a:pPr>
-            <a:r>
-              <a:rPr lang="en-US" sz="2800" b="1" strike="noStrike" spc="-1" dirty="0">
-                <a:solidFill>
-                  <a:srgbClr val="000000"/>
-                </a:solidFill>
-                <a:latin typeface="Arial"/>
-                <a:ea typeface="DejaVu Sans"/>
-              </a:rPr>
-              <a:t>Skip gram</a:t>
-            </a:r>
-            <a:endParaRPr lang="en-US" sz="2800" b="0" strike="noStrike" spc="-1" dirty="0">
-              <a:latin typeface="Arial"/>
-            </a:endParaRPr>
-          </a:p>
-          <a:p>
-            <a:pPr>
-              <a:lnSpc>
-                <a:spcPct val="90000"/>
-              </a:lnSpc>
-              <a:spcBef>
-                <a:spcPts val="1001"/>
-              </a:spcBef>
-            </a:pPr>
-            <a:r>
-              <a:rPr lang="en-US" sz="1800" b="0" strike="noStrike" spc="-1" dirty="0">
-                <a:solidFill>
-                  <a:srgbClr val="000000"/>
-                </a:solidFill>
-                <a:latin typeface="Arial"/>
-                <a:ea typeface="DejaVu Sans"/>
-              </a:rPr>
-              <a:t>Failed to identify the combined word phrases.</a:t>
-            </a:r>
-            <a:endParaRPr lang="en-US" sz="1800" b="0" strike="noStrike" spc="-1" dirty="0">
-              <a:latin typeface="Arial"/>
-            </a:endParaRPr>
-          </a:p>
-          <a:p>
-            <a:pPr marL="228600" indent="-227880">
-              <a:lnSpc>
-                <a:spcPct val="90000"/>
-              </a:lnSpc>
-              <a:spcBef>
-                <a:spcPts val="1001"/>
-              </a:spcBef>
-              <a:buClr>
-                <a:srgbClr val="000000"/>
-              </a:buClr>
-              <a:buFont typeface="Arial"/>
-              <a:buChar char="•"/>
-            </a:pPr>
-            <a:r>
-              <a:rPr lang="en-US" sz="2800" b="1" spc="-1" dirty="0" smtClean="0">
-                <a:solidFill>
-                  <a:srgbClr val="000000"/>
-                </a:solidFill>
-                <a:latin typeface="Arial"/>
-              </a:rPr>
-              <a:t>N-gram</a:t>
-            </a:r>
-            <a:endParaRPr lang="en-US" sz="2800" b="0" strike="noStrike" spc="-1" dirty="0">
-              <a:latin typeface="Arial"/>
-            </a:endParaRPr>
-          </a:p>
-          <a:p>
-            <a:pPr>
-              <a:lnSpc>
-                <a:spcPct val="90000"/>
-              </a:lnSpc>
-              <a:spcBef>
-                <a:spcPts val="1001"/>
-              </a:spcBef>
-            </a:pPr>
-            <a:r>
-              <a:rPr lang="en-US" sz="1800" b="0" strike="noStrike" spc="-1" dirty="0">
-                <a:solidFill>
-                  <a:srgbClr val="000000"/>
-                </a:solidFill>
-                <a:latin typeface="Arial"/>
-                <a:ea typeface="DejaVu Sans"/>
-              </a:rPr>
-              <a:t>Naïve Bayes will have low recall and precision with small </a:t>
-            </a:r>
-            <a:r>
-              <a:rPr lang="en-US" sz="1800" b="0" strike="noStrike" spc="-1" dirty="0" err="1">
-                <a:solidFill>
-                  <a:srgbClr val="000000"/>
-                </a:solidFill>
-                <a:latin typeface="Arial"/>
-                <a:ea typeface="DejaVu Sans"/>
-              </a:rPr>
-              <a:t>daataset</a:t>
-            </a:r>
-            <a:r>
-              <a:rPr lang="en-US" sz="1800" b="0" strike="noStrike" spc="-1" dirty="0">
-                <a:solidFill>
-                  <a:srgbClr val="000000"/>
-                </a:solidFill>
-                <a:latin typeface="Arial"/>
-                <a:ea typeface="DejaVu Sans"/>
-              </a:rPr>
-              <a:t>.</a:t>
-            </a:r>
-            <a:endParaRPr lang="en-US" sz="1800" b="0" strike="noStrike" spc="-1" dirty="0">
-              <a:latin typeface="Arial"/>
-            </a:endParaRPr>
-          </a:p>
-          <a:p>
-            <a:pPr>
-              <a:lnSpc>
-                <a:spcPct val="90000"/>
-              </a:lnSpc>
-              <a:spcBef>
-                <a:spcPts val="1001"/>
-              </a:spcBef>
-            </a:pPr>
-            <a:endParaRPr lang="en-US" sz="1800" b="0" strike="noStrike" spc="-1" dirty="0">
-              <a:latin typeface="Arial"/>
-            </a:endParaRPr>
-          </a:p>
-          <a:p>
-            <a:pPr>
-              <a:lnSpc>
-                <a:spcPct val="90000"/>
-              </a:lnSpc>
-              <a:spcBef>
-                <a:spcPts val="1001"/>
-              </a:spcBef>
-            </a:pPr>
-            <a:endParaRPr lang="en-US" sz="1800" b="0" strike="noStrike" spc="-1" dirty="0">
-              <a:latin typeface="Arial"/>
-            </a:endParaRPr>
-          </a:p>
-          <a:p>
-            <a:pPr>
-              <a:lnSpc>
-                <a:spcPct val="90000"/>
-              </a:lnSpc>
-              <a:spcBef>
-                <a:spcPts val="1001"/>
-              </a:spcBef>
-            </a:pPr>
-            <a:endParaRPr lang="en-US" sz="1800" b="0" strike="noStrike" spc="-1" dirty="0">
-              <a:latin typeface="Arial"/>
-            </a:endParaRPr>
-          </a:p>
-          <a:p>
-            <a:pPr>
-              <a:lnSpc>
-                <a:spcPct val="90000"/>
-              </a:lnSpc>
-              <a:spcBef>
-                <a:spcPts val="1001"/>
-              </a:spcBef>
-            </a:pPr>
-            <a:endParaRPr lang="en-US" sz="1800" b="0" strike="noStrike" spc="-1" dirty="0">
+            <a:endParaRPr lang="en-US" sz="4400" b="0" strike="noStrike" spc="-1">
               <a:latin typeface="Arial"/>
             </a:endParaRPr>
           </a:p>
@@ -14720,127 +14421,485 @@
           <a:chExt cx="0" cy="0"/>
         </a:xfrm>
       </p:grpSpPr>
-      <p:sp>
-        <p:nvSpPr>
-          <p:cNvPr id="2" name="Title 1"/>
-          <p:cNvSpPr>
-            <a:spLocks noGrp="1"/>
-          </p:cNvSpPr>
-          <p:nvPr>
-            <p:ph type="title"/>
-          </p:nvPr>
-        </p:nvSpPr>
-        <p:spPr/>
-        <p:txBody>
-          <a:bodyPr/>
-          <a:lstStyle/>
-          <a:p>
-            <a:r>
-              <a:rPr lang="en-US" sz="3600" dirty="0" smtClean="0"/>
-              <a:t>What we have used</a:t>
-            </a:r>
-            <a:endParaRPr lang="en-US" sz="3600" dirty="0"/>
-          </a:p>
-        </p:txBody>
-      </p:sp>
-      <p:sp>
-        <p:nvSpPr>
-          <p:cNvPr id="3" name="Subtitle 2"/>
-          <p:cNvSpPr>
-            <a:spLocks noGrp="1"/>
-          </p:cNvSpPr>
-          <p:nvPr>
-            <p:ph type="subTitle"/>
-          </p:nvPr>
-        </p:nvSpPr>
-        <p:spPr/>
-        <p:txBody>
-          <a:bodyPr/>
-          <a:lstStyle/>
-          <a:p>
-            <a:pPr marL="457200" indent="-457200">
-              <a:buFont typeface="Arial" panose="020B0604020202020204" pitchFamily="34" charset="0"/>
-              <a:buChar char="•"/>
+      <p:pic>
+        <p:nvPicPr>
+          <p:cNvPr id="355" name="Picture 4"/>
+          <p:cNvPicPr/>
+          <p:nvPr/>
+        </p:nvPicPr>
+        <p:blipFill>
+          <a:blip r:embed="rId2"/>
+          <a:stretch/>
+        </p:blipFill>
+        <p:spPr>
+          <a:xfrm>
+            <a:off x="99360" y="1829520"/>
+            <a:ext cx="1636200" cy="4112280"/>
+          </a:xfrm>
+          <a:prstGeom prst="rect">
+            <a:avLst/>
+          </a:prstGeom>
+          <a:ln>
+            <a:noFill/>
+          </a:ln>
+        </p:spPr>
+      </p:pic>
+      <p:pic>
+        <p:nvPicPr>
+          <p:cNvPr id="356" name="Picture 6"/>
+          <p:cNvPicPr/>
+          <p:nvPr/>
+        </p:nvPicPr>
+        <p:blipFill>
+          <a:blip r:embed="rId3"/>
+          <a:stretch/>
+        </p:blipFill>
+        <p:spPr>
+          <a:xfrm>
+            <a:off x="1828800" y="1829520"/>
+            <a:ext cx="1636200" cy="4112280"/>
+          </a:xfrm>
+          <a:prstGeom prst="rect">
+            <a:avLst/>
+          </a:prstGeom>
+          <a:ln>
+            <a:noFill/>
+          </a:ln>
+        </p:spPr>
+      </p:pic>
+      <p:pic>
+        <p:nvPicPr>
+          <p:cNvPr id="357" name="Picture 8"/>
+          <p:cNvPicPr/>
+          <p:nvPr/>
+        </p:nvPicPr>
+        <p:blipFill>
+          <a:blip r:embed="rId4"/>
+          <a:stretch/>
+        </p:blipFill>
+        <p:spPr>
+          <a:xfrm>
+            <a:off x="3566160" y="1828800"/>
+            <a:ext cx="1636200" cy="4112280"/>
+          </a:xfrm>
+          <a:prstGeom prst="rect">
+            <a:avLst/>
+          </a:prstGeom>
+          <a:ln>
+            <a:noFill/>
+          </a:ln>
+        </p:spPr>
+      </p:pic>
+      <p:pic>
+        <p:nvPicPr>
+          <p:cNvPr id="358" name="Picture 10"/>
+          <p:cNvPicPr/>
+          <p:nvPr/>
+        </p:nvPicPr>
+        <p:blipFill>
+          <a:blip r:embed="rId5"/>
+          <a:stretch/>
+        </p:blipFill>
+        <p:spPr>
+          <a:xfrm>
+            <a:off x="5303520" y="1828800"/>
+            <a:ext cx="1636200" cy="4112280"/>
+          </a:xfrm>
+          <a:prstGeom prst="rect">
+            <a:avLst/>
+          </a:prstGeom>
+          <a:ln>
+            <a:noFill/>
+          </a:ln>
+        </p:spPr>
+      </p:pic>
+      <p:sp>
+        <p:nvSpPr>
+          <p:cNvPr id="359" name="CustomShape 1"/>
+          <p:cNvSpPr/>
+          <p:nvPr/>
+        </p:nvSpPr>
+        <p:spPr>
+          <a:xfrm>
+            <a:off x="3457080" y="159480"/>
+            <a:ext cx="2054880" cy="638280"/>
+          </a:xfrm>
+          <a:prstGeom prst="rect">
+            <a:avLst/>
+          </a:prstGeom>
+          <a:noFill/>
+          <a:ln>
+            <a:noFill/>
+          </a:ln>
+        </p:spPr>
+        <p:style>
+          <a:lnRef idx="0">
+            <a:scrgbClr r="0" g="0" b="0"/>
+          </a:lnRef>
+          <a:fillRef idx="0">
+            <a:scrgbClr r="0" g="0" b="0"/>
+          </a:fillRef>
+          <a:effectRef idx="0">
+            <a:scrgbClr r="0" g="0" b="0"/>
+          </a:effectRef>
+          <a:fontRef idx="minor"/>
+        </p:style>
+        <p:txBody>
+          <a:bodyPr lIns="90000" tIns="45000" rIns="90000" bIns="45000"/>
+          <a:lstStyle/>
+          <a:p>
+            <a:pPr algn="ctr">
+              <a:lnSpc>
+                <a:spcPct val="100000"/>
+              </a:lnSpc>
             </a:pPr>
             <a:r>
-              <a:rPr lang="en-US" sz="2800" dirty="0" smtClean="0">
+              <a:rPr lang="en-US" sz="3600" b="0" strike="noStrike" spc="-1">
                 <a:solidFill>
-                  <a:srgbClr val="FF0000"/>
+                  <a:srgbClr val="000000"/>
                 </a:solidFill>
+                <a:latin typeface="Times New Roman"/>
+                <a:ea typeface="DejaVu Sans"/>
               </a:rPr>
-              <a:t>TFIDF</a:t>
+              <a:t>GUI</a:t>
             </a:r>
-          </a:p>
-          <a:p>
-            <a:pPr marL="0" indent="0">
-              <a:buNone/>
-            </a:pPr>
-            <a:r>
-              <a:rPr lang="en-US" dirty="0" smtClean="0"/>
-              <a:t>Tell us the importance of the word in the document.</a:t>
-            </a:r>
-          </a:p>
-          <a:p>
-            <a:pPr marL="457200" indent="-457200">
-              <a:buFont typeface="Arial" panose="020B0604020202020204" pitchFamily="34" charset="0"/>
-              <a:buChar char="•"/>
-            </a:pPr>
-            <a:r>
-              <a:rPr lang="en-US" sz="2800" dirty="0" smtClean="0">
-                <a:solidFill>
-                  <a:srgbClr val="FF0000"/>
-                </a:solidFill>
-              </a:rPr>
-              <a:t>Sentiment analysis</a:t>
-            </a:r>
-          </a:p>
-          <a:p>
-            <a:pPr marL="0" indent="0">
-              <a:buNone/>
-            </a:pPr>
-            <a:r>
-              <a:rPr lang="en-US" dirty="0" smtClean="0"/>
-              <a:t>Give us the polarity of the sentence.</a:t>
-            </a:r>
-          </a:p>
-          <a:p>
-            <a:pPr marL="457200" indent="-457200">
-              <a:buFont typeface="Arial" panose="020B0604020202020204" pitchFamily="34" charset="0"/>
-              <a:buChar char="•"/>
-            </a:pPr>
-            <a:r>
-              <a:rPr lang="en-US" sz="2800" dirty="0" smtClean="0">
-                <a:solidFill>
-                  <a:srgbClr val="FF0000"/>
-                </a:solidFill>
-              </a:rPr>
-              <a:t>SVM</a:t>
-            </a:r>
-          </a:p>
-          <a:p>
-            <a:pPr marL="0" indent="0">
-              <a:buNone/>
-            </a:pPr>
-            <a:r>
-              <a:rPr lang="en-US" dirty="0" smtClean="0"/>
-              <a:t>high predictive power and avoids overfitting.</a:t>
-            </a:r>
-          </a:p>
-          <a:p>
-            <a:endParaRPr lang="en-US" dirty="0"/>
-          </a:p>
-        </p:txBody>
-      </p:sp>
+            <a:endParaRPr lang="en-US" sz="3600" b="0" strike="noStrike" spc="-1">
+              <a:latin typeface="Arial"/>
+            </a:endParaRPr>
+          </a:p>
+        </p:txBody>
+      </p:sp>
+      <p:pic>
+        <p:nvPicPr>
+          <p:cNvPr id="360" name="Picture 251"/>
+          <p:cNvPicPr/>
+          <p:nvPr/>
+        </p:nvPicPr>
+        <p:blipFill>
+          <a:blip r:embed="rId6"/>
+          <a:stretch/>
+        </p:blipFill>
+        <p:spPr>
+          <a:xfrm>
+            <a:off x="7132320" y="1821600"/>
+            <a:ext cx="2011320" cy="3480120"/>
+          </a:xfrm>
+          <a:prstGeom prst="rect">
+            <a:avLst/>
+          </a:prstGeom>
+          <a:ln>
+            <a:noFill/>
+          </a:ln>
+        </p:spPr>
+      </p:pic>
+      <p:pic>
+        <p:nvPicPr>
+          <p:cNvPr id="361" name="Picture 170"/>
+          <p:cNvPicPr/>
+          <p:nvPr/>
+        </p:nvPicPr>
+        <p:blipFill>
+          <a:blip r:embed="rId7"/>
+          <a:stretch/>
+        </p:blipFill>
+        <p:spPr>
+          <a:xfrm>
+            <a:off x="7589520" y="91800"/>
+            <a:ext cx="1552680" cy="1231560"/>
+          </a:xfrm>
+          <a:prstGeom prst="rect">
+            <a:avLst/>
+          </a:prstGeom>
+          <a:ln>
+            <a:noFill/>
+          </a:ln>
+        </p:spPr>
+      </p:pic>
     </p:spTree>
-    <p:extLst>
-      <p:ext uri="{BB962C8B-B14F-4D97-AF65-F5344CB8AC3E}">
-        <p14:creationId xmlns:p14="http://schemas.microsoft.com/office/powerpoint/2010/main" val="667596461"/>
-      </p:ext>
-    </p:extLst>
   </p:cSld>
   <p:clrMapOvr>
     <a:masterClrMapping/>
   </p:clrMapOvr>
+  <p:timing>
+    <p:tnLst>
+      <p:par>
+        <p:cTn id="1" dur="indefinite" restart="never" nodeType="tmRoot">
+          <p:childTnLst>
+            <p:seq>
+              <p:cTn id="2" dur="indefinite" nodeType="mainSeq">
+                <p:childTnLst>
+                  <p:par>
+                    <p:cTn id="3" fill="hold">
+                      <p:stCondLst>
+                        <p:cond delay="indefinite"/>
+                      </p:stCondLst>
+                      <p:childTnLst>
+                        <p:par>
+                          <p:cTn id="4" fill="hold">
+                            <p:stCondLst>
+                              <p:cond delay="0"/>
+                            </p:stCondLst>
+                            <p:childTnLst>
+                              <p:par>
+                                <p:cTn id="5" presetID="2" presetClass="entr" presetSubtype="4" fill="hold" nodeType="clickEffect">
+                                  <p:stCondLst>
+                                    <p:cond delay="0"/>
+                                  </p:stCondLst>
+                                  <p:childTnLst>
+                                    <p:set>
+                                      <p:cBhvr>
+                                        <p:cTn id="6" dur="1" fill="hold">
+                                          <p:stCondLst>
+                                            <p:cond delay="0"/>
+                                          </p:stCondLst>
+                                        </p:cTn>
+                                        <p:tgtEl>
+                                          <p:spTgt spid="355"/>
+                                        </p:tgtEl>
+                                        <p:attrNameLst>
+                                          <p:attrName>style.visibility</p:attrName>
+                                        </p:attrNameLst>
+                                      </p:cBhvr>
+                                      <p:to>
+                                        <p:strVal val="visible"/>
+                                      </p:to>
+                                    </p:set>
+                                    <p:anim calcmode="lin" valueType="num">
+                                      <p:cBhvr additive="repl">
+                                        <p:cTn id="7" dur="500" fill="hold"/>
+                                        <p:tgtEl>
+                                          <p:spTgt spid="355"/>
+                                        </p:tgtEl>
+                                        <p:attrNameLst>
+                                          <p:attrName>ppt_x</p:attrName>
+                                        </p:attrNameLst>
+                                      </p:cBhvr>
+                                      <p:tavLst>
+                                        <p:tav tm="0">
+                                          <p:val>
+                                            <p:strVal val="#ppt_x"/>
+                                          </p:val>
+                                        </p:tav>
+                                        <p:tav tm="100000">
+                                          <p:val>
+                                            <p:strVal val="#ppt_x"/>
+                                          </p:val>
+                                        </p:tav>
+                                      </p:tavLst>
+                                    </p:anim>
+                                    <p:anim calcmode="lin" valueType="num">
+                                      <p:cBhvr additive="repl">
+                                        <p:cTn id="8" dur="500" fill="hold"/>
+                                        <p:tgtEl>
+                                          <p:spTgt spid="355"/>
+                                        </p:tgtEl>
+                                        <p:attrNameLst>
+                                          <p:attrName>ppt_y</p:attrName>
+                                        </p:attrNameLst>
+                                      </p:cBhvr>
+                                      <p:tavLst>
+                                        <p:tav tm="0">
+                                          <p:val>
+                                            <p:strVal val="1+#ppt_h/2"/>
+                                          </p:val>
+                                        </p:tav>
+                                        <p:tav tm="100000">
+                                          <p:val>
+                                            <p:strVal val="#ppt_y"/>
+                                          </p:val>
+                                        </p:tav>
+                                      </p:tavLst>
+                                    </p:anim>
+                                  </p:childTnLst>
+                                </p:cTn>
+                              </p:par>
+                            </p:childTnLst>
+                          </p:cTn>
+                        </p:par>
+                      </p:childTnLst>
+                    </p:cTn>
+                  </p:par>
+                  <p:par>
+                    <p:cTn id="9" fill="hold">
+                      <p:stCondLst>
+                        <p:cond delay="indefinite"/>
+                      </p:stCondLst>
+                      <p:childTnLst>
+                        <p:par>
+                          <p:cTn id="10" fill="hold">
+                            <p:stCondLst>
+                              <p:cond delay="0"/>
+                            </p:stCondLst>
+                            <p:childTnLst>
+                              <p:par>
+                                <p:cTn id="11" presetID="10" presetClass="entr" fill="hold" nodeType="clickEffect">
+                                  <p:stCondLst>
+                                    <p:cond delay="0"/>
+                                  </p:stCondLst>
+                                  <p:childTnLst>
+                                    <p:set>
+                                      <p:cBhvr>
+                                        <p:cTn id="12" dur="1" fill="hold">
+                                          <p:stCondLst>
+                                            <p:cond delay="0"/>
+                                          </p:stCondLst>
+                                        </p:cTn>
+                                        <p:tgtEl>
+                                          <p:spTgt spid="356"/>
+                                        </p:tgtEl>
+                                        <p:attrNameLst>
+                                          <p:attrName>style.visibility</p:attrName>
+                                        </p:attrNameLst>
+                                      </p:cBhvr>
+                                      <p:to>
+                                        <p:strVal val="visible"/>
+                                      </p:to>
+                                    </p:set>
+                                    <p:animEffect transition="in" filter="fade">
+                                      <p:cBhvr additive="repl">
+                                        <p:cTn id="13" dur="500"/>
+                                        <p:tgtEl>
+                                          <p:spTgt spid="356"/>
+                                        </p:tgtEl>
+                                      </p:cBhvr>
+                                    </p:animEffect>
+                                  </p:childTnLst>
+                                </p:cTn>
+                              </p:par>
+                            </p:childTnLst>
+                          </p:cTn>
+                        </p:par>
+                      </p:childTnLst>
+                    </p:cTn>
+                  </p:par>
+                  <p:par>
+                    <p:cTn id="14" fill="hold">
+                      <p:stCondLst>
+                        <p:cond delay="indefinite"/>
+                      </p:stCondLst>
+                      <p:childTnLst>
+                        <p:par>
+                          <p:cTn id="15" fill="hold">
+                            <p:stCondLst>
+                              <p:cond delay="0"/>
+                            </p:stCondLst>
+                            <p:childTnLst>
+                              <p:par>
+                                <p:cTn id="16" presetID="10" presetClass="entr" fill="hold" nodeType="clickEffect">
+                                  <p:stCondLst>
+                                    <p:cond delay="0"/>
+                                  </p:stCondLst>
+                                  <p:childTnLst>
+                                    <p:set>
+                                      <p:cBhvr>
+                                        <p:cTn id="17" dur="1" fill="hold">
+                                          <p:stCondLst>
+                                            <p:cond delay="0"/>
+                                          </p:stCondLst>
+                                        </p:cTn>
+                                        <p:tgtEl>
+                                          <p:spTgt spid="357"/>
+                                        </p:tgtEl>
+                                        <p:attrNameLst>
+                                          <p:attrName>style.visibility</p:attrName>
+                                        </p:attrNameLst>
+                                      </p:cBhvr>
+                                      <p:to>
+                                        <p:strVal val="visible"/>
+                                      </p:to>
+                                    </p:set>
+                                    <p:animEffect transition="in" filter="fade">
+                                      <p:cBhvr additive="repl">
+                                        <p:cTn id="18" dur="500"/>
+                                        <p:tgtEl>
+                                          <p:spTgt spid="357"/>
+                                        </p:tgtEl>
+                                      </p:cBhvr>
+                                    </p:animEffect>
+                                  </p:childTnLst>
+                                </p:cTn>
+                              </p:par>
+                            </p:childTnLst>
+                          </p:cTn>
+                        </p:par>
+                      </p:childTnLst>
+                    </p:cTn>
+                  </p:par>
+                  <p:par>
+                    <p:cTn id="19" fill="hold">
+                      <p:stCondLst>
+                        <p:cond delay="indefinite"/>
+                      </p:stCondLst>
+                      <p:childTnLst>
+                        <p:par>
+                          <p:cTn id="20" fill="hold">
+                            <p:stCondLst>
+                              <p:cond delay="0"/>
+                            </p:stCondLst>
+                            <p:childTnLst>
+                              <p:par>
+                                <p:cTn id="21" presetID="10" presetClass="entr" fill="hold" nodeType="clickEffect">
+                                  <p:stCondLst>
+                                    <p:cond delay="0"/>
+                                  </p:stCondLst>
+                                  <p:childTnLst>
+                                    <p:set>
+                                      <p:cBhvr>
+                                        <p:cTn id="22" dur="1" fill="hold">
+                                          <p:stCondLst>
+                                            <p:cond delay="0"/>
+                                          </p:stCondLst>
+                                        </p:cTn>
+                                        <p:tgtEl>
+                                          <p:spTgt spid="358"/>
+                                        </p:tgtEl>
+                                        <p:attrNameLst>
+                                          <p:attrName>style.visibility</p:attrName>
+                                        </p:attrNameLst>
+                                      </p:cBhvr>
+                                      <p:to>
+                                        <p:strVal val="visible"/>
+                                      </p:to>
+                                    </p:set>
+                                    <p:animEffect transition="in" filter="fade">
+                                      <p:cBhvr additive="repl">
+                                        <p:cTn id="23" dur="500"/>
+                                        <p:tgtEl>
+                                          <p:spTgt spid="358"/>
+                                        </p:tgtEl>
+                                      </p:cBhvr>
+                                    </p:animEffect>
+                                  </p:childTnLst>
+                                </p:cTn>
+                              </p:par>
+                            </p:childTnLst>
+                          </p:cTn>
+                        </p:par>
+                      </p:childTnLst>
+                    </p:cTn>
+                  </p:par>
+                </p:childTnLst>
+              </p:cTn>
+              <p:prevCondLst>
+                <p:cond evt="onPrev" delay="0">
+                  <p:tgtEl>
+                    <p:sldTgt/>
+                  </p:tgtEl>
+                </p:cond>
+              </p:prevCondLst>
+              <p:nextCondLst>
+                <p:cond evt="onNext" delay="0">
+                  <p:tgtEl>
+                    <p:sldTgt/>
+                  </p:tgtEl>
+                </p:cond>
+              </p:nextCondLst>
+            </p:seq>
+          </p:childTnLst>
+        </p:cTn>
+      </p:par>
+    </p:tnLst>
+  </p:timing>
 </p:sld>
 </file>
 
@@ -14863,7 +14922,7 @@
       </p:grpSpPr>
       <p:sp>
         <p:nvSpPr>
-          <p:cNvPr id="364" name="CustomShape 1"/>
+          <p:cNvPr id="362" name="CustomShape 1"/>
           <p:cNvSpPr/>
           <p:nvPr/>
         </p:nvSpPr>
@@ -14902,14 +14961,14 @@
               </a:lnSpc>
             </a:pPr>
             <a:r>
-              <a:rPr lang="en-US" sz="4400" b="0" strike="noStrike" spc="-1">
+              <a:rPr lang="en-US" sz="4400" b="1" strike="noStrike" spc="-1">
                 <a:solidFill>
-                  <a:srgbClr val="1F497D"/>
+                  <a:srgbClr val="FF0000"/>
                 </a:solidFill>
                 <a:latin typeface="Arial"/>
                 <a:ea typeface="DejaVu Sans"/>
               </a:rPr>
-              <a:t>System Overview</a:t>
+              <a:t>Design Rationale</a:t>
             </a:r>
             <a:endParaRPr lang="en-US" sz="4400" b="0" strike="noStrike" spc="-1">
               <a:latin typeface="Arial"/>
@@ -14917,98 +14976,352 @@
           </a:p>
         </p:txBody>
       </p:sp>
-      <p:pic>
-        <p:nvPicPr>
-          <p:cNvPr id="365" name="Picture 3"/>
-          <p:cNvPicPr/>
+      <p:sp>
+        <p:nvSpPr>
+          <p:cNvPr id="363" name="CustomShape 2"/>
+          <p:cNvSpPr/>
           <p:nvPr/>
-        </p:nvPicPr>
-        <p:blipFill>
-          <a:blip r:embed="rId2"/>
-          <a:stretch/>
-        </p:blipFill>
-        <p:spPr>
-          <a:xfrm>
-            <a:off x="0" y="1593360"/>
-            <a:ext cx="9143280" cy="4422600"/>
-          </a:xfrm>
-          <a:prstGeom prst="rect">
-            <a:avLst/>
-          </a:prstGeom>
+        </p:nvSpPr>
+        <p:spPr>
+          <a:xfrm>
+            <a:off x="457200" y="1604520"/>
+            <a:ext cx="8228520" cy="3976560"/>
+          </a:xfrm>
+          <a:prstGeom prst="rect">
+            <a:avLst/>
+          </a:prstGeom>
+          <a:noFill/>
           <a:ln>
             <a:noFill/>
           </a:ln>
         </p:spPr>
-      </p:pic>
-      <p:pic>
-        <p:nvPicPr>
-          <p:cNvPr id="366" name="Picture 4"/>
-          <p:cNvPicPr/>
-          <p:nvPr/>
-        </p:nvPicPr>
-        <p:blipFill>
-          <a:blip r:embed="rId3"/>
-          <a:stretch/>
-        </p:blipFill>
-        <p:spPr>
-          <a:xfrm>
-            <a:off x="7439760" y="3535560"/>
-            <a:ext cx="1245960" cy="537840"/>
-          </a:xfrm>
-          <a:prstGeom prst="rect">
-            <a:avLst/>
-          </a:prstGeom>
-          <a:ln>
-            <a:noFill/>
-          </a:ln>
-        </p:spPr>
-      </p:pic>
-      <p:pic>
-        <p:nvPicPr>
-          <p:cNvPr id="367" name="Picture 5"/>
-          <p:cNvPicPr/>
-          <p:nvPr/>
-        </p:nvPicPr>
-        <p:blipFill>
-          <a:blip r:embed="rId4"/>
-          <a:stretch/>
-        </p:blipFill>
-        <p:spPr>
-          <a:xfrm>
-            <a:off x="7589880" y="1953360"/>
-            <a:ext cx="946080" cy="610200"/>
-          </a:xfrm>
-          <a:prstGeom prst="rect">
-            <a:avLst/>
-          </a:prstGeom>
-          <a:ln>
-            <a:noFill/>
-          </a:ln>
-        </p:spPr>
-      </p:pic>
-      <p:pic>
-        <p:nvPicPr>
-          <p:cNvPr id="368" name="Picture 7"/>
-          <p:cNvPicPr/>
-          <p:nvPr/>
-        </p:nvPicPr>
-        <p:blipFill>
-          <a:blip r:embed="rId5"/>
-          <a:stretch/>
-        </p:blipFill>
-        <p:spPr>
-          <a:xfrm>
-            <a:off x="7439760" y="2781000"/>
-            <a:ext cx="1209240" cy="578880"/>
-          </a:xfrm>
-          <a:prstGeom prst="rect">
-            <a:avLst/>
-          </a:prstGeom>
-          <a:ln>
-            <a:noFill/>
-          </a:ln>
-        </p:spPr>
-      </p:pic>
+        <p:style>
+          <a:lnRef idx="0">
+            <a:scrgbClr r="0" g="0" b="0"/>
+          </a:lnRef>
+          <a:fillRef idx="0">
+            <a:scrgbClr r="0" g="0" b="0"/>
+          </a:fillRef>
+          <a:effectRef idx="0">
+            <a:scrgbClr r="0" g="0" b="0"/>
+          </a:effectRef>
+          <a:fontRef idx="minor"/>
+        </p:style>
+        <p:txBody>
+          <a:bodyPr lIns="0" tIns="0" rIns="0" bIns="0">
+            <a:normAutofit fontScale="85000" lnSpcReduction="20000"/>
+          </a:bodyPr>
+          <a:lstStyle/>
+          <a:p>
+            <a:pPr marL="228600" indent="-227880">
+              <a:lnSpc>
+                <a:spcPct val="90000"/>
+              </a:lnSpc>
+              <a:spcBef>
+                <a:spcPts val="1001"/>
+              </a:spcBef>
+              <a:buClr>
+                <a:srgbClr val="000000"/>
+              </a:buClr>
+              <a:buFont typeface="Arial"/>
+              <a:buChar char="•"/>
+            </a:pPr>
+            <a:r>
+              <a:rPr lang="en-US" sz="2800" b="1" strike="noStrike" spc="-1" dirty="0">
+                <a:solidFill>
+                  <a:srgbClr val="000000"/>
+                </a:solidFill>
+                <a:latin typeface="Arial"/>
+                <a:ea typeface="DejaVu Sans"/>
+              </a:rPr>
+              <a:t>Bag of words</a:t>
+            </a:r>
+            <a:endParaRPr lang="en-US" sz="2800" b="0" strike="noStrike" spc="-1" dirty="0">
+              <a:latin typeface="Arial"/>
+            </a:endParaRPr>
+          </a:p>
+          <a:p>
+            <a:pPr>
+              <a:lnSpc>
+                <a:spcPct val="90000"/>
+              </a:lnSpc>
+              <a:spcBef>
+                <a:spcPts val="1001"/>
+              </a:spcBef>
+            </a:pPr>
+            <a:r>
+              <a:rPr lang="en-US" sz="1800" b="0" strike="noStrike" spc="-1" dirty="0">
+                <a:solidFill>
+                  <a:srgbClr val="000000"/>
+                </a:solidFill>
+                <a:latin typeface="Arial"/>
+                <a:ea typeface="DejaVu Sans"/>
+              </a:rPr>
+              <a:t>Bag of word models don’t respect semantics of the word.</a:t>
+            </a:r>
+            <a:endParaRPr lang="en-US" sz="1800" b="0" strike="noStrike" spc="-1" dirty="0">
+              <a:latin typeface="Arial"/>
+            </a:endParaRPr>
+          </a:p>
+          <a:p>
+            <a:pPr marL="228600" indent="-227880">
+              <a:lnSpc>
+                <a:spcPct val="90000"/>
+              </a:lnSpc>
+              <a:spcBef>
+                <a:spcPts val="1001"/>
+              </a:spcBef>
+              <a:buClr>
+                <a:srgbClr val="000000"/>
+              </a:buClr>
+              <a:buFont typeface="Arial"/>
+              <a:buChar char="•"/>
+            </a:pPr>
+            <a:r>
+              <a:rPr lang="en-US" sz="2800" b="1" strike="noStrike" spc="-1" dirty="0" smtClean="0">
+                <a:solidFill>
+                  <a:srgbClr val="000000"/>
+                </a:solidFill>
+                <a:latin typeface="Arial"/>
+                <a:ea typeface="DejaVu Sans"/>
+              </a:rPr>
+              <a:t>KNN</a:t>
+            </a:r>
+            <a:endParaRPr lang="en-US" sz="2800" b="0" strike="noStrike" spc="-1" dirty="0">
+              <a:latin typeface="Arial"/>
+            </a:endParaRPr>
+          </a:p>
+          <a:p>
+            <a:r>
+              <a:rPr lang="en-US" dirty="0"/>
+              <a:t>must compute the distance and sort all the training data at each prediction, which can be slow if there are a large number of training examples</a:t>
+            </a:r>
+          </a:p>
+          <a:p>
+            <a:r>
+              <a:rPr lang="en-US" dirty="0"/>
+              <a:t>And it is robust to noisy data.</a:t>
+            </a:r>
+          </a:p>
+          <a:p>
+            <a:pPr>
+              <a:lnSpc>
+                <a:spcPct val="90000"/>
+              </a:lnSpc>
+              <a:spcBef>
+                <a:spcPts val="1001"/>
+              </a:spcBef>
+            </a:pPr>
+            <a:r>
+              <a:rPr lang="en-US" sz="1800" b="0" strike="noStrike" spc="-1" dirty="0" smtClean="0">
+                <a:solidFill>
+                  <a:srgbClr val="000000"/>
+                </a:solidFill>
+                <a:latin typeface="Arial"/>
+                <a:ea typeface="DejaVu Sans"/>
+              </a:rPr>
+              <a:t>.</a:t>
+            </a:r>
+            <a:endParaRPr lang="en-US" sz="1800" b="0" strike="noStrike" spc="-1" dirty="0">
+              <a:latin typeface="Arial"/>
+            </a:endParaRPr>
+          </a:p>
+          <a:p>
+            <a:pPr marL="228600" indent="-227880">
+              <a:lnSpc>
+                <a:spcPct val="90000"/>
+              </a:lnSpc>
+              <a:spcBef>
+                <a:spcPts val="1001"/>
+              </a:spcBef>
+              <a:buClr>
+                <a:srgbClr val="000000"/>
+              </a:buClr>
+              <a:buFont typeface="Arial"/>
+              <a:buChar char="•"/>
+            </a:pPr>
+            <a:r>
+              <a:rPr lang="en-US" sz="2800" b="1" strike="noStrike" spc="-1" dirty="0">
+                <a:solidFill>
+                  <a:srgbClr val="000000"/>
+                </a:solidFill>
+                <a:latin typeface="Arial"/>
+                <a:ea typeface="DejaVu Sans"/>
+              </a:rPr>
+              <a:t>Skip gram</a:t>
+            </a:r>
+            <a:endParaRPr lang="en-US" sz="2800" b="0" strike="noStrike" spc="-1" dirty="0">
+              <a:latin typeface="Arial"/>
+            </a:endParaRPr>
+          </a:p>
+          <a:p>
+            <a:pPr>
+              <a:lnSpc>
+                <a:spcPct val="90000"/>
+              </a:lnSpc>
+              <a:spcBef>
+                <a:spcPts val="1001"/>
+              </a:spcBef>
+            </a:pPr>
+            <a:r>
+              <a:rPr lang="en-US" dirty="0"/>
+              <a:t>Failed to identify the combined word phrases and the different meanings of the same word because it is represented with one </a:t>
+            </a:r>
+            <a:r>
+              <a:rPr lang="en-US" dirty="0" smtClean="0"/>
+              <a:t>vector. Also </a:t>
+            </a:r>
+            <a:r>
+              <a:rPr lang="en-US" sz="1800" b="0" strike="noStrike" spc="-1" dirty="0" smtClean="0">
+                <a:solidFill>
+                  <a:srgbClr val="000000"/>
+                </a:solidFill>
+                <a:latin typeface="Arial"/>
+                <a:ea typeface="DejaVu Sans"/>
+              </a:rPr>
+              <a:t>Failed </a:t>
+            </a:r>
+            <a:r>
+              <a:rPr lang="en-US" sz="1800" b="0" strike="noStrike" spc="-1" dirty="0">
+                <a:solidFill>
+                  <a:srgbClr val="000000"/>
+                </a:solidFill>
+                <a:latin typeface="Arial"/>
+                <a:ea typeface="DejaVu Sans"/>
+              </a:rPr>
+              <a:t>to identify the combined word phrases.</a:t>
+            </a:r>
+            <a:endParaRPr lang="en-US" sz="1800" b="0" strike="noStrike" spc="-1" dirty="0">
+              <a:latin typeface="Arial"/>
+            </a:endParaRPr>
+          </a:p>
+          <a:p>
+            <a:pPr marL="228600" indent="-227880">
+              <a:lnSpc>
+                <a:spcPct val="90000"/>
+              </a:lnSpc>
+              <a:spcBef>
+                <a:spcPts val="1001"/>
+              </a:spcBef>
+              <a:buClr>
+                <a:srgbClr val="000000"/>
+              </a:buClr>
+              <a:buFont typeface="Arial"/>
+              <a:buChar char="•"/>
+            </a:pPr>
+            <a:r>
+              <a:rPr lang="en-US" sz="2800" b="1" spc="-1" dirty="0" smtClean="0">
+                <a:solidFill>
+                  <a:srgbClr val="000000"/>
+                </a:solidFill>
+                <a:latin typeface="Arial"/>
+              </a:rPr>
+              <a:t>N-gram</a:t>
+            </a:r>
+            <a:endParaRPr lang="en-US" sz="2800" b="0" strike="noStrike" spc="-1" dirty="0">
+              <a:latin typeface="Arial"/>
+            </a:endParaRPr>
+          </a:p>
+          <a:p>
+            <a:r>
+              <a:rPr lang="en-US" dirty="0"/>
+              <a:t> it can only interpret unseen instances with respect to learned training data. That is, if a classifier learned from the instances </a:t>
+            </a:r>
+            <a:r>
+              <a:rPr lang="en-US" i="1" dirty="0"/>
+              <a:t>'today was a good day'</a:t>
+            </a:r>
+            <a:r>
+              <a:rPr lang="en-US" dirty="0"/>
+              <a:t> and </a:t>
+            </a:r>
+            <a:r>
+              <a:rPr lang="en-US" i="1" dirty="0"/>
+              <a:t>'that is a ridiculous thing to say'</a:t>
+            </a:r>
+            <a:r>
+              <a:rPr lang="en-US" dirty="0"/>
+              <a:t>, it is unable to say much about the instance </a:t>
+            </a:r>
+            <a:r>
+              <a:rPr lang="en-US" i="1" dirty="0"/>
+              <a:t>'</a:t>
+            </a:r>
+            <a:r>
+              <a:rPr lang="en-US" i="1" dirty="0" err="1"/>
+              <a:t>i</a:t>
+            </a:r>
+            <a:r>
+              <a:rPr lang="en-US" i="1" dirty="0"/>
+              <a:t> love this song!'</a:t>
+            </a:r>
+            <a:r>
+              <a:rPr lang="en-US" dirty="0"/>
+              <a:t> since the features are </a:t>
+            </a:r>
+            <a:r>
+              <a:rPr lang="en-US" i="1" dirty="0"/>
+              <a:t>'today', 'was', 'a', 'good', 'day', 'that', 'is', 'ridiculous', 'thing', 'to', 'say'</a:t>
+            </a:r>
+            <a:r>
+              <a:rPr lang="en-US" dirty="0"/>
+              <a:t>.</a:t>
+            </a:r>
+          </a:p>
+          <a:p>
+            <a:pPr>
+              <a:lnSpc>
+                <a:spcPct val="90000"/>
+              </a:lnSpc>
+              <a:spcBef>
+                <a:spcPts val="1001"/>
+              </a:spcBef>
+            </a:pPr>
+            <a:endParaRPr lang="en-US" sz="1800" b="0" strike="noStrike" spc="-1" dirty="0">
+              <a:latin typeface="Arial"/>
+            </a:endParaRPr>
+          </a:p>
+          <a:p>
+            <a:pPr>
+              <a:lnSpc>
+                <a:spcPct val="90000"/>
+              </a:lnSpc>
+              <a:spcBef>
+                <a:spcPts val="1001"/>
+              </a:spcBef>
+            </a:pPr>
+            <a:endParaRPr lang="en-US" sz="1800" b="0" strike="noStrike" spc="-1" dirty="0">
+              <a:latin typeface="Arial"/>
+            </a:endParaRPr>
+          </a:p>
+          <a:p>
+            <a:pPr>
+              <a:lnSpc>
+                <a:spcPct val="90000"/>
+              </a:lnSpc>
+              <a:spcBef>
+                <a:spcPts val="1001"/>
+              </a:spcBef>
+            </a:pPr>
+            <a:endParaRPr lang="en-US" sz="1800" b="0" strike="noStrike" spc="-1" dirty="0">
+              <a:latin typeface="Arial"/>
+            </a:endParaRPr>
+          </a:p>
+          <a:p>
+            <a:pPr>
+              <a:lnSpc>
+                <a:spcPct val="90000"/>
+              </a:lnSpc>
+              <a:spcBef>
+                <a:spcPts val="1001"/>
+              </a:spcBef>
+            </a:pPr>
+            <a:endParaRPr lang="en-US" sz="1800" b="0" strike="noStrike" spc="-1" dirty="0">
+              <a:latin typeface="Arial"/>
+            </a:endParaRPr>
+          </a:p>
+        </p:txBody>
+      </p:sp>
     </p:spTree>
   </p:cSld>
   <p:clrMapOvr>
@@ -15061,61 +15374,132 @@
           <a:chExt cx="0" cy="0"/>
         </a:xfrm>
       </p:grpSpPr>
-      <p:pic>
-        <p:nvPicPr>
-          <p:cNvPr id="369" name="Picture 3"/>
-          <p:cNvPicPr/>
-          <p:nvPr/>
-        </p:nvPicPr>
-        <p:blipFill>
-          <a:blip r:embed="rId2"/>
-          <a:stretch/>
-        </p:blipFill>
-        <p:spPr>
-          <a:xfrm>
-            <a:off x="0" y="0"/>
-            <a:ext cx="9143280" cy="6959520"/>
-          </a:xfrm>
-          <a:prstGeom prst="rect">
-            <a:avLst/>
-          </a:prstGeom>
-          <a:ln>
-            <a:noFill/>
-          </a:ln>
-        </p:spPr>
-      </p:pic>
+      <p:sp>
+        <p:nvSpPr>
+          <p:cNvPr id="2" name="Title 1"/>
+          <p:cNvSpPr>
+            <a:spLocks noGrp="1"/>
+          </p:cNvSpPr>
+          <p:nvPr>
+            <p:ph type="title"/>
+          </p:nvPr>
+        </p:nvSpPr>
+        <p:spPr/>
+        <p:txBody>
+          <a:bodyPr/>
+          <a:lstStyle/>
+          <a:p>
+            <a:r>
+              <a:rPr lang="en-US" sz="3600" dirty="0" smtClean="0"/>
+              <a:t>What we have used</a:t>
+            </a:r>
+            <a:endParaRPr lang="en-US" sz="3600" dirty="0"/>
+          </a:p>
+        </p:txBody>
+      </p:sp>
+      <p:sp>
+        <p:nvSpPr>
+          <p:cNvPr id="3" name="Subtitle 2"/>
+          <p:cNvSpPr>
+            <a:spLocks noGrp="1"/>
+          </p:cNvSpPr>
+          <p:nvPr>
+            <p:ph type="subTitle"/>
+          </p:nvPr>
+        </p:nvSpPr>
+        <p:spPr>
+          <a:xfrm>
+            <a:off x="304800" y="3048000"/>
+            <a:ext cx="8229240" cy="1144800"/>
+          </a:xfrm>
+        </p:spPr>
+        <p:txBody>
+          <a:bodyPr/>
+          <a:lstStyle/>
+          <a:p>
+            <a:pPr marL="457200" indent="-457200">
+              <a:buFont typeface="Arial" panose="020B0604020202020204" pitchFamily="34" charset="0"/>
+              <a:buChar char="•"/>
+            </a:pPr>
+            <a:r>
+              <a:rPr lang="en-US" sz="2800" dirty="0" smtClean="0">
+                <a:solidFill>
+                  <a:srgbClr val="FF0000"/>
+                </a:solidFill>
+              </a:rPr>
+              <a:t>TFIDF</a:t>
+            </a:r>
+          </a:p>
+          <a:p>
+            <a:pPr marL="0" indent="0">
+              <a:buNone/>
+            </a:pPr>
+            <a:r>
+              <a:rPr lang="en-US" dirty="0" smtClean="0"/>
+              <a:t>Tell us the importance of the word in the document.</a:t>
+            </a:r>
+          </a:p>
+          <a:p>
+            <a:pPr marL="457200" indent="-457200">
+              <a:buFont typeface="Arial" panose="020B0604020202020204" pitchFamily="34" charset="0"/>
+              <a:buChar char="•"/>
+            </a:pPr>
+            <a:r>
+              <a:rPr lang="en-US" sz="2800" dirty="0" smtClean="0">
+                <a:solidFill>
+                  <a:srgbClr val="FF0000"/>
+                </a:solidFill>
+              </a:rPr>
+              <a:t>Sentiment analysis</a:t>
+            </a:r>
+          </a:p>
+          <a:p>
+            <a:pPr marL="0" indent="0">
+              <a:buNone/>
+            </a:pPr>
+            <a:r>
+              <a:rPr lang="en-US" dirty="0" smtClean="0"/>
+              <a:t>Give us the polarity of the sentence.</a:t>
+            </a:r>
+          </a:p>
+          <a:p>
+            <a:pPr marL="457200" indent="-457200">
+              <a:buFont typeface="Arial" panose="020B0604020202020204" pitchFamily="34" charset="0"/>
+              <a:buChar char="•"/>
+            </a:pPr>
+            <a:r>
+              <a:rPr lang="en-US" sz="2800" dirty="0" smtClean="0">
+                <a:solidFill>
+                  <a:srgbClr val="FF0000"/>
+                </a:solidFill>
+              </a:rPr>
+              <a:t>SVM</a:t>
+            </a:r>
+          </a:p>
+          <a:p>
+            <a:pPr marL="0" indent="0">
+              <a:buNone/>
+            </a:pPr>
+            <a:r>
+              <a:rPr lang="en-US" dirty="0" smtClean="0"/>
+              <a:t>high predictive power and avoids overfitting.</a:t>
+            </a:r>
+          </a:p>
+          <a:p>
+            <a:endParaRPr lang="en-US" dirty="0"/>
+          </a:p>
+        </p:txBody>
+      </p:sp>
     </p:spTree>
+    <p:extLst>
+      <p:ext uri="{BB962C8B-B14F-4D97-AF65-F5344CB8AC3E}">
+        <p14:creationId xmlns:p14="http://schemas.microsoft.com/office/powerpoint/2010/main" val="667596461"/>
+      </p:ext>
+    </p:extLst>
   </p:cSld>
   <p:clrMapOvr>
     <a:masterClrMapping/>
   </p:clrMapOvr>
-  <p:timing>
-    <p:tnLst>
-      <p:par>
-        <p:cTn id="1" dur="indefinite" restart="never" nodeType="tmRoot">
-          <p:childTnLst>
-            <p:seq>
-              <p:cTn id="2" dur="indefinite" nodeType="mainSeq"/>
-              <p:prevCondLst>
-                <p:cond evt="onPrev" delay="0">
-                  <p:tgtEl>
-                    <p:sldTgt/>
-                  </p:tgtEl>
-                </p:cond>
-              </p:prevCondLst>
-              <p:nextCondLst>
-                <p:cond evt="onNext" delay="0">
-                  <p:tgtEl>
-                    <p:sldTgt/>
-                  </p:tgtEl>
-                </p:cond>
-              </p:nextCondLst>
-            </p:seq>
-          </p:childTnLst>
-        </p:cTn>
-      </p:par>
-    </p:tnLst>
-  </p:timing>
 </p:sld>
 </file>
 
@@ -15136,65 +15520,9 @@
           <a:chExt cx="0" cy="0"/>
         </a:xfrm>
       </p:grpSpPr>
-      <p:sp>
-        <p:nvSpPr>
-          <p:cNvPr id="370" name="CustomShape 1"/>
-          <p:cNvSpPr/>
-          <p:nvPr/>
-        </p:nvSpPr>
-        <p:spPr>
-          <a:xfrm>
-            <a:off x="3457080" y="159480"/>
-            <a:ext cx="2054880" cy="638280"/>
-          </a:xfrm>
-          <a:prstGeom prst="rect">
-            <a:avLst/>
-          </a:prstGeom>
-          <a:noFill/>
-          <a:ln>
-            <a:noFill/>
-          </a:ln>
-        </p:spPr>
-        <p:style>
-          <a:lnRef idx="0">
-            <a:scrgbClr r="0" g="0" b="0"/>
-          </a:lnRef>
-          <a:fillRef idx="0">
-            <a:scrgbClr r="0" g="0" b="0"/>
-          </a:fillRef>
-          <a:effectRef idx="0">
-            <a:scrgbClr r="0" g="0" b="0"/>
-          </a:effectRef>
-          <a:fontRef idx="minor"/>
-        </p:style>
-        <p:txBody>
-          <a:bodyPr lIns="90000" tIns="45000" rIns="90000" bIns="45000"/>
-          <a:lstStyle/>
-          <a:p>
-            <a:pPr algn="ctr">
-              <a:lnSpc>
-                <a:spcPct val="100000"/>
-              </a:lnSpc>
-            </a:pPr>
-            <a:r>
-              <a:rPr lang="en-US" sz="3600" b="0" strike="noStrike" spc="-1">
-                <a:solidFill>
-                  <a:srgbClr val="000000"/>
-                </a:solidFill>
-                <a:latin typeface="Times New Roman"/>
-                <a:ea typeface="DejaVu Sans"/>
-              </a:rPr>
-              <a:t>Demo</a:t>
-            </a:r>
-            <a:endParaRPr lang="en-US" sz="3600" b="0" strike="noStrike" spc="-1">
-              <a:latin typeface="Arial"/>
-            </a:endParaRPr>
-          </a:p>
-        </p:txBody>
-      </p:sp>
       <p:pic>
         <p:nvPicPr>
-          <p:cNvPr id="371" name="Picture 170"/>
+          <p:cNvPr id="369" name="Picture 3"/>
           <p:cNvPicPr/>
           <p:nvPr/>
         </p:nvPicPr>
@@ -15204,8 +15532,8 @@
         </p:blipFill>
         <p:spPr>
           <a:xfrm>
-            <a:off x="7589520" y="91800"/>
-            <a:ext cx="1552680" cy="1231560"/>
+            <a:off x="0" y="1524000"/>
+            <a:ext cx="9143280" cy="5054520"/>
           </a:xfrm>
           <a:prstGeom prst="rect">
             <a:avLst/>
@@ -15215,6 +15543,36 @@
           </a:ln>
         </p:spPr>
       </p:pic>
+      <p:sp>
+        <p:nvSpPr>
+          <p:cNvPr id="2" name="TextBox 1"/>
+          <p:cNvSpPr txBox="1"/>
+          <p:nvPr/>
+        </p:nvSpPr>
+        <p:spPr>
+          <a:xfrm>
+            <a:off x="685800" y="381000"/>
+            <a:ext cx="6934200" cy="707886"/>
+          </a:xfrm>
+          <a:prstGeom prst="rect">
+            <a:avLst/>
+          </a:prstGeom>
+          <a:noFill/>
+        </p:spPr>
+        <p:txBody>
+          <a:bodyPr wrap="square" rtlCol="0">
+            <a:spAutoFit/>
+          </a:bodyPr>
+          <a:lstStyle/>
+          <a:p>
+            <a:r>
+              <a:rPr lang="en-US" sz="4000" dirty="0" smtClean="0"/>
+              <a:t>Sequence diagram</a:t>
+            </a:r>
+            <a:endParaRPr lang="en-US" sz="4000" dirty="0"/>
+          </a:p>
+        </p:txBody>
+      </p:sp>
     </p:spTree>
   </p:cSld>
   <p:clrMapOvr>
@@ -15269,102 +15627,74 @@
       </p:grpSpPr>
       <p:sp>
         <p:nvSpPr>
-          <p:cNvPr id="372" name="CustomShape 1"/>
-          <p:cNvSpPr/>
+          <p:cNvPr id="2" name="Title 1"/>
+          <p:cNvSpPr>
+            <a:spLocks noGrp="1"/>
+          </p:cNvSpPr>
+          <p:nvPr>
+            <p:ph type="title"/>
+          </p:nvPr>
+        </p:nvSpPr>
+        <p:spPr/>
+        <p:txBody>
+          <a:bodyPr/>
+          <a:lstStyle/>
+          <a:p>
+            <a:r>
+              <a:rPr lang="en-US" sz="3600" dirty="0" smtClean="0"/>
+              <a:t>Sequence diagram</a:t>
+            </a:r>
+            <a:r>
+              <a:rPr lang="en-US" dirty="0" smtClean="0"/>
+              <a:t/>
+            </a:r>
+            <a:br>
+              <a:rPr lang="en-US" dirty="0" smtClean="0"/>
+            </a:br>
+            <a:endParaRPr lang="en-US" dirty="0"/>
+          </a:p>
+        </p:txBody>
+      </p:sp>
+      <p:pic>
+        <p:nvPicPr>
+          <p:cNvPr id="4" name="Picture 3"/>
+          <p:cNvPicPr>
+            <a:picLocks noChangeAspect="1"/>
+          </p:cNvPicPr>
           <p:nvPr/>
-        </p:nvSpPr>
-        <p:spPr>
-          <a:xfrm>
-            <a:off x="457200" y="273600"/>
-            <a:ext cx="8228160" cy="2066760"/>
-          </a:xfrm>
-          <a:prstGeom prst="rect">
-            <a:avLst/>
-          </a:prstGeom>
-          <a:noFill/>
-          <a:ln>
-            <a:noFill/>
-          </a:ln>
-        </p:spPr>
-        <p:style>
-          <a:lnRef idx="0">
-            <a:scrgbClr r="0" g="0" b="0"/>
-          </a:lnRef>
-          <a:fillRef idx="0">
-            <a:scrgbClr r="0" g="0" b="0"/>
-          </a:fillRef>
-          <a:effectRef idx="0">
-            <a:scrgbClr r="0" g="0" b="0"/>
-          </a:effectRef>
-          <a:fontRef idx="minor"/>
-        </p:style>
-        <p:txBody>
-          <a:bodyPr lIns="0" tIns="0" rIns="0" bIns="0" anchor="ctr">
-            <a:normAutofit/>
-          </a:bodyPr>
-          <a:lstStyle/>
-          <a:p>
-            <a:pPr marL="228600" indent="-227520" algn="ctr">
-              <a:lnSpc>
-                <a:spcPct val="90000"/>
-              </a:lnSpc>
-              <a:spcBef>
-                <a:spcPts val="1001"/>
-              </a:spcBef>
-              <a:buClr>
-                <a:srgbClr val="000000"/>
-              </a:buClr>
-              <a:buFont typeface="Arial"/>
-              <a:buChar char="•"/>
-            </a:pPr>
-            <a:r>
-              <a:rPr lang="en-US" sz="3600" b="0" strike="noStrike" spc="-1">
-                <a:solidFill>
-                  <a:srgbClr val="000000"/>
-                </a:solidFill>
-                <a:latin typeface="Arial"/>
-                <a:ea typeface="DejaVu Sans"/>
-              </a:rPr>
-              <a:t>Any Questions ?</a:t>
-            </a:r>
-            <a:endParaRPr lang="en-US" sz="3600" b="0" strike="noStrike" spc="-1">
-              <a:latin typeface="Arial"/>
-            </a:endParaRPr>
-          </a:p>
-        </p:txBody>
-      </p:sp>
+        </p:nvPicPr>
+        <p:blipFill>
+          <a:blip r:embed="rId2">
+            <a:extLst>
+              <a:ext uri="{28A0092B-C50C-407E-A947-70E740481C1C}">
+                <a14:useLocalDpi xmlns:a14="http://schemas.microsoft.com/office/drawing/2010/main" val="0"/>
+              </a:ext>
+            </a:extLst>
+          </a:blip>
+          <a:stretch>
+            <a:fillRect/>
+          </a:stretch>
+        </p:blipFill>
+        <p:spPr>
+          <a:xfrm>
+            <a:off x="0" y="1565398"/>
+            <a:ext cx="9144000" cy="4911602"/>
+          </a:xfrm>
+          <a:prstGeom prst="rect">
+            <a:avLst/>
+          </a:prstGeom>
+        </p:spPr>
+      </p:pic>
     </p:spTree>
+    <p:extLst>
+      <p:ext uri="{BB962C8B-B14F-4D97-AF65-F5344CB8AC3E}">
+        <p14:creationId xmlns:p14="http://schemas.microsoft.com/office/powerpoint/2010/main" val="2545907877"/>
+      </p:ext>
+    </p:extLst>
   </p:cSld>
   <p:clrMapOvr>
     <a:masterClrMapping/>
   </p:clrMapOvr>
-  <p:timing>
-    <p:tnLst>
-      <p:par>
-        <p:cTn id="1" dur="indefinite" restart="never" nodeType="tmRoot">
-          <p:childTnLst>
-            <p:seq>
-              <p:cTn id="2" dur="indefinite" nodeType="mainSeq"/>
-              <p:prevCondLst>
-                <p:cond evt="onPrev" delay="0">
-                  <p:tgtEl>
-                    <p:sldTgt/>
-                  </p:tgtEl>
-                </p:cond>
-              </p:prevCondLst>
-              <p:nextCondLst>
-                <p:cond evt="onNext" delay="0">
-                  <p:tgtEl>
-                    <p:sldTgt/>
-                  </p:tgtEl>
-                </p:cond>
-              </p:nextCondLst>
-            </p:seq>
-          </p:childTnLst>
-        </p:cTn>
-      </p:par>
-    </p:tnLst>
-  </p:timing>
 </p:sld>
 </file>
 
@@ -15387,14 +15717,14 @@
       </p:grpSpPr>
       <p:sp>
         <p:nvSpPr>
-          <p:cNvPr id="373" name="CustomShape 1"/>
+          <p:cNvPr id="370" name="CustomShape 1"/>
           <p:cNvSpPr/>
           <p:nvPr/>
         </p:nvSpPr>
         <p:spPr>
           <a:xfrm>
-            <a:off x="457200" y="273600"/>
-            <a:ext cx="8228520" cy="1144080"/>
+            <a:off x="3457080" y="159480"/>
+            <a:ext cx="2054880" cy="638280"/>
           </a:xfrm>
           <a:prstGeom prst="rect">
             <a:avLst/>
@@ -15417,62 +15747,53 @@
           <a:fontRef idx="minor"/>
         </p:style>
         <p:txBody>
-          <a:bodyPr lIns="0" tIns="0" rIns="0" bIns="0" anchor="ctr"/>
-          <a:lstStyle/>
-          <a:p>
-            <a:pPr>
+          <a:bodyPr lIns="90000" tIns="45000" rIns="90000" bIns="45000"/>
+          <a:lstStyle/>
+          <a:p>
+            <a:pPr algn="ctr">
               <a:lnSpc>
-                <a:spcPct val="90000"/>
+                <a:spcPct val="100000"/>
               </a:lnSpc>
             </a:pPr>
             <a:r>
-              <a:rPr lang="en-US" sz="4400" b="0" strike="noStrike" spc="-1">
+              <a:rPr lang="en-US" sz="3600" b="0" strike="noStrike" spc="-1">
                 <a:solidFill>
                   <a:srgbClr val="000000"/>
                 </a:solidFill>
-                <a:latin typeface="Arial"/>
+                <a:latin typeface="Times New Roman"/>
                 <a:ea typeface="DejaVu Sans"/>
               </a:rPr>
-              <a:t>Appendix</a:t>
+              <a:t>Demo</a:t>
             </a:r>
-            <a:endParaRPr lang="en-US" sz="4400" b="0" strike="noStrike" spc="-1">
-              <a:latin typeface="Arial"/>
-            </a:endParaRPr>
-          </a:p>
-        </p:txBody>
-      </p:sp>
-      <p:sp>
-        <p:nvSpPr>
-          <p:cNvPr id="374" name="CustomShape 2"/>
-          <p:cNvSpPr/>
+            <a:endParaRPr lang="en-US" sz="3600" b="0" strike="noStrike" spc="-1">
+              <a:latin typeface="Arial"/>
+            </a:endParaRPr>
+          </a:p>
+        </p:txBody>
+      </p:sp>
+      <p:pic>
+        <p:nvPicPr>
+          <p:cNvPr id="371" name="Picture 170"/>
+          <p:cNvPicPr/>
           <p:nvPr/>
-        </p:nvSpPr>
-        <p:spPr>
-          <a:xfrm>
-            <a:off x="457200" y="1604520"/>
-            <a:ext cx="8228520" cy="3976560"/>
-          </a:xfrm>
-          <a:prstGeom prst="rect">
-            <a:avLst/>
-          </a:prstGeom>
-          <a:noFill/>
+        </p:nvPicPr>
+        <p:blipFill>
+          <a:blip r:embed="rId2"/>
+          <a:stretch/>
+        </p:blipFill>
+        <p:spPr>
+          <a:xfrm>
+            <a:off x="7589520" y="91800"/>
+            <a:ext cx="1552680" cy="1231560"/>
+          </a:xfrm>
+          <a:prstGeom prst="rect">
+            <a:avLst/>
+          </a:prstGeom>
           <a:ln>
             <a:noFill/>
           </a:ln>
         </p:spPr>
-        <p:style>
-          <a:lnRef idx="0">
-            <a:scrgbClr r="0" g="0" b="0"/>
-          </a:lnRef>
-          <a:fillRef idx="0">
-            <a:scrgbClr r="0" g="0" b="0"/>
-          </a:fillRef>
-          <a:effectRef idx="0">
-            <a:scrgbClr r="0" g="0" b="0"/>
-          </a:effectRef>
-          <a:fontRef idx="minor"/>
-        </p:style>
-      </p:sp>
+      </p:pic>
     </p:spTree>
   </p:cSld>
   <p:clrMapOvr>
@@ -15527,14 +15848,14 @@
       </p:grpSpPr>
       <p:sp>
         <p:nvSpPr>
-          <p:cNvPr id="375" name="CustomShape 1"/>
+          <p:cNvPr id="372" name="CustomShape 1"/>
           <p:cNvSpPr/>
           <p:nvPr/>
         </p:nvSpPr>
         <p:spPr>
           <a:xfrm>
-            <a:off x="685800" y="304920"/>
-            <a:ext cx="7769880" cy="1467360"/>
+            <a:off x="457200" y="273600"/>
+            <a:ext cx="8228160" cy="2066760"/>
           </a:xfrm>
           <a:prstGeom prst="rect">
             <a:avLst/>
@@ -15557,109 +15878,12 @@
           <a:fontRef idx="minor"/>
         </p:style>
         <p:txBody>
-          <a:bodyPr lIns="90000" tIns="45000" rIns="90000" bIns="45000" anchor="ctr"/>
-          <a:lstStyle/>
-          <a:p>
-            <a:pPr algn="ctr">
-              <a:lnSpc>
-                <a:spcPct val="100000"/>
-              </a:lnSpc>
-            </a:pPr>
-            <a:r>
-              <a:rPr lang="en-US" sz="4400" b="0" strike="noStrike" spc="-1">
-                <a:solidFill>
-                  <a:srgbClr val="000000"/>
-                </a:solidFill>
-                <a:latin typeface="Calibri"/>
-                <a:ea typeface="DejaVu Sans"/>
-              </a:rPr>
-              <a:t>Most Important Algorithm</a:t>
-            </a:r>
-            <a:endParaRPr lang="en-US" sz="4400" b="0" strike="noStrike" spc="-1">
-              <a:latin typeface="Arial"/>
-            </a:endParaRPr>
-          </a:p>
-          <a:p>
-            <a:pPr algn="ctr">
-              <a:lnSpc>
-                <a:spcPct val="100000"/>
-              </a:lnSpc>
-            </a:pPr>
-            <a:r>
-              <a:rPr lang="en-US" sz="4400" b="0" strike="noStrike" spc="-1">
-                <a:solidFill>
-                  <a:srgbClr val="000000"/>
-                </a:solidFill>
-                <a:latin typeface="Calibri"/>
-                <a:ea typeface="DejaVu Sans"/>
-              </a:rPr>
-              <a:t>Sentiment Analysis</a:t>
-            </a:r>
-            <a:endParaRPr lang="en-US" sz="4400" b="0" strike="noStrike" spc="-1">
-              <a:latin typeface="Arial"/>
-            </a:endParaRPr>
-          </a:p>
-        </p:txBody>
-      </p:sp>
-      <p:pic>
-        <p:nvPicPr>
-          <p:cNvPr id="376" name="Picture 170"/>
-          <p:cNvPicPr/>
-          <p:nvPr/>
-        </p:nvPicPr>
-        <p:blipFill>
-          <a:blip r:embed="rId2"/>
-          <a:stretch/>
-        </p:blipFill>
-        <p:spPr>
-          <a:xfrm>
-            <a:off x="7760880" y="92160"/>
-            <a:ext cx="1381680" cy="1095840"/>
-          </a:xfrm>
-          <a:prstGeom prst="rect">
-            <a:avLst/>
-          </a:prstGeom>
-          <a:ln>
-            <a:noFill/>
-          </a:ln>
-        </p:spPr>
-      </p:pic>
-      <p:sp>
-        <p:nvSpPr>
-          <p:cNvPr id="377" name="CustomShape 2"/>
-          <p:cNvSpPr/>
-          <p:nvPr/>
-        </p:nvSpPr>
-        <p:spPr>
-          <a:xfrm>
-            <a:off x="456840" y="3238560"/>
-            <a:ext cx="8228160" cy="1143720"/>
-          </a:xfrm>
-          <a:prstGeom prst="rect">
-            <a:avLst/>
-          </a:prstGeom>
-          <a:noFill/>
-          <a:ln>
-            <a:noFill/>
-          </a:ln>
-        </p:spPr>
-        <p:style>
-          <a:lnRef idx="0">
-            <a:scrgbClr r="0" g="0" b="0"/>
-          </a:lnRef>
-          <a:fillRef idx="0">
-            <a:scrgbClr r="0" g="0" b="0"/>
-          </a:fillRef>
-          <a:effectRef idx="0">
-            <a:scrgbClr r="0" g="0" b="0"/>
-          </a:effectRef>
-          <a:fontRef idx="minor"/>
-        </p:style>
-        <p:txBody>
-          <a:bodyPr lIns="0" tIns="0" rIns="0" bIns="0" anchor="ctr"/>
-          <a:lstStyle/>
-          <a:p>
-            <a:pPr marL="571680" indent="-570600">
+          <a:bodyPr lIns="0" tIns="0" rIns="0" bIns="0" anchor="ctr">
+            <a:normAutofit/>
+          </a:bodyPr>
+          <a:lstStyle/>
+          <a:p>
+            <a:pPr marL="228600" indent="-227520" algn="ctr">
               <a:lnSpc>
                 <a:spcPct val="90000"/>
               </a:lnSpc>
@@ -15673,98 +15897,16 @@
               <a:buChar char="•"/>
             </a:pPr>
             <a:r>
-              <a:rPr lang="en-US" sz="2800" b="0" strike="noStrike" spc="-1">
+              <a:rPr lang="en-US" sz="3600" b="0" strike="noStrike" spc="-1">
                 <a:solidFill>
                   <a:srgbClr val="000000"/>
                 </a:solidFill>
                 <a:latin typeface="Arial"/>
                 <a:ea typeface="DejaVu Sans"/>
               </a:rPr>
-              <a:t>What is Sentiment Analysis ?</a:t>
+              <a:t>Any Questions ?</a:t>
             </a:r>
-            <a:endParaRPr lang="en-US" sz="2800" b="0" strike="noStrike" spc="-1">
-              <a:latin typeface="Arial"/>
-            </a:endParaRPr>
-          </a:p>
-          <a:p>
-            <a:pPr>
-              <a:lnSpc>
-                <a:spcPct val="90000"/>
-              </a:lnSpc>
-              <a:spcBef>
-                <a:spcPts val="1001"/>
-              </a:spcBef>
-            </a:pPr>
-            <a:endParaRPr lang="en-US" sz="2800" b="0" strike="noStrike" spc="-1">
-              <a:latin typeface="Arial"/>
-            </a:endParaRPr>
-          </a:p>
-          <a:p>
-            <a:pPr marL="571680" indent="-570600">
-              <a:lnSpc>
-                <a:spcPct val="90000"/>
-              </a:lnSpc>
-              <a:spcBef>
-                <a:spcPts val="1001"/>
-              </a:spcBef>
-              <a:buClr>
-                <a:srgbClr val="000000"/>
-              </a:buClr>
-              <a:buFont typeface="Arial"/>
-              <a:buChar char="•"/>
-            </a:pPr>
-            <a:r>
-              <a:rPr lang="en-US" sz="2800" b="0" strike="noStrike" spc="-1">
-                <a:solidFill>
-                  <a:srgbClr val="000000"/>
-                </a:solidFill>
-                <a:latin typeface="Arial"/>
-                <a:ea typeface="DejaVu Sans"/>
-              </a:rPr>
-              <a:t>Why we chose it ?</a:t>
-            </a:r>
-            <a:endParaRPr lang="en-US" sz="2800" b="0" strike="noStrike" spc="-1">
-              <a:latin typeface="Arial"/>
-            </a:endParaRPr>
-          </a:p>
-          <a:p>
-            <a:pPr>
-              <a:lnSpc>
-                <a:spcPct val="90000"/>
-              </a:lnSpc>
-              <a:spcBef>
-                <a:spcPts val="1001"/>
-              </a:spcBef>
-            </a:pPr>
-            <a:endParaRPr lang="en-US" sz="2800" b="0" strike="noStrike" spc="-1">
-              <a:latin typeface="Arial"/>
-            </a:endParaRPr>
-          </a:p>
-          <a:p>
-            <a:pPr marL="571680" indent="-570600">
-              <a:lnSpc>
-                <a:spcPct val="90000"/>
-              </a:lnSpc>
-              <a:spcBef>
-                <a:spcPts val="1001"/>
-              </a:spcBef>
-              <a:buClr>
-                <a:srgbClr val="000000"/>
-              </a:buClr>
-              <a:buFont typeface="Arial"/>
-              <a:buChar char="•"/>
-            </a:pPr>
-            <a:r>
-              <a:rPr lang="en-US" sz="2800" b="0" strike="noStrike" spc="-1">
-                <a:solidFill>
-                  <a:srgbClr val="000000"/>
-                </a:solidFill>
-                <a:latin typeface="Arial"/>
-                <a:ea typeface="DejaVu Sans"/>
-              </a:rPr>
-              <a:t>How it works ?</a:t>
-            </a:r>
-            <a:endParaRPr lang="en-US" sz="2800" b="0" strike="noStrike" spc="-1">
+            <a:endParaRPr lang="en-US" sz="3600" b="0" strike="noStrike" spc="-1">
               <a:latin typeface="Arial"/>
             </a:endParaRPr>
           </a:p>
@@ -15824,14 +15966,14 @@
       </p:grpSpPr>
       <p:sp>
         <p:nvSpPr>
-          <p:cNvPr id="378" name="CustomShape 1"/>
+          <p:cNvPr id="373" name="CustomShape 1"/>
           <p:cNvSpPr/>
           <p:nvPr/>
         </p:nvSpPr>
         <p:spPr>
           <a:xfrm>
-            <a:off x="2377440" y="274320"/>
-            <a:ext cx="4699440" cy="758520"/>
+            <a:off x="457200" y="273600"/>
+            <a:ext cx="8228520" cy="1144080"/>
           </a:xfrm>
           <a:prstGeom prst="rect">
             <a:avLst/>
@@ -15854,12 +15996,12 @@
           <a:fontRef idx="minor"/>
         </p:style>
         <p:txBody>
-          <a:bodyPr lIns="90000" tIns="45000" rIns="90000" bIns="45000"/>
+          <a:bodyPr lIns="0" tIns="0" rIns="0" bIns="0" anchor="ctr"/>
           <a:lstStyle/>
           <a:p>
             <a:pPr>
               <a:lnSpc>
-                <a:spcPct val="100000"/>
+                <a:spcPct val="90000"/>
               </a:lnSpc>
             </a:pPr>
             <a:r>
@@ -15870,7 +16012,7 @@
                 <a:latin typeface="Arial"/>
                 <a:ea typeface="DejaVu Sans"/>
               </a:rPr>
-              <a:t>Business Model </a:t>
+              <a:t>Appendix</a:t>
             </a:r>
             <a:endParaRPr lang="en-US" sz="4400" b="0" strike="noStrike" spc="-1">
               <a:latin typeface="Arial"/>
@@ -15878,62 +16020,16 @@
           </a:p>
         </p:txBody>
       </p:sp>
-      <p:pic>
-        <p:nvPicPr>
-          <p:cNvPr id="379" name="Picture 282"/>
-          <p:cNvPicPr/>
-          <p:nvPr/>
-        </p:nvPicPr>
-        <p:blipFill>
-          <a:blip r:embed="rId2"/>
-          <a:stretch/>
-        </p:blipFill>
-        <p:spPr>
-          <a:xfrm>
-            <a:off x="385200" y="1286280"/>
-            <a:ext cx="8351640" cy="5562360"/>
-          </a:xfrm>
-          <a:prstGeom prst="rect">
-            <a:avLst/>
-          </a:prstGeom>
-          <a:ln>
-            <a:noFill/>
-          </a:ln>
-        </p:spPr>
-      </p:pic>
-      <p:pic>
-        <p:nvPicPr>
-          <p:cNvPr id="380" name="Picture 170"/>
-          <p:cNvPicPr/>
-          <p:nvPr/>
-        </p:nvPicPr>
-        <p:blipFill>
-          <a:blip r:embed="rId3"/>
-          <a:stretch/>
-        </p:blipFill>
-        <p:spPr>
-          <a:xfrm>
-            <a:off x="7760880" y="92160"/>
-            <a:ext cx="1381680" cy="1095840"/>
-          </a:xfrm>
-          <a:prstGeom prst="rect">
-            <a:avLst/>
-          </a:prstGeom>
-          <a:ln>
-            <a:noFill/>
-          </a:ln>
-        </p:spPr>
-      </p:pic>
-      <p:sp>
-        <p:nvSpPr>
-          <p:cNvPr id="381" name="CustomShape 2"/>
+      <p:sp>
+        <p:nvSpPr>
+          <p:cNvPr id="374" name="CustomShape 2"/>
           <p:cNvSpPr/>
           <p:nvPr/>
         </p:nvSpPr>
         <p:spPr>
           <a:xfrm>
-            <a:off x="4404600" y="6035040"/>
-            <a:ext cx="3275640" cy="363960"/>
+            <a:off x="457200" y="1604520"/>
+            <a:ext cx="8228520" cy="3976560"/>
           </a:xfrm>
           <a:prstGeom prst="rect">
             <a:avLst/>
@@ -15955,30 +16051,6 @@
           </a:effectRef>
           <a:fontRef idx="minor"/>
         </p:style>
-        <p:txBody>
-          <a:bodyPr lIns="90000" tIns="45000" rIns="90000" bIns="45000"/>
-          <a:lstStyle/>
-          <a:p>
-            <a:pPr>
-              <a:lnSpc>
-                <a:spcPct val="100000"/>
-              </a:lnSpc>
-            </a:pPr>
-            <a:r>
-              <a:rPr lang="en-US" sz="1800" b="0" strike="noStrike" spc="-1">
-                <a:solidFill>
-                  <a:srgbClr val="000000"/>
-                </a:solidFill>
-                <a:latin typeface="Arial"/>
-                <a:ea typeface="DejaVu Sans"/>
-              </a:rPr>
-              <a:t>Self Learning</a:t>
-            </a:r>
-            <a:endParaRPr lang="en-US" sz="1800" b="0" strike="noStrike" spc="-1">
-              <a:latin typeface="Arial"/>
-            </a:endParaRPr>
-          </a:p>
-        </p:txBody>
       </p:sp>
     </p:spTree>
   </p:cSld>
@@ -16034,14 +16106,14 @@
       </p:grpSpPr>
       <p:sp>
         <p:nvSpPr>
-          <p:cNvPr id="382" name="CustomShape 1"/>
+          <p:cNvPr id="375" name="CustomShape 1"/>
           <p:cNvSpPr/>
           <p:nvPr/>
         </p:nvSpPr>
         <p:spPr>
           <a:xfrm>
-            <a:off x="2834640" y="-92160"/>
-            <a:ext cx="3578760" cy="758520"/>
+            <a:off x="685800" y="304920"/>
+            <a:ext cx="7769880" cy="1467360"/>
           </a:xfrm>
           <a:prstGeom prst="rect">
             <a:avLst/>
@@ -16064,10 +16136,10 @@
           <a:fontRef idx="minor"/>
         </p:style>
         <p:txBody>
-          <a:bodyPr lIns="90000" tIns="45000" rIns="90000" bIns="45000"/>
-          <a:lstStyle/>
-          <a:p>
-            <a:pPr>
+          <a:bodyPr lIns="90000" tIns="45000" rIns="90000" bIns="45000" anchor="ctr"/>
+          <a:lstStyle/>
+          <a:p>
+            <a:pPr algn="ctr">
               <a:lnSpc>
                 <a:spcPct val="100000"/>
               </a:lnSpc>
@@ -16080,17 +16152,37 @@
                 <a:latin typeface="Calibri"/>
                 <a:ea typeface="DejaVu Sans"/>
               </a:rPr>
-              <a:t>Class Diagram</a:t>
+              <a:t>Most Important Algorithm</a:t>
             </a:r>
             <a:endParaRPr lang="en-US" sz="4400" b="0" strike="noStrike" spc="-1">
               <a:latin typeface="Arial"/>
             </a:endParaRPr>
           </a:p>
+          <a:p>
+            <a:pPr algn="ctr">
+              <a:lnSpc>
+                <a:spcPct val="100000"/>
+              </a:lnSpc>
+            </a:pPr>
+            <a:r>
+              <a:rPr lang="en-US" sz="4400" b="0" strike="noStrike" spc="-1">
+                <a:solidFill>
+                  <a:srgbClr val="000000"/>
+                </a:solidFill>
+                <a:latin typeface="Calibri"/>
+                <a:ea typeface="DejaVu Sans"/>
+              </a:rPr>
+              <a:t>Sentiment Analysis</a:t>
+            </a:r>
+            <a:endParaRPr lang="en-US" sz="4400" b="0" strike="noStrike" spc="-1">
+              <a:latin typeface="Arial"/>
+            </a:endParaRPr>
+          </a:p>
         </p:txBody>
       </p:sp>
       <p:pic>
         <p:nvPicPr>
-          <p:cNvPr id="383" name="Picture 2"/>
+          <p:cNvPr id="376" name="Picture 170"/>
           <p:cNvPicPr/>
           <p:nvPr/>
         </p:nvPicPr>
@@ -16100,8 +16192,8 @@
         </p:blipFill>
         <p:spPr>
           <a:xfrm>
-            <a:off x="0" y="603000"/>
-            <a:ext cx="9142920" cy="6253920"/>
+            <a:off x="7760880" y="92160"/>
+            <a:ext cx="1381680" cy="1095840"/>
           </a:xfrm>
           <a:prstGeom prst="rect">
             <a:avLst/>
@@ -16111,6 +16203,152 @@
           </a:ln>
         </p:spPr>
       </p:pic>
+      <p:sp>
+        <p:nvSpPr>
+          <p:cNvPr id="377" name="CustomShape 2"/>
+          <p:cNvSpPr/>
+          <p:nvPr/>
+        </p:nvSpPr>
+        <p:spPr>
+          <a:xfrm>
+            <a:off x="456840" y="3238560"/>
+            <a:ext cx="8228160" cy="1143720"/>
+          </a:xfrm>
+          <a:prstGeom prst="rect">
+            <a:avLst/>
+          </a:prstGeom>
+          <a:noFill/>
+          <a:ln>
+            <a:noFill/>
+          </a:ln>
+        </p:spPr>
+        <p:style>
+          <a:lnRef idx="0">
+            <a:scrgbClr r="0" g="0" b="0"/>
+          </a:lnRef>
+          <a:fillRef idx="0">
+            <a:scrgbClr r="0" g="0" b="0"/>
+          </a:fillRef>
+          <a:effectRef idx="0">
+            <a:scrgbClr r="0" g="0" b="0"/>
+          </a:effectRef>
+          <a:fontRef idx="minor"/>
+        </p:style>
+        <p:txBody>
+          <a:bodyPr lIns="0" tIns="0" rIns="0" bIns="0" anchor="ctr"/>
+          <a:lstStyle/>
+          <a:p>
+            <a:pPr marL="571680" indent="-570600">
+              <a:lnSpc>
+                <a:spcPct val="90000"/>
+              </a:lnSpc>
+              <a:spcBef>
+                <a:spcPts val="1001"/>
+              </a:spcBef>
+              <a:buClr>
+                <a:srgbClr val="000000"/>
+              </a:buClr>
+              <a:buFont typeface="Arial"/>
+              <a:buChar char="•"/>
+            </a:pPr>
+            <a:r>
+              <a:rPr lang="en-US" sz="2800" b="0" strike="noStrike" spc="-1">
+                <a:solidFill>
+                  <a:srgbClr val="000000"/>
+                </a:solidFill>
+                <a:latin typeface="Arial"/>
+                <a:ea typeface="DejaVu Sans"/>
+              </a:rPr>
+              <a:t>What is Sentiment Analysis ?</a:t>
+            </a:r>
+            <a:endParaRPr lang="en-US" sz="2800" b="0" strike="noStrike" spc="-1">
+              <a:latin typeface="Arial"/>
+            </a:endParaRPr>
+          </a:p>
+          <a:p>
+            <a:pPr>
+              <a:lnSpc>
+                <a:spcPct val="90000"/>
+              </a:lnSpc>
+              <a:spcBef>
+                <a:spcPts val="1001"/>
+              </a:spcBef>
+            </a:pPr>
+            <a:endParaRPr lang="en-US" sz="2800" b="0" strike="noStrike" spc="-1">
+              <a:latin typeface="Arial"/>
+            </a:endParaRPr>
+          </a:p>
+          <a:p>
+            <a:pPr marL="571680" indent="-570600">
+              <a:lnSpc>
+                <a:spcPct val="90000"/>
+              </a:lnSpc>
+              <a:spcBef>
+                <a:spcPts val="1001"/>
+              </a:spcBef>
+              <a:buClr>
+                <a:srgbClr val="000000"/>
+              </a:buClr>
+              <a:buFont typeface="Arial"/>
+              <a:buChar char="•"/>
+            </a:pPr>
+            <a:r>
+              <a:rPr lang="en-US" sz="2800" b="0" strike="noStrike" spc="-1">
+                <a:solidFill>
+                  <a:srgbClr val="000000"/>
+                </a:solidFill>
+                <a:latin typeface="Arial"/>
+                <a:ea typeface="DejaVu Sans"/>
+              </a:rPr>
+              <a:t>Why we chose it ?</a:t>
+            </a:r>
+            <a:endParaRPr lang="en-US" sz="2800" b="0" strike="noStrike" spc="-1">
+              <a:latin typeface="Arial"/>
+            </a:endParaRPr>
+          </a:p>
+          <a:p>
+            <a:pPr>
+              <a:lnSpc>
+                <a:spcPct val="90000"/>
+              </a:lnSpc>
+              <a:spcBef>
+                <a:spcPts val="1001"/>
+              </a:spcBef>
+            </a:pPr>
+            <a:endParaRPr lang="en-US" sz="2800" b="0" strike="noStrike" spc="-1">
+              <a:latin typeface="Arial"/>
+            </a:endParaRPr>
+          </a:p>
+          <a:p>
+            <a:pPr marL="571680" indent="-570600">
+              <a:lnSpc>
+                <a:spcPct val="90000"/>
+              </a:lnSpc>
+              <a:spcBef>
+                <a:spcPts val="1001"/>
+              </a:spcBef>
+              <a:buClr>
+                <a:srgbClr val="000000"/>
+              </a:buClr>
+              <a:buFont typeface="Arial"/>
+              <a:buChar char="•"/>
+            </a:pPr>
+            <a:r>
+              <a:rPr lang="en-US" sz="2800" b="0" strike="noStrike" spc="-1">
+                <a:solidFill>
+                  <a:srgbClr val="000000"/>
+                </a:solidFill>
+                <a:latin typeface="Arial"/>
+                <a:ea typeface="DejaVu Sans"/>
+              </a:rPr>
+              <a:t>How it works ?</a:t>
+            </a:r>
+            <a:endParaRPr lang="en-US" sz="2800" b="0" strike="noStrike" spc="-1">
+              <a:latin typeface="Arial"/>
+            </a:endParaRPr>
+          </a:p>
+        </p:txBody>
+      </p:sp>
     </p:spTree>
   </p:cSld>
   <p:clrMapOvr>
@@ -16168,7 +16406,7 @@
           <p:cNvPr id="2" name="Picture 2" descr="A screenshot of a computer&#10;&#10;Description generated with high confidence">
             <a:extLst>
               <a:ext uri="{FF2B5EF4-FFF2-40B4-BE49-F238E27FC236}">
-                <a16:creationId xmlns:a16="http://schemas.microsoft.com/office/drawing/2014/main" xmlns="" id="{637B6AE3-AAEA-4344-9554-15FD907EDA8F}"/>
+                <a16:creationId xmlns="" xmlns:a16="http://schemas.microsoft.com/office/drawing/2014/main" id="{637B6AE3-AAEA-4344-9554-15FD907EDA8F}"/>
               </a:ext>
             </a:extLst>
           </p:cNvPr>
@@ -16198,7 +16436,7 @@
           <p:cNvPr id="4" name="Picture 4" descr="A group of people standing in a room&#10;&#10;Description generated with very high confidence">
             <a:extLst>
               <a:ext uri="{FF2B5EF4-FFF2-40B4-BE49-F238E27FC236}">
-                <a16:creationId xmlns:a16="http://schemas.microsoft.com/office/drawing/2014/main" xmlns="" id="{D9851AB0-6876-418B-BB36-714D9747CD14}"/>
+                <a16:creationId xmlns="" xmlns:a16="http://schemas.microsoft.com/office/drawing/2014/main" id="{D9851AB0-6876-418B-BB36-714D9747CD14}"/>
               </a:ext>
             </a:extLst>
           </p:cNvPr>
@@ -16228,7 +16466,7 @@
           <p:cNvPr id="6" name="Arrow: Right 5">
             <a:extLst>
               <a:ext uri="{FF2B5EF4-FFF2-40B4-BE49-F238E27FC236}">
-                <a16:creationId xmlns:a16="http://schemas.microsoft.com/office/drawing/2014/main" xmlns="" id="{DFA939A4-4314-47FA-9627-45CAAD25445A}"/>
+                <a16:creationId xmlns="" xmlns:a16="http://schemas.microsoft.com/office/drawing/2014/main" id="{DFA939A4-4314-47FA-9627-45CAAD25445A}"/>
               </a:ext>
             </a:extLst>
           </p:cNvPr>
@@ -16273,7 +16511,7 @@
           <p:cNvPr id="7" name="TextBox 6">
             <a:extLst>
               <a:ext uri="{FF2B5EF4-FFF2-40B4-BE49-F238E27FC236}">
-                <a16:creationId xmlns:a16="http://schemas.microsoft.com/office/drawing/2014/main" xmlns="" id="{A3C87CBC-63E6-44A5-82C5-747DE9DA6FD8}"/>
+                <a16:creationId xmlns="" xmlns:a16="http://schemas.microsoft.com/office/drawing/2014/main" id="{A3C87CBC-63E6-44A5-82C5-747DE9DA6FD8}"/>
               </a:ext>
             </a:extLst>
           </p:cNvPr>
@@ -16338,7 +16576,7 @@
           <p:cNvPr id="8" name="TextBox 7">
             <a:extLst>
               <a:ext uri="{FF2B5EF4-FFF2-40B4-BE49-F238E27FC236}">
-                <a16:creationId xmlns:a16="http://schemas.microsoft.com/office/drawing/2014/main" xmlns="" id="{D42BB7B7-CFFD-4BE0-AE54-95CC17AA9876}"/>
+                <a16:creationId xmlns="" xmlns:a16="http://schemas.microsoft.com/office/drawing/2014/main" id="{D42BB7B7-CFFD-4BE0-AE54-95CC17AA9876}"/>
               </a:ext>
             </a:extLst>
           </p:cNvPr>
@@ -16379,7 +16617,7 @@
           <p:cNvPr id="10" name="TextBox 9">
             <a:extLst>
               <a:ext uri="{FF2B5EF4-FFF2-40B4-BE49-F238E27FC236}">
-                <a16:creationId xmlns:a16="http://schemas.microsoft.com/office/drawing/2014/main" xmlns="" id="{2D62FED7-CAAD-4632-B96D-81631378427F}"/>
+                <a16:creationId xmlns="" xmlns:a16="http://schemas.microsoft.com/office/drawing/2014/main" id="{2D62FED7-CAAD-4632-B96D-81631378427F}"/>
               </a:ext>
             </a:extLst>
           </p:cNvPr>
@@ -16420,7 +16658,7 @@
           <p:cNvPr id="11" name="TextBox 10">
             <a:extLst>
               <a:ext uri="{FF2B5EF4-FFF2-40B4-BE49-F238E27FC236}">
-                <a16:creationId xmlns:a16="http://schemas.microsoft.com/office/drawing/2014/main" xmlns="" id="{33569058-BD4C-4955-BC32-0A55506A8DCE}"/>
+                <a16:creationId xmlns="" xmlns:a16="http://schemas.microsoft.com/office/drawing/2014/main" id="{33569058-BD4C-4955-BC32-0A55506A8DCE}"/>
               </a:ext>
             </a:extLst>
           </p:cNvPr>
@@ -16461,7 +16699,7 @@
           <p:cNvPr id="12" name="TextBox 11">
             <a:extLst>
               <a:ext uri="{FF2B5EF4-FFF2-40B4-BE49-F238E27FC236}">
-                <a16:creationId xmlns:a16="http://schemas.microsoft.com/office/drawing/2014/main" xmlns="" id="{60AF91FB-AF96-4E95-AB9F-EAFD2DEE101F}"/>
+                <a16:creationId xmlns="" xmlns:a16="http://schemas.microsoft.com/office/drawing/2014/main" id="{60AF91FB-AF96-4E95-AB9F-EAFD2DEE101F}"/>
               </a:ext>
             </a:extLst>
           </p:cNvPr>
@@ -16501,7 +16739,7 @@
           <p:cNvPr id="13" name="TextBox 12">
             <a:extLst>
               <a:ext uri="{FF2B5EF4-FFF2-40B4-BE49-F238E27FC236}">
-                <a16:creationId xmlns:a16="http://schemas.microsoft.com/office/drawing/2014/main" xmlns="" id="{176BDA53-93C3-4B3A-897E-F2C5642AE7DB}"/>
+                <a16:creationId xmlns="" xmlns:a16="http://schemas.microsoft.com/office/drawing/2014/main" id="{176BDA53-93C3-4B3A-897E-F2C5642AE7DB}"/>
               </a:ext>
             </a:extLst>
           </p:cNvPr>
@@ -16550,6 +16788,547 @@
 </file>
 
 <file path=ppt/slides/slide20.xml><?xml version="1.0" encoding="utf-8"?>
+<p:sld xmlns:a="http://schemas.openxmlformats.org/drawingml/2006/main" xmlns:r="http://schemas.openxmlformats.org/officeDocument/2006/relationships" xmlns:p="http://schemas.openxmlformats.org/presentationml/2006/main">
+  <p:cSld>
+    <p:spTree>
+      <p:nvGrpSpPr>
+        <p:cNvPr id="1" name=""/>
+        <p:cNvGrpSpPr/>
+        <p:nvPr/>
+      </p:nvGrpSpPr>
+      <p:grpSpPr>
+        <a:xfrm>
+          <a:off x="0" y="0"/>
+          <a:ext cx="0" cy="0"/>
+          <a:chOff x="0" y="0"/>
+          <a:chExt cx="0" cy="0"/>
+        </a:xfrm>
+      </p:grpSpPr>
+      <p:sp>
+        <p:nvSpPr>
+          <p:cNvPr id="378" name="CustomShape 1"/>
+          <p:cNvSpPr/>
+          <p:nvPr/>
+        </p:nvSpPr>
+        <p:spPr>
+          <a:xfrm>
+            <a:off x="2377440" y="274320"/>
+            <a:ext cx="4699440" cy="758520"/>
+          </a:xfrm>
+          <a:prstGeom prst="rect">
+            <a:avLst/>
+          </a:prstGeom>
+          <a:noFill/>
+          <a:ln>
+            <a:noFill/>
+          </a:ln>
+        </p:spPr>
+        <p:style>
+          <a:lnRef idx="0">
+            <a:scrgbClr r="0" g="0" b="0"/>
+          </a:lnRef>
+          <a:fillRef idx="0">
+            <a:scrgbClr r="0" g="0" b="0"/>
+          </a:fillRef>
+          <a:effectRef idx="0">
+            <a:scrgbClr r="0" g="0" b="0"/>
+          </a:effectRef>
+          <a:fontRef idx="minor"/>
+        </p:style>
+        <p:txBody>
+          <a:bodyPr lIns="90000" tIns="45000" rIns="90000" bIns="45000"/>
+          <a:lstStyle/>
+          <a:p>
+            <a:pPr>
+              <a:lnSpc>
+                <a:spcPct val="100000"/>
+              </a:lnSpc>
+            </a:pPr>
+            <a:r>
+              <a:rPr lang="en-US" sz="4400" b="0" strike="noStrike" spc="-1">
+                <a:solidFill>
+                  <a:srgbClr val="000000"/>
+                </a:solidFill>
+                <a:latin typeface="Arial"/>
+                <a:ea typeface="DejaVu Sans"/>
+              </a:rPr>
+              <a:t>Business Model </a:t>
+            </a:r>
+            <a:endParaRPr lang="en-US" sz="4400" b="0" strike="noStrike" spc="-1">
+              <a:latin typeface="Arial"/>
+            </a:endParaRPr>
+          </a:p>
+        </p:txBody>
+      </p:sp>
+      <p:pic>
+        <p:nvPicPr>
+          <p:cNvPr id="379" name="Picture 282"/>
+          <p:cNvPicPr/>
+          <p:nvPr/>
+        </p:nvPicPr>
+        <p:blipFill>
+          <a:blip r:embed="rId2"/>
+          <a:stretch/>
+        </p:blipFill>
+        <p:spPr>
+          <a:xfrm>
+            <a:off x="385200" y="1286280"/>
+            <a:ext cx="8351640" cy="5562360"/>
+          </a:xfrm>
+          <a:prstGeom prst="rect">
+            <a:avLst/>
+          </a:prstGeom>
+          <a:ln>
+            <a:noFill/>
+          </a:ln>
+        </p:spPr>
+      </p:pic>
+      <p:pic>
+        <p:nvPicPr>
+          <p:cNvPr id="380" name="Picture 170"/>
+          <p:cNvPicPr/>
+          <p:nvPr/>
+        </p:nvPicPr>
+        <p:blipFill>
+          <a:blip r:embed="rId3"/>
+          <a:stretch/>
+        </p:blipFill>
+        <p:spPr>
+          <a:xfrm>
+            <a:off x="7760880" y="92160"/>
+            <a:ext cx="1381680" cy="1095840"/>
+          </a:xfrm>
+          <a:prstGeom prst="rect">
+            <a:avLst/>
+          </a:prstGeom>
+          <a:ln>
+            <a:noFill/>
+          </a:ln>
+        </p:spPr>
+      </p:pic>
+      <p:sp>
+        <p:nvSpPr>
+          <p:cNvPr id="381" name="CustomShape 2"/>
+          <p:cNvSpPr/>
+          <p:nvPr/>
+        </p:nvSpPr>
+        <p:spPr>
+          <a:xfrm>
+            <a:off x="4404600" y="6035040"/>
+            <a:ext cx="3275640" cy="363960"/>
+          </a:xfrm>
+          <a:prstGeom prst="rect">
+            <a:avLst/>
+          </a:prstGeom>
+          <a:noFill/>
+          <a:ln>
+            <a:noFill/>
+          </a:ln>
+        </p:spPr>
+        <p:style>
+          <a:lnRef idx="0">
+            <a:scrgbClr r="0" g="0" b="0"/>
+          </a:lnRef>
+          <a:fillRef idx="0">
+            <a:scrgbClr r="0" g="0" b="0"/>
+          </a:fillRef>
+          <a:effectRef idx="0">
+            <a:scrgbClr r="0" g="0" b="0"/>
+          </a:effectRef>
+          <a:fontRef idx="minor"/>
+        </p:style>
+        <p:txBody>
+          <a:bodyPr lIns="90000" tIns="45000" rIns="90000" bIns="45000"/>
+          <a:lstStyle/>
+          <a:p>
+            <a:pPr>
+              <a:lnSpc>
+                <a:spcPct val="100000"/>
+              </a:lnSpc>
+            </a:pPr>
+            <a:r>
+              <a:rPr lang="en-US" sz="1800" b="0" strike="noStrike" spc="-1">
+                <a:solidFill>
+                  <a:srgbClr val="000000"/>
+                </a:solidFill>
+                <a:latin typeface="Arial"/>
+                <a:ea typeface="DejaVu Sans"/>
+              </a:rPr>
+              <a:t>Self Learning</a:t>
+            </a:r>
+            <a:endParaRPr lang="en-US" sz="1800" b="0" strike="noStrike" spc="-1">
+              <a:latin typeface="Arial"/>
+            </a:endParaRPr>
+          </a:p>
+        </p:txBody>
+      </p:sp>
+    </p:spTree>
+  </p:cSld>
+  <p:clrMapOvr>
+    <a:masterClrMapping/>
+  </p:clrMapOvr>
+  <p:timing>
+    <p:tnLst>
+      <p:par>
+        <p:cTn id="1" dur="indefinite" restart="never" nodeType="tmRoot">
+          <p:childTnLst>
+            <p:seq>
+              <p:cTn id="2" dur="indefinite" nodeType="mainSeq"/>
+              <p:prevCondLst>
+                <p:cond evt="onPrev" delay="0">
+                  <p:tgtEl>
+                    <p:sldTgt/>
+                  </p:tgtEl>
+                </p:cond>
+              </p:prevCondLst>
+              <p:nextCondLst>
+                <p:cond evt="onNext" delay="0">
+                  <p:tgtEl>
+                    <p:sldTgt/>
+                  </p:tgtEl>
+                </p:cond>
+              </p:nextCondLst>
+            </p:seq>
+          </p:childTnLst>
+        </p:cTn>
+      </p:par>
+    </p:tnLst>
+  </p:timing>
+</p:sld>
+</file>
+
+<file path=ppt/slides/slide21.xml><?xml version="1.0" encoding="utf-8"?>
+<p:sld xmlns:a="http://schemas.openxmlformats.org/drawingml/2006/main" xmlns:r="http://schemas.openxmlformats.org/officeDocument/2006/relationships" xmlns:p="http://schemas.openxmlformats.org/presentationml/2006/main">
+  <p:cSld>
+    <p:spTree>
+      <p:nvGrpSpPr>
+        <p:cNvPr id="1" name=""/>
+        <p:cNvGrpSpPr/>
+        <p:nvPr/>
+      </p:nvGrpSpPr>
+      <p:grpSpPr>
+        <a:xfrm>
+          <a:off x="0" y="0"/>
+          <a:ext cx="0" cy="0"/>
+          <a:chOff x="0" y="0"/>
+          <a:chExt cx="0" cy="0"/>
+        </a:xfrm>
+      </p:grpSpPr>
+      <p:sp>
+        <p:nvSpPr>
+          <p:cNvPr id="382" name="CustomShape 1"/>
+          <p:cNvSpPr/>
+          <p:nvPr/>
+        </p:nvSpPr>
+        <p:spPr>
+          <a:xfrm>
+            <a:off x="2834640" y="-92160"/>
+            <a:ext cx="3578760" cy="758520"/>
+          </a:xfrm>
+          <a:prstGeom prst="rect">
+            <a:avLst/>
+          </a:prstGeom>
+          <a:noFill/>
+          <a:ln>
+            <a:noFill/>
+          </a:ln>
+        </p:spPr>
+        <p:style>
+          <a:lnRef idx="0">
+            <a:scrgbClr r="0" g="0" b="0"/>
+          </a:lnRef>
+          <a:fillRef idx="0">
+            <a:scrgbClr r="0" g="0" b="0"/>
+          </a:fillRef>
+          <a:effectRef idx="0">
+            <a:scrgbClr r="0" g="0" b="0"/>
+          </a:effectRef>
+          <a:fontRef idx="minor"/>
+        </p:style>
+        <p:txBody>
+          <a:bodyPr lIns="90000" tIns="45000" rIns="90000" bIns="45000"/>
+          <a:lstStyle/>
+          <a:p>
+            <a:pPr>
+              <a:lnSpc>
+                <a:spcPct val="100000"/>
+              </a:lnSpc>
+            </a:pPr>
+            <a:r>
+              <a:rPr lang="en-US" sz="4400" b="0" strike="noStrike" spc="-1">
+                <a:solidFill>
+                  <a:srgbClr val="000000"/>
+                </a:solidFill>
+                <a:latin typeface="Calibri"/>
+                <a:ea typeface="DejaVu Sans"/>
+              </a:rPr>
+              <a:t>Class Diagram</a:t>
+            </a:r>
+            <a:endParaRPr lang="en-US" sz="4400" b="0" strike="noStrike" spc="-1">
+              <a:latin typeface="Arial"/>
+            </a:endParaRPr>
+          </a:p>
+        </p:txBody>
+      </p:sp>
+      <p:pic>
+        <p:nvPicPr>
+          <p:cNvPr id="383" name="Picture 2"/>
+          <p:cNvPicPr/>
+          <p:nvPr/>
+        </p:nvPicPr>
+        <p:blipFill>
+          <a:blip r:embed="rId2"/>
+          <a:stretch/>
+        </p:blipFill>
+        <p:spPr>
+          <a:xfrm>
+            <a:off x="0" y="603000"/>
+            <a:ext cx="9142920" cy="6253920"/>
+          </a:xfrm>
+          <a:prstGeom prst="rect">
+            <a:avLst/>
+          </a:prstGeom>
+          <a:ln>
+            <a:noFill/>
+          </a:ln>
+        </p:spPr>
+      </p:pic>
+    </p:spTree>
+  </p:cSld>
+  <p:clrMapOvr>
+    <a:masterClrMapping/>
+  </p:clrMapOvr>
+  <p:timing>
+    <p:tnLst>
+      <p:par>
+        <p:cTn id="1" dur="indefinite" restart="never" nodeType="tmRoot">
+          <p:childTnLst>
+            <p:seq>
+              <p:cTn id="2" dur="indefinite" nodeType="mainSeq"/>
+              <p:prevCondLst>
+                <p:cond evt="onPrev" delay="0">
+                  <p:tgtEl>
+                    <p:sldTgt/>
+                  </p:tgtEl>
+                </p:cond>
+              </p:prevCondLst>
+              <p:nextCondLst>
+                <p:cond evt="onNext" delay="0">
+                  <p:tgtEl>
+                    <p:sldTgt/>
+                  </p:tgtEl>
+                </p:cond>
+              </p:nextCondLst>
+            </p:seq>
+          </p:childTnLst>
+        </p:cTn>
+      </p:par>
+    </p:tnLst>
+  </p:timing>
+</p:sld>
+</file>
+
+<file path=ppt/slides/slide22.xml><?xml version="1.0" encoding="utf-8"?>
+<p:sld xmlns:a="http://schemas.openxmlformats.org/drawingml/2006/main" xmlns:r="http://schemas.openxmlformats.org/officeDocument/2006/relationships" xmlns:p="http://schemas.openxmlformats.org/presentationml/2006/main">
+  <p:cSld>
+    <p:spTree>
+      <p:nvGrpSpPr>
+        <p:cNvPr id="1" name=""/>
+        <p:cNvGrpSpPr/>
+        <p:nvPr/>
+      </p:nvGrpSpPr>
+      <p:grpSpPr>
+        <a:xfrm>
+          <a:off x="0" y="0"/>
+          <a:ext cx="0" cy="0"/>
+          <a:chOff x="0" y="0"/>
+          <a:chExt cx="0" cy="0"/>
+        </a:xfrm>
+      </p:grpSpPr>
+      <p:sp>
+        <p:nvSpPr>
+          <p:cNvPr id="364" name="CustomShape 1"/>
+          <p:cNvSpPr/>
+          <p:nvPr/>
+        </p:nvSpPr>
+        <p:spPr>
+          <a:xfrm>
+            <a:off x="457200" y="273600"/>
+            <a:ext cx="8228520" cy="1144080"/>
+          </a:xfrm>
+          <a:prstGeom prst="rect">
+            <a:avLst/>
+          </a:prstGeom>
+          <a:noFill/>
+          <a:ln>
+            <a:noFill/>
+          </a:ln>
+        </p:spPr>
+        <p:style>
+          <a:lnRef idx="0">
+            <a:scrgbClr r="0" g="0" b="0"/>
+          </a:lnRef>
+          <a:fillRef idx="0">
+            <a:scrgbClr r="0" g="0" b="0"/>
+          </a:fillRef>
+          <a:effectRef idx="0">
+            <a:scrgbClr r="0" g="0" b="0"/>
+          </a:effectRef>
+          <a:fontRef idx="minor"/>
+        </p:style>
+        <p:txBody>
+          <a:bodyPr lIns="0" tIns="0" rIns="0" bIns="0" anchor="ctr"/>
+          <a:lstStyle/>
+          <a:p>
+            <a:pPr>
+              <a:lnSpc>
+                <a:spcPct val="90000"/>
+              </a:lnSpc>
+            </a:pPr>
+            <a:r>
+              <a:rPr lang="en-US" sz="4400" b="0" strike="noStrike" spc="-1">
+                <a:solidFill>
+                  <a:srgbClr val="1F497D"/>
+                </a:solidFill>
+                <a:latin typeface="Arial"/>
+                <a:ea typeface="DejaVu Sans"/>
+              </a:rPr>
+              <a:t>System Overview</a:t>
+            </a:r>
+            <a:endParaRPr lang="en-US" sz="4400" b="0" strike="noStrike" spc="-1">
+              <a:latin typeface="Arial"/>
+            </a:endParaRPr>
+          </a:p>
+        </p:txBody>
+      </p:sp>
+      <p:pic>
+        <p:nvPicPr>
+          <p:cNvPr id="365" name="Picture 3"/>
+          <p:cNvPicPr/>
+          <p:nvPr/>
+        </p:nvPicPr>
+        <p:blipFill>
+          <a:blip r:embed="rId2"/>
+          <a:stretch/>
+        </p:blipFill>
+        <p:spPr>
+          <a:xfrm>
+            <a:off x="0" y="1593360"/>
+            <a:ext cx="9143280" cy="4422600"/>
+          </a:xfrm>
+          <a:prstGeom prst="rect">
+            <a:avLst/>
+          </a:prstGeom>
+          <a:ln>
+            <a:noFill/>
+          </a:ln>
+        </p:spPr>
+      </p:pic>
+      <p:pic>
+        <p:nvPicPr>
+          <p:cNvPr id="366" name="Picture 4"/>
+          <p:cNvPicPr/>
+          <p:nvPr/>
+        </p:nvPicPr>
+        <p:blipFill>
+          <a:blip r:embed="rId3"/>
+          <a:stretch/>
+        </p:blipFill>
+        <p:spPr>
+          <a:xfrm>
+            <a:off x="7439760" y="3535560"/>
+            <a:ext cx="1245960" cy="537840"/>
+          </a:xfrm>
+          <a:prstGeom prst="rect">
+            <a:avLst/>
+          </a:prstGeom>
+          <a:ln>
+            <a:noFill/>
+          </a:ln>
+        </p:spPr>
+      </p:pic>
+      <p:pic>
+        <p:nvPicPr>
+          <p:cNvPr id="367" name="Picture 5"/>
+          <p:cNvPicPr/>
+          <p:nvPr/>
+        </p:nvPicPr>
+        <p:blipFill>
+          <a:blip r:embed="rId4"/>
+          <a:stretch/>
+        </p:blipFill>
+        <p:spPr>
+          <a:xfrm>
+            <a:off x="7589880" y="1953360"/>
+            <a:ext cx="946080" cy="610200"/>
+          </a:xfrm>
+          <a:prstGeom prst="rect">
+            <a:avLst/>
+          </a:prstGeom>
+          <a:ln>
+            <a:noFill/>
+          </a:ln>
+        </p:spPr>
+      </p:pic>
+      <p:pic>
+        <p:nvPicPr>
+          <p:cNvPr id="368" name="Picture 7"/>
+          <p:cNvPicPr/>
+          <p:nvPr/>
+        </p:nvPicPr>
+        <p:blipFill>
+          <a:blip r:embed="rId5"/>
+          <a:stretch/>
+        </p:blipFill>
+        <p:spPr>
+          <a:xfrm>
+            <a:off x="7439760" y="2781000"/>
+            <a:ext cx="1209240" cy="578880"/>
+          </a:xfrm>
+          <a:prstGeom prst="rect">
+            <a:avLst/>
+          </a:prstGeom>
+          <a:ln>
+            <a:noFill/>
+          </a:ln>
+        </p:spPr>
+      </p:pic>
+    </p:spTree>
+  </p:cSld>
+  <p:clrMapOvr>
+    <a:masterClrMapping/>
+  </p:clrMapOvr>
+  <p:timing>
+    <p:tnLst>
+      <p:par>
+        <p:cTn id="1" dur="indefinite" restart="never" nodeType="tmRoot">
+          <p:childTnLst>
+            <p:seq>
+              <p:cTn id="2" dur="indefinite" nodeType="mainSeq"/>
+              <p:prevCondLst>
+                <p:cond evt="onPrev" delay="0">
+                  <p:tgtEl>
+                    <p:sldTgt/>
+                  </p:tgtEl>
+                </p:cond>
+              </p:prevCondLst>
+              <p:nextCondLst>
+                <p:cond evt="onNext" delay="0">
+                  <p:tgtEl>
+                    <p:sldTgt/>
+                  </p:tgtEl>
+                </p:cond>
+              </p:nextCondLst>
+            </p:seq>
+          </p:childTnLst>
+        </p:cTn>
+      </p:par>
+    </p:tnLst>
+  </p:timing>
+</p:sld>
+</file>
+
+<file path=ppt/slides/slide23.xml><?xml version="1.0" encoding="utf-8"?>
 <p:sld xmlns:a="http://schemas.openxmlformats.org/drawingml/2006/main" xmlns:r="http://schemas.openxmlformats.org/officeDocument/2006/relationships" xmlns:p="http://schemas.openxmlformats.org/presentationml/2006/main">
   <p:cSld>
     <p:spTree>
@@ -17397,7 +18176,7 @@
 </p:sld>
 </file>
 
-<file path=ppt/slides/slide21.xml><?xml version="1.0" encoding="utf-8"?>
+<file path=ppt/slides/slide24.xml><?xml version="1.0" encoding="utf-8"?>
 <p:sld xmlns:a="http://schemas.openxmlformats.org/drawingml/2006/main" xmlns:r="http://schemas.openxmlformats.org/officeDocument/2006/relationships" xmlns:p="http://schemas.openxmlformats.org/presentationml/2006/main">
   <p:cSld>
     <p:spTree>
@@ -17537,7 +18316,7 @@
 </p:sld>
 </file>
 
-<file path=ppt/slides/slide22.xml><?xml version="1.0" encoding="utf-8"?>
+<file path=ppt/slides/slide25.xml><?xml version="1.0" encoding="utf-8"?>
 <p:sld xmlns:a="http://schemas.openxmlformats.org/drawingml/2006/main" xmlns:r="http://schemas.openxmlformats.org/officeDocument/2006/relationships" xmlns:p="http://schemas.openxmlformats.org/presentationml/2006/main">
   <p:cSld>
     <p:spTree>
@@ -17700,7 +18479,7 @@
 </p:sld>
 </file>
 
-<file path=ppt/slides/slide23.xml><?xml version="1.0" encoding="utf-8"?>
+<file path=ppt/slides/slide26.xml><?xml version="1.0" encoding="utf-8"?>
 <p:sld xmlns:a="http://schemas.openxmlformats.org/drawingml/2006/main" xmlns:r="http://schemas.openxmlformats.org/officeDocument/2006/relationships" xmlns:p="http://schemas.openxmlformats.org/presentationml/2006/main">
   <p:cSld>
     <p:spTree>
@@ -18489,7 +19268,7 @@
 </p:sld>
 </file>
 
-<file path=ppt/slides/slide24.xml><?xml version="1.0" encoding="utf-8"?>
+<file path=ppt/slides/slide27.xml><?xml version="1.0" encoding="utf-8"?>
 <p:sld xmlns:a="http://schemas.openxmlformats.org/drawingml/2006/main" xmlns:r="http://schemas.openxmlformats.org/officeDocument/2006/relationships" xmlns:p="http://schemas.openxmlformats.org/presentationml/2006/main">
   <p:cSld>
     <p:spTree>
@@ -18643,7 +19422,7 @@
 </p:sld>
 </file>
 
-<file path=ppt/slides/slide25.xml><?xml version="1.0" encoding="utf-8"?>
+<file path=ppt/slides/slide28.xml><?xml version="1.0" encoding="utf-8"?>
 <p:sld xmlns:a="http://schemas.openxmlformats.org/drawingml/2006/main" xmlns:r="http://schemas.openxmlformats.org/officeDocument/2006/relationships" xmlns:p="http://schemas.openxmlformats.org/presentationml/2006/main">
   <p:cSld>
     <p:spTree>
@@ -18774,7 +19553,7 @@
 </p:sld>
 </file>
 
-<file path=ppt/slides/slide26.xml><?xml version="1.0" encoding="utf-8"?>
+<file path=ppt/slides/slide29.xml><?xml version="1.0" encoding="utf-8"?>
 <p:sld xmlns:a="http://schemas.openxmlformats.org/drawingml/2006/main" xmlns:r="http://schemas.openxmlformats.org/officeDocument/2006/relationships" xmlns:p="http://schemas.openxmlformats.org/presentationml/2006/main">
   <p:cSld>
     <p:spTree>
@@ -18924,270 +19703,86 @@
       </p:grpSpPr>
       <p:sp>
         <p:nvSpPr>
-          <p:cNvPr id="330" name="CustomShape 1"/>
-          <p:cNvSpPr/>
-          <p:nvPr/>
-        </p:nvSpPr>
-        <p:spPr>
-          <a:xfrm>
-            <a:off x="1460160" y="304920"/>
-            <a:ext cx="5840280" cy="759240"/>
-          </a:xfrm>
-          <a:prstGeom prst="rect">
-            <a:avLst/>
-          </a:prstGeom>
-          <a:noFill/>
-          <a:ln>
-            <a:noFill/>
-          </a:ln>
-        </p:spPr>
-        <p:style>
-          <a:lnRef idx="0">
-            <a:scrgbClr r="0" g="0" b="0"/>
-          </a:lnRef>
-          <a:fillRef idx="0">
-            <a:scrgbClr r="0" g="0" b="0"/>
-          </a:fillRef>
-          <a:effectRef idx="0">
-            <a:scrgbClr r="0" g="0" b="0"/>
-          </a:effectRef>
-          <a:fontRef idx="minor"/>
-        </p:style>
-        <p:txBody>
-          <a:bodyPr lIns="90000" tIns="45000" rIns="90000" bIns="45000"/>
-          <a:lstStyle/>
-          <a:p>
-            <a:pPr algn="ctr">
-              <a:lnSpc>
-                <a:spcPct val="100000"/>
-              </a:lnSpc>
-            </a:pPr>
+          <p:cNvPr id="2" name="Title 1"/>
+          <p:cNvSpPr>
+            <a:spLocks noGrp="1"/>
+          </p:cNvSpPr>
+          <p:nvPr>
+            <p:ph type="title"/>
+          </p:nvPr>
+        </p:nvSpPr>
+        <p:spPr/>
+        <p:txBody>
+          <a:bodyPr/>
+          <a:lstStyle/>
+          <a:p>
             <a:r>
-              <a:rPr lang="en-US" sz="4400" b="0" strike="noStrike" spc="-1">
-                <a:solidFill>
-                  <a:srgbClr val="000000"/>
-                </a:solidFill>
-                <a:latin typeface="Calibri"/>
-                <a:ea typeface="DejaVu Sans"/>
-              </a:rPr>
-              <a:t>System Architecture</a:t>
+              <a:rPr lang="en-US" sz="3600" dirty="0" smtClean="0"/>
+              <a:t>System overview</a:t>
             </a:r>
-            <a:endParaRPr lang="en-US" sz="4400" b="0" strike="noStrike" spc="-1">
-              <a:latin typeface="Arial"/>
-            </a:endParaRPr>
+            <a:endParaRPr lang="en-US" sz="3600" dirty="0"/>
+          </a:p>
+        </p:txBody>
+      </p:sp>
+      <p:sp>
+        <p:nvSpPr>
+          <p:cNvPr id="3" name="Subtitle 2"/>
+          <p:cNvSpPr>
+            <a:spLocks noGrp="1"/>
+          </p:cNvSpPr>
+          <p:nvPr>
+            <p:ph type="subTitle"/>
+          </p:nvPr>
+        </p:nvSpPr>
+        <p:spPr/>
+        <p:txBody>
+          <a:bodyPr/>
+          <a:lstStyle/>
+          <a:p>
+            <a:endParaRPr lang="en-US"/>
           </a:p>
         </p:txBody>
       </p:sp>
       <p:pic>
         <p:nvPicPr>
-          <p:cNvPr id="331" name="Picture 170"/>
-          <p:cNvPicPr/>
+          <p:cNvPr id="4" name="Picture 3"/>
+          <p:cNvPicPr>
+            <a:picLocks noChangeAspect="1"/>
+          </p:cNvPicPr>
           <p:nvPr/>
         </p:nvPicPr>
         <p:blipFill>
-          <a:blip r:embed="rId2"/>
-          <a:stretch/>
+          <a:blip r:embed="rId2">
+            <a:extLst>
+              <a:ext uri="{28A0092B-C50C-407E-A947-70E740481C1C}">
+                <a14:useLocalDpi xmlns:a14="http://schemas.microsoft.com/office/drawing/2010/main" val="0"/>
+              </a:ext>
+            </a:extLst>
+          </a:blip>
+          <a:stretch>
+            <a:fillRect/>
+          </a:stretch>
         </p:blipFill>
         <p:spPr>
           <a:xfrm>
-            <a:off x="7760880" y="92160"/>
-            <a:ext cx="1381680" cy="1095840"/>
-          </a:xfrm>
-          <a:prstGeom prst="rect">
-            <a:avLst/>
-          </a:prstGeom>
-          <a:ln>
-            <a:noFill/>
-          </a:ln>
+            <a:off x="304800" y="1418400"/>
+            <a:ext cx="8534400" cy="5381560"/>
+          </a:xfrm>
+          <a:prstGeom prst="rect">
+            <a:avLst/>
+          </a:prstGeom>
         </p:spPr>
       </p:pic>
-      <p:pic>
-        <p:nvPicPr>
-          <p:cNvPr id="332" name="Picture 1"/>
-          <p:cNvPicPr/>
-          <p:nvPr/>
-        </p:nvPicPr>
-        <p:blipFill>
-          <a:blip r:embed="rId3"/>
-          <a:stretch/>
-        </p:blipFill>
-        <p:spPr>
-          <a:xfrm>
-            <a:off x="325080" y="1244520"/>
-            <a:ext cx="7837920" cy="5485320"/>
-          </a:xfrm>
-          <a:prstGeom prst="rect">
-            <a:avLst/>
-          </a:prstGeom>
-          <a:ln>
-            <a:noFill/>
-          </a:ln>
-        </p:spPr>
-      </p:pic>
-      <p:sp>
-        <p:nvSpPr>
-          <p:cNvPr id="333" name="CustomShape 2"/>
-          <p:cNvSpPr/>
-          <p:nvPr/>
-        </p:nvSpPr>
-        <p:spPr>
-          <a:xfrm>
-            <a:off x="5935680" y="1354320"/>
-            <a:ext cx="832320" cy="394200"/>
-          </a:xfrm>
-          <a:prstGeom prst="rect">
-            <a:avLst/>
-          </a:prstGeom>
-          <a:noFill/>
-          <a:ln>
-            <a:noFill/>
-          </a:ln>
-        </p:spPr>
-        <p:style>
-          <a:lnRef idx="0">
-            <a:scrgbClr r="0" g="0" b="0"/>
-          </a:lnRef>
-          <a:fillRef idx="0">
-            <a:scrgbClr r="0" g="0" b="0"/>
-          </a:fillRef>
-          <a:effectRef idx="0">
-            <a:scrgbClr r="0" g="0" b="0"/>
-          </a:effectRef>
-          <a:fontRef idx="minor"/>
-        </p:style>
-        <p:txBody>
-          <a:bodyPr lIns="90000" tIns="45000" rIns="90000" bIns="45000"/>
-          <a:lstStyle/>
-          <a:p>
-            <a:pPr>
-              <a:lnSpc>
-                <a:spcPct val="100000"/>
-              </a:lnSpc>
-            </a:pPr>
-            <a:r>
-              <a:rPr lang="en-US" sz="1000" b="0" strike="noStrike" spc="-1">
-                <a:solidFill>
-                  <a:srgbClr val="000000"/>
-                </a:solidFill>
-                <a:latin typeface="Arial"/>
-                <a:ea typeface="DejaVu Sans"/>
-              </a:rPr>
-              <a:t>Feature</a:t>
-            </a:r>
-            <a:endParaRPr lang="en-US" sz="1000" b="0" strike="noStrike" spc="-1">
-              <a:latin typeface="Arial"/>
-            </a:endParaRPr>
-          </a:p>
-          <a:p>
-            <a:pPr>
-              <a:lnSpc>
-                <a:spcPct val="100000"/>
-              </a:lnSpc>
-            </a:pPr>
-            <a:r>
-              <a:rPr lang="en-US" sz="1000" b="0" strike="noStrike" spc="-1">
-                <a:solidFill>
-                  <a:srgbClr val="000000"/>
-                </a:solidFill>
-                <a:latin typeface="Arial"/>
-                <a:ea typeface="DejaVu Sans"/>
-              </a:rPr>
-              <a:t>Extraction</a:t>
-            </a:r>
-            <a:endParaRPr lang="en-US" sz="1000" b="0" strike="noStrike" spc="-1">
-              <a:latin typeface="Arial"/>
-            </a:endParaRPr>
-          </a:p>
-        </p:txBody>
-      </p:sp>
-      <p:sp>
-        <p:nvSpPr>
-          <p:cNvPr id="334" name="CustomShape 3"/>
-          <p:cNvSpPr/>
-          <p:nvPr/>
-        </p:nvSpPr>
-        <p:spPr>
-          <a:xfrm>
-            <a:off x="6769080" y="1354320"/>
-            <a:ext cx="964080" cy="241920"/>
-          </a:xfrm>
-          <a:prstGeom prst="rect">
-            <a:avLst/>
-          </a:prstGeom>
-          <a:noFill/>
-          <a:ln>
-            <a:noFill/>
-          </a:ln>
-        </p:spPr>
-        <p:style>
-          <a:lnRef idx="0">
-            <a:scrgbClr r="0" g="0" b="0"/>
-          </a:lnRef>
-          <a:fillRef idx="0">
-            <a:scrgbClr r="0" g="0" b="0"/>
-          </a:fillRef>
-          <a:effectRef idx="0">
-            <a:scrgbClr r="0" g="0" b="0"/>
-          </a:effectRef>
-          <a:fontRef idx="minor"/>
-        </p:style>
-        <p:txBody>
-          <a:bodyPr lIns="90000" tIns="45000" rIns="90000" bIns="45000"/>
-          <a:lstStyle/>
-          <a:p>
-            <a:pPr>
-              <a:lnSpc>
-                <a:spcPct val="100000"/>
-              </a:lnSpc>
-            </a:pPr>
-            <a:r>
-              <a:rPr lang="en-US" sz="1000" b="0" strike="noStrike" spc="-1">
-                <a:solidFill>
-                  <a:srgbClr val="000000"/>
-                </a:solidFill>
-                <a:latin typeface="Arial"/>
-                <a:ea typeface="DejaVu Sans"/>
-              </a:rPr>
-              <a:t>Classifiers</a:t>
-            </a:r>
-            <a:endParaRPr lang="en-US" sz="1000" b="0" strike="noStrike" spc="-1">
-              <a:latin typeface="Arial"/>
-            </a:endParaRPr>
-          </a:p>
-        </p:txBody>
-      </p:sp>
     </p:spTree>
+    <p:extLst>
+      <p:ext uri="{BB962C8B-B14F-4D97-AF65-F5344CB8AC3E}">
+        <p14:creationId xmlns:p14="http://schemas.microsoft.com/office/powerpoint/2010/main" val="3099741148"/>
+      </p:ext>
+    </p:extLst>
   </p:cSld>
   <p:clrMapOvr>
     <a:masterClrMapping/>
   </p:clrMapOvr>
-  <p:timing>
-    <p:tnLst>
-      <p:par>
-        <p:cTn id="1" dur="indefinite" restart="never" nodeType="tmRoot">
-          <p:childTnLst>
-            <p:seq>
-              <p:cTn id="2" dur="indefinite" nodeType="mainSeq"/>
-              <p:prevCondLst>
-                <p:cond evt="onPrev" delay="0">
-                  <p:tgtEl>
-                    <p:sldTgt/>
-                  </p:tgtEl>
-                </p:cond>
-              </p:prevCondLst>
-              <p:nextCondLst>
-                <p:cond evt="onNext" delay="0">
-                  <p:tgtEl>
-                    <p:sldTgt/>
-                  </p:tgtEl>
-                </p:cond>
-              </p:nextCondLst>
-            </p:seq>
-          </p:childTnLst>
-        </p:cTn>
-      </p:par>
-    </p:tnLst>
-  </p:timing>
 </p:sld>
 </file>
 
@@ -19208,117 +19803,69 @@
           <a:chExt cx="0" cy="0"/>
         </a:xfrm>
       </p:grpSpPr>
+      <p:sp>
+        <p:nvSpPr>
+          <p:cNvPr id="2" name="Title 1"/>
+          <p:cNvSpPr>
+            <a:spLocks noGrp="1"/>
+          </p:cNvSpPr>
+          <p:nvPr>
+            <p:ph type="title"/>
+          </p:nvPr>
+        </p:nvSpPr>
+        <p:spPr/>
+        <p:txBody>
+          <a:bodyPr/>
+          <a:lstStyle/>
+          <a:p>
+            <a:r>
+              <a:rPr lang="en-US" sz="4000" dirty="0" smtClean="0"/>
+              <a:t>Activity diagram</a:t>
+            </a:r>
+            <a:endParaRPr lang="en-US" sz="4000" dirty="0"/>
+          </a:p>
+        </p:txBody>
+      </p:sp>
       <p:pic>
         <p:nvPicPr>
-          <p:cNvPr id="335" name="Picture 334"/>
-          <p:cNvPicPr/>
+          <p:cNvPr id="4" name="Picture 3"/>
+          <p:cNvPicPr>
+            <a:picLocks noChangeAspect="1"/>
+          </p:cNvPicPr>
           <p:nvPr/>
         </p:nvPicPr>
         <p:blipFill>
-          <a:blip r:embed="rId2"/>
-          <a:stretch/>
+          <a:blip r:embed="rId2">
+            <a:extLst>
+              <a:ext uri="{28A0092B-C50C-407E-A947-70E740481C1C}">
+                <a14:useLocalDpi xmlns:a14="http://schemas.microsoft.com/office/drawing/2010/main" val="0"/>
+              </a:ext>
+            </a:extLst>
+          </a:blip>
+          <a:stretch>
+            <a:fillRect/>
+          </a:stretch>
         </p:blipFill>
         <p:spPr>
           <a:xfrm>
-            <a:off x="16560" y="1014840"/>
-            <a:ext cx="9143280" cy="4835880"/>
-          </a:xfrm>
-          <a:prstGeom prst="rect">
-            <a:avLst/>
-          </a:prstGeom>
-          <a:ln>
-            <a:noFill/>
-          </a:ln>
+            <a:off x="873845" y="1981200"/>
+            <a:ext cx="7395949" cy="4262880"/>
+          </a:xfrm>
+          <a:prstGeom prst="rect">
+            <a:avLst/>
+          </a:prstGeom>
         </p:spPr>
       </p:pic>
-      <p:sp>
-        <p:nvSpPr>
-          <p:cNvPr id="336" name="CustomShape 1"/>
-          <p:cNvSpPr/>
-          <p:nvPr/>
-        </p:nvSpPr>
-        <p:spPr>
-          <a:xfrm>
-            <a:off x="1474560" y="91440"/>
-            <a:ext cx="5840280" cy="759240"/>
-          </a:xfrm>
-          <a:prstGeom prst="rect">
-            <a:avLst/>
-          </a:prstGeom>
-          <a:noFill/>
-          <a:ln>
-            <a:noFill/>
-          </a:ln>
-        </p:spPr>
-        <p:style>
-          <a:lnRef idx="0">
-            <a:scrgbClr r="0" g="0" b="0"/>
-          </a:lnRef>
-          <a:fillRef idx="0">
-            <a:scrgbClr r="0" g="0" b="0"/>
-          </a:fillRef>
-          <a:effectRef idx="0">
-            <a:scrgbClr r="0" g="0" b="0"/>
-          </a:effectRef>
-          <a:fontRef idx="minor"/>
-        </p:style>
-        <p:txBody>
-          <a:bodyPr lIns="90000" tIns="45000" rIns="90000" bIns="45000"/>
-          <a:lstStyle/>
-          <a:p>
-            <a:pPr algn="ctr">
-              <a:lnSpc>
-                <a:spcPct val="100000"/>
-              </a:lnSpc>
-            </a:pPr>
-            <a:r>
-              <a:rPr lang="en-US" sz="4400" b="0" strike="noStrike" spc="-1">
-                <a:solidFill>
-                  <a:srgbClr val="000000"/>
-                </a:solidFill>
-                <a:latin typeface="Calibri"/>
-                <a:ea typeface="DejaVu Sans"/>
-              </a:rPr>
-              <a:t>Database</a:t>
-            </a:r>
-            <a:endParaRPr lang="en-US" sz="4400" b="0" strike="noStrike" spc="-1">
-              <a:latin typeface="Arial"/>
-            </a:endParaRPr>
-          </a:p>
-        </p:txBody>
-      </p:sp>
     </p:spTree>
+    <p:extLst>
+      <p:ext uri="{BB962C8B-B14F-4D97-AF65-F5344CB8AC3E}">
+        <p14:creationId xmlns:p14="http://schemas.microsoft.com/office/powerpoint/2010/main" val="3733403584"/>
+      </p:ext>
+    </p:extLst>
   </p:cSld>
   <p:clrMapOvr>
     <a:masterClrMapping/>
   </p:clrMapOvr>
-  <p:timing>
-    <p:tnLst>
-      <p:par>
-        <p:cTn id="1" dur="indefinite" restart="never" nodeType="tmRoot">
-          <p:childTnLst>
-            <p:seq>
-              <p:cTn id="2" dur="indefinite" nodeType="mainSeq"/>
-              <p:prevCondLst>
-                <p:cond evt="onPrev" delay="0">
-                  <p:tgtEl>
-                    <p:sldTgt/>
-                  </p:tgtEl>
-                </p:cond>
-              </p:prevCondLst>
-              <p:nextCondLst>
-                <p:cond evt="onNext" delay="0">
-                  <p:tgtEl>
-                    <p:sldTgt/>
-                  </p:tgtEl>
-                </p:cond>
-              </p:nextCondLst>
-            </p:seq>
-          </p:childTnLst>
-        </p:cTn>
-      </p:par>
-    </p:tnLst>
-  </p:timing>
 </p:sld>
 </file>
 
@@ -19339,38 +19886,15 @@
           <a:chExt cx="0" cy="0"/>
         </a:xfrm>
       </p:grpSpPr>
-      <p:pic>
-        <p:nvPicPr>
-          <p:cNvPr id="337" name="Picture 336"/>
-          <p:cNvPicPr/>
-          <p:nvPr/>
-        </p:nvPicPr>
-        <p:blipFill>
-          <a:blip r:embed="rId2"/>
-          <a:stretch/>
-        </p:blipFill>
-        <p:spPr>
-          <a:xfrm>
-            <a:off x="0" y="1005840"/>
-            <a:ext cx="9143640" cy="5821560"/>
-          </a:xfrm>
-          <a:prstGeom prst="rect">
-            <a:avLst/>
-          </a:prstGeom>
-          <a:ln>
-            <a:noFill/>
-          </a:ln>
-        </p:spPr>
-      </p:pic>
-      <p:sp>
-        <p:nvSpPr>
-          <p:cNvPr id="338" name="CustomShape 1"/>
+      <p:sp>
+        <p:nvSpPr>
+          <p:cNvPr id="330" name="CustomShape 1"/>
           <p:cNvSpPr/>
           <p:nvPr/>
         </p:nvSpPr>
         <p:spPr>
           <a:xfrm>
-            <a:off x="1474560" y="182880"/>
+            <a:off x="1460160" y="304920"/>
             <a:ext cx="5840280" cy="759240"/>
           </a:xfrm>
           <a:prstGeom prst="rect">
@@ -19410,7 +19934,7 @@
                 <a:latin typeface="Calibri"/>
                 <a:ea typeface="DejaVu Sans"/>
               </a:rPr>
-              <a:t>MVC Design Pattern</a:t>
+              <a:t>System Architecture</a:t>
             </a:r>
             <a:endParaRPr lang="en-US" sz="4400" b="0" strike="noStrike" spc="-1">
               <a:latin typeface="Arial"/>
@@ -19418,23 +19942,67 @@
           </a:p>
         </p:txBody>
       </p:sp>
-      <p:sp>
-        <p:nvSpPr>
-          <p:cNvPr id="339" name="CustomShape 2"/>
+      <p:pic>
+        <p:nvPicPr>
+          <p:cNvPr id="331" name="Picture 170"/>
+          <p:cNvPicPr/>
+          <p:nvPr/>
+        </p:nvPicPr>
+        <p:blipFill>
+          <a:blip r:embed="rId2"/>
+          <a:stretch/>
+        </p:blipFill>
+        <p:spPr>
+          <a:xfrm>
+            <a:off x="7760880" y="92160"/>
+            <a:ext cx="1381680" cy="1095840"/>
+          </a:xfrm>
+          <a:prstGeom prst="rect">
+            <a:avLst/>
+          </a:prstGeom>
+          <a:ln>
+            <a:noFill/>
+          </a:ln>
+        </p:spPr>
+      </p:pic>
+      <p:pic>
+        <p:nvPicPr>
+          <p:cNvPr id="332" name="Picture 1"/>
+          <p:cNvPicPr/>
+          <p:nvPr/>
+        </p:nvPicPr>
+        <p:blipFill>
+          <a:blip r:embed="rId3"/>
+          <a:stretch/>
+        </p:blipFill>
+        <p:spPr>
+          <a:xfrm>
+            <a:off x="325080" y="1244520"/>
+            <a:ext cx="7837920" cy="5485320"/>
+          </a:xfrm>
+          <a:prstGeom prst="rect">
+            <a:avLst/>
+          </a:prstGeom>
+          <a:ln>
+            <a:noFill/>
+          </a:ln>
+        </p:spPr>
+      </p:pic>
+      <p:sp>
+        <p:nvSpPr>
+          <p:cNvPr id="333" name="CustomShape 2"/>
           <p:cNvSpPr/>
           <p:nvPr/>
         </p:nvSpPr>
         <p:spPr>
           <a:xfrm>
-            <a:off x="0" y="3749040"/>
-            <a:ext cx="2286000" cy="3078360"/>
-          </a:xfrm>
-          <a:prstGeom prst="rect">
-            <a:avLst/>
-          </a:prstGeom>
-          <a:solidFill>
-            <a:srgbClr val="FFFFFF"/>
-          </a:solidFill>
+            <a:off x="5935680" y="1354320"/>
+            <a:ext cx="832320" cy="394200"/>
+          </a:xfrm>
+          <a:prstGeom prst="rect">
+            <a:avLst/>
+          </a:prstGeom>
+          <a:noFill/>
           <a:ln>
             <a:noFill/>
           </a:ln>
@@ -19451,24 +20019,66 @@
           </a:effectRef>
           <a:fontRef idx="minor"/>
         </p:style>
-      </p:sp>
-      <p:sp>
-        <p:nvSpPr>
-          <p:cNvPr id="340" name="CustomShape 3"/>
+        <p:txBody>
+          <a:bodyPr lIns="90000" tIns="45000" rIns="90000" bIns="45000"/>
+          <a:lstStyle/>
+          <a:p>
+            <a:pPr>
+              <a:lnSpc>
+                <a:spcPct val="100000"/>
+              </a:lnSpc>
+            </a:pPr>
+            <a:r>
+              <a:rPr lang="en-US" sz="1000" b="0" strike="noStrike" spc="-1">
+                <a:solidFill>
+                  <a:srgbClr val="000000"/>
+                </a:solidFill>
+                <a:latin typeface="Arial"/>
+                <a:ea typeface="DejaVu Sans"/>
+              </a:rPr>
+              <a:t>Feature</a:t>
+            </a:r>
+            <a:endParaRPr lang="en-US" sz="1000" b="0" strike="noStrike" spc="-1">
+              <a:latin typeface="Arial"/>
+            </a:endParaRPr>
+          </a:p>
+          <a:p>
+            <a:pPr>
+              <a:lnSpc>
+                <a:spcPct val="100000"/>
+              </a:lnSpc>
+            </a:pPr>
+            <a:r>
+              <a:rPr lang="en-US" sz="1000" b="0" strike="noStrike" spc="-1">
+                <a:solidFill>
+                  <a:srgbClr val="000000"/>
+                </a:solidFill>
+                <a:latin typeface="Arial"/>
+                <a:ea typeface="DejaVu Sans"/>
+              </a:rPr>
+              <a:t>Extraction</a:t>
+            </a:r>
+            <a:endParaRPr lang="en-US" sz="1000" b="0" strike="noStrike" spc="-1">
+              <a:latin typeface="Arial"/>
+            </a:endParaRPr>
+          </a:p>
+        </p:txBody>
+      </p:sp>
+      <p:sp>
+        <p:nvSpPr>
+          <p:cNvPr id="334" name="CustomShape 3"/>
           <p:cNvSpPr/>
           <p:nvPr/>
         </p:nvSpPr>
         <p:spPr>
           <a:xfrm>
-            <a:off x="0" y="3383280"/>
-            <a:ext cx="3657600" cy="2103120"/>
-          </a:xfrm>
-          <a:prstGeom prst="rect">
-            <a:avLst/>
-          </a:prstGeom>
-          <a:solidFill>
-            <a:srgbClr val="FFFFFF"/>
-          </a:solidFill>
+            <a:off x="6769080" y="1354320"/>
+            <a:ext cx="964080" cy="241920"/>
+          </a:xfrm>
+          <a:prstGeom prst="rect">
+            <a:avLst/>
+          </a:prstGeom>
+          <a:noFill/>
           <a:ln>
             <a:noFill/>
           </a:ln>
@@ -19485,142 +20095,30 @@
           </a:effectRef>
           <a:fontRef idx="minor"/>
         </p:style>
-      </p:sp>
-      <p:sp>
-        <p:nvSpPr>
-          <p:cNvPr id="341" name="CustomShape 4"/>
-          <p:cNvSpPr/>
-          <p:nvPr/>
-        </p:nvSpPr>
-        <p:spPr>
-          <a:xfrm>
-            <a:off x="0" y="2194560"/>
-            <a:ext cx="1463040" cy="2103120"/>
-          </a:xfrm>
-          <a:prstGeom prst="rect">
-            <a:avLst/>
-          </a:prstGeom>
-          <a:solidFill>
-            <a:srgbClr val="FFFFFF"/>
-          </a:solidFill>
-          <a:ln>
-            <a:noFill/>
-          </a:ln>
-        </p:spPr>
-        <p:style>
-          <a:lnRef idx="0">
-            <a:scrgbClr r="0" g="0" b="0"/>
-          </a:lnRef>
-          <a:fillRef idx="0">
-            <a:scrgbClr r="0" g="0" b="0"/>
-          </a:fillRef>
-          <a:effectRef idx="0">
-            <a:scrgbClr r="0" g="0" b="0"/>
-          </a:effectRef>
-          <a:fontRef idx="minor"/>
-        </p:style>
-      </p:sp>
-      <p:sp>
-        <p:nvSpPr>
-          <p:cNvPr id="342" name="CustomShape 5"/>
-          <p:cNvSpPr/>
-          <p:nvPr/>
-        </p:nvSpPr>
-        <p:spPr>
-          <a:xfrm>
-            <a:off x="4389120" y="3108960"/>
-            <a:ext cx="4663440" cy="1188720"/>
-          </a:xfrm>
-          <a:prstGeom prst="rect">
-            <a:avLst/>
-          </a:prstGeom>
-          <a:solidFill>
-            <a:srgbClr val="FFFFFF"/>
-          </a:solidFill>
-          <a:ln>
-            <a:noFill/>
-          </a:ln>
-        </p:spPr>
-        <p:style>
-          <a:lnRef idx="0">
-            <a:scrgbClr r="0" g="0" b="0"/>
-          </a:lnRef>
-          <a:fillRef idx="0">
-            <a:scrgbClr r="0" g="0" b="0"/>
-          </a:fillRef>
-          <a:effectRef idx="0">
-            <a:scrgbClr r="0" g="0" b="0"/>
-          </a:effectRef>
-          <a:fontRef idx="minor"/>
-        </p:style>
-      </p:sp>
-      <p:sp>
-        <p:nvSpPr>
-          <p:cNvPr id="343" name="CustomShape 6"/>
-          <p:cNvSpPr/>
-          <p:nvPr/>
-        </p:nvSpPr>
-        <p:spPr>
-          <a:xfrm>
-            <a:off x="7589520" y="2743200"/>
-            <a:ext cx="1554120" cy="1645920"/>
-          </a:xfrm>
-          <a:prstGeom prst="rect">
-            <a:avLst/>
-          </a:prstGeom>
-          <a:solidFill>
-            <a:srgbClr val="FFFFFF"/>
-          </a:solidFill>
-          <a:ln>
-            <a:noFill/>
-          </a:ln>
-        </p:spPr>
-        <p:style>
-          <a:lnRef idx="0">
-            <a:scrgbClr r="0" g="0" b="0"/>
-          </a:lnRef>
-          <a:fillRef idx="0">
-            <a:scrgbClr r="0" g="0" b="0"/>
-          </a:fillRef>
-          <a:effectRef idx="0">
-            <a:scrgbClr r="0" g="0" b="0"/>
-          </a:effectRef>
-          <a:fontRef idx="minor"/>
-        </p:style>
-      </p:sp>
-      <p:sp>
-        <p:nvSpPr>
-          <p:cNvPr id="344" name="CustomShape 7"/>
-          <p:cNvSpPr/>
-          <p:nvPr/>
-        </p:nvSpPr>
-        <p:spPr>
-          <a:xfrm>
-            <a:off x="3657600" y="2743200"/>
-            <a:ext cx="1463040" cy="1645920"/>
-          </a:xfrm>
-          <a:prstGeom prst="rect">
-            <a:avLst/>
-          </a:prstGeom>
-          <a:solidFill>
-            <a:srgbClr val="FFFFFF"/>
-          </a:solidFill>
-          <a:ln>
-            <a:noFill/>
-          </a:ln>
-        </p:spPr>
-        <p:style>
-          <a:lnRef idx="0">
-            <a:scrgbClr r="0" g="0" b="0"/>
-          </a:lnRef>
-          <a:fillRef idx="0">
-            <a:scrgbClr r="0" g="0" b="0"/>
-          </a:fillRef>
-          <a:effectRef idx="0">
-            <a:scrgbClr r="0" g="0" b="0"/>
-          </a:effectRef>
-          <a:fontRef idx="minor"/>
-        </p:style>
+        <p:txBody>
+          <a:bodyPr lIns="90000" tIns="45000" rIns="90000" bIns="45000"/>
+          <a:lstStyle/>
+          <a:p>
+            <a:pPr>
+              <a:lnSpc>
+                <a:spcPct val="100000"/>
+              </a:lnSpc>
+            </a:pPr>
+            <a:r>
+              <a:rPr lang="en-US" sz="1000" b="0" strike="noStrike" spc="-1">
+                <a:solidFill>
+                  <a:srgbClr val="000000"/>
+                </a:solidFill>
+                <a:latin typeface="Arial"/>
+                <a:ea typeface="DejaVu Sans"/>
+              </a:rPr>
+              <a:t>Classifiers</a:t>
+            </a:r>
+            <a:endParaRPr lang="en-US" sz="1000" b="0" strike="noStrike" spc="-1">
+              <a:latin typeface="Arial"/>
+            </a:endParaRPr>
+          </a:p>
+        </p:txBody>
       </p:sp>
     </p:spTree>
   </p:cSld>
@@ -19676,7 +20174,7 @@
       </p:grpSpPr>
       <p:pic>
         <p:nvPicPr>
-          <p:cNvPr id="345" name="Picture 344"/>
+          <p:cNvPr id="335" name="Picture 334"/>
           <p:cNvPicPr/>
           <p:nvPr/>
         </p:nvPicPr>
@@ -19686,8 +20184,8 @@
         </p:blipFill>
         <p:spPr>
           <a:xfrm>
-            <a:off x="0" y="1188720"/>
-            <a:ext cx="9143280" cy="5613120"/>
+            <a:off x="16560" y="1014840"/>
+            <a:ext cx="9143280" cy="4835880"/>
           </a:xfrm>
           <a:prstGeom prst="rect">
             <a:avLst/>
@@ -19699,13 +20197,13 @@
       </p:pic>
       <p:sp>
         <p:nvSpPr>
-          <p:cNvPr id="346" name="CustomShape 1"/>
+          <p:cNvPr id="336" name="CustomShape 1"/>
           <p:cNvSpPr/>
           <p:nvPr/>
         </p:nvSpPr>
         <p:spPr>
           <a:xfrm>
-            <a:off x="1460160" y="304920"/>
+            <a:off x="1474560" y="91440"/>
             <a:ext cx="5840280" cy="759240"/>
           </a:xfrm>
           <a:prstGeom prst="rect">
@@ -19745,115 +20243,13 @@
                 <a:latin typeface="Calibri"/>
                 <a:ea typeface="DejaVu Sans"/>
               </a:rPr>
-              <a:t>Observer Design Pattern</a:t>
+              <a:t>Database</a:t>
             </a:r>
             <a:endParaRPr lang="en-US" sz="4400" b="0" strike="noStrike" spc="-1">
               <a:latin typeface="Arial"/>
             </a:endParaRPr>
           </a:p>
         </p:txBody>
-      </p:sp>
-      <p:sp>
-        <p:nvSpPr>
-          <p:cNvPr id="347" name="CustomShape 2"/>
-          <p:cNvSpPr/>
-          <p:nvPr/>
-        </p:nvSpPr>
-        <p:spPr>
-          <a:xfrm>
-            <a:off x="0" y="1064160"/>
-            <a:ext cx="4754520" cy="1495800"/>
-          </a:xfrm>
-          <a:prstGeom prst="rect">
-            <a:avLst/>
-          </a:prstGeom>
-          <a:solidFill>
-            <a:srgbClr val="FFFFFF"/>
-          </a:solidFill>
-          <a:ln>
-            <a:noFill/>
-          </a:ln>
-        </p:spPr>
-        <p:style>
-          <a:lnRef idx="0">
-            <a:scrgbClr r="0" g="0" b="0"/>
-          </a:lnRef>
-          <a:fillRef idx="0">
-            <a:scrgbClr r="0" g="0" b="0"/>
-          </a:fillRef>
-          <a:effectRef idx="0">
-            <a:scrgbClr r="0" g="0" b="0"/>
-          </a:effectRef>
-          <a:fontRef idx="minor"/>
-        </p:style>
-      </p:sp>
-      <p:sp>
-        <p:nvSpPr>
-          <p:cNvPr id="348" name="CustomShape 3"/>
-          <p:cNvSpPr/>
-          <p:nvPr/>
-        </p:nvSpPr>
-        <p:spPr>
-          <a:xfrm>
-            <a:off x="0" y="2560320"/>
-            <a:ext cx="1920240" cy="2011680"/>
-          </a:xfrm>
-          <a:prstGeom prst="rect">
-            <a:avLst/>
-          </a:prstGeom>
-          <a:solidFill>
-            <a:srgbClr val="FFFFFF"/>
-          </a:solidFill>
-          <a:ln>
-            <a:noFill/>
-          </a:ln>
-        </p:spPr>
-        <p:style>
-          <a:lnRef idx="0">
-            <a:scrgbClr r="0" g="0" b="0"/>
-          </a:lnRef>
-          <a:fillRef idx="0">
-            <a:scrgbClr r="0" g="0" b="0"/>
-          </a:fillRef>
-          <a:effectRef idx="0">
-            <a:scrgbClr r="0" g="0" b="0"/>
-          </a:effectRef>
-          <a:fontRef idx="minor"/>
-        </p:style>
-      </p:sp>
-      <p:sp>
-        <p:nvSpPr>
-          <p:cNvPr id="349" name="CustomShape 4"/>
-          <p:cNvSpPr/>
-          <p:nvPr/>
-        </p:nvSpPr>
-        <p:spPr>
-          <a:xfrm>
-            <a:off x="5761080" y="1097280"/>
-            <a:ext cx="3382560" cy="3382920"/>
-          </a:xfrm>
-          <a:prstGeom prst="rect">
-            <a:avLst/>
-          </a:prstGeom>
-          <a:solidFill>
-            <a:srgbClr val="FFFFFF"/>
-          </a:solidFill>
-          <a:ln>
-            <a:noFill/>
-          </a:ln>
-        </p:spPr>
-        <p:style>
-          <a:lnRef idx="0">
-            <a:scrgbClr r="0" g="0" b="0"/>
-          </a:lnRef>
-          <a:fillRef idx="0">
-            <a:scrgbClr r="0" g="0" b="0"/>
-          </a:fillRef>
-          <a:effectRef idx="0">
-            <a:scrgbClr r="0" g="0" b="0"/>
-          </a:effectRef>
-          <a:fontRef idx="minor"/>
-        </p:style>
       </p:sp>
     </p:spTree>
   </p:cSld>
@@ -19909,7 +20305,7 @@
       </p:grpSpPr>
       <p:pic>
         <p:nvPicPr>
-          <p:cNvPr id="350" name="Picture 349"/>
+          <p:cNvPr id="337" name="Picture 336"/>
           <p:cNvPicPr/>
           <p:nvPr/>
         </p:nvPicPr>
@@ -19919,8 +20315,8 @@
         </p:blipFill>
         <p:spPr>
           <a:xfrm>
-            <a:off x="2011680" y="2194560"/>
-            <a:ext cx="4891680" cy="4259160"/>
+            <a:off x="0" y="1005840"/>
+            <a:ext cx="9143640" cy="5821560"/>
           </a:xfrm>
           <a:prstGeom prst="rect">
             <a:avLst/>
@@ -19932,13 +20328,13 @@
       </p:pic>
       <p:sp>
         <p:nvSpPr>
-          <p:cNvPr id="351" name="CustomShape 1"/>
+          <p:cNvPr id="338" name="CustomShape 1"/>
           <p:cNvSpPr/>
           <p:nvPr/>
         </p:nvSpPr>
         <p:spPr>
           <a:xfrm>
-            <a:off x="1460160" y="304920"/>
+            <a:off x="1474560" y="182880"/>
             <a:ext cx="5840280" cy="759240"/>
           </a:xfrm>
           <a:prstGeom prst="rect">
@@ -19978,7 +20374,7 @@
                 <a:latin typeface="Calibri"/>
                 <a:ea typeface="DejaVu Sans"/>
               </a:rPr>
-              <a:t>Strategy Design Pattern</a:t>
+              <a:t>MVC Design Pattern</a:t>
             </a:r>
             <a:endParaRPr lang="en-US" sz="4400" b="0" strike="noStrike" spc="-1">
               <a:latin typeface="Arial"/>
@@ -19988,14 +20384,184 @@
       </p:sp>
       <p:sp>
         <p:nvSpPr>
-          <p:cNvPr id="352" name="CustomShape 2"/>
+          <p:cNvPr id="339" name="CustomShape 2"/>
           <p:cNvSpPr/>
           <p:nvPr/>
         </p:nvSpPr>
         <p:spPr>
           <a:xfrm>
-            <a:off x="548640" y="1645920"/>
-            <a:ext cx="3291480" cy="2285640"/>
+            <a:off x="0" y="3749040"/>
+            <a:ext cx="2286000" cy="3078360"/>
+          </a:xfrm>
+          <a:prstGeom prst="rect">
+            <a:avLst/>
+          </a:prstGeom>
+          <a:solidFill>
+            <a:srgbClr val="FFFFFF"/>
+          </a:solidFill>
+          <a:ln>
+            <a:noFill/>
+          </a:ln>
+        </p:spPr>
+        <p:style>
+          <a:lnRef idx="0">
+            <a:scrgbClr r="0" g="0" b="0"/>
+          </a:lnRef>
+          <a:fillRef idx="0">
+            <a:scrgbClr r="0" g="0" b="0"/>
+          </a:fillRef>
+          <a:effectRef idx="0">
+            <a:scrgbClr r="0" g="0" b="0"/>
+          </a:effectRef>
+          <a:fontRef idx="minor"/>
+        </p:style>
+      </p:sp>
+      <p:sp>
+        <p:nvSpPr>
+          <p:cNvPr id="340" name="CustomShape 3"/>
+          <p:cNvSpPr/>
+          <p:nvPr/>
+        </p:nvSpPr>
+        <p:spPr>
+          <a:xfrm>
+            <a:off x="0" y="3383280"/>
+            <a:ext cx="3657600" cy="2103120"/>
+          </a:xfrm>
+          <a:prstGeom prst="rect">
+            <a:avLst/>
+          </a:prstGeom>
+          <a:solidFill>
+            <a:srgbClr val="FFFFFF"/>
+          </a:solidFill>
+          <a:ln>
+            <a:noFill/>
+          </a:ln>
+        </p:spPr>
+        <p:style>
+          <a:lnRef idx="0">
+            <a:scrgbClr r="0" g="0" b="0"/>
+          </a:lnRef>
+          <a:fillRef idx="0">
+            <a:scrgbClr r="0" g="0" b="0"/>
+          </a:fillRef>
+          <a:effectRef idx="0">
+            <a:scrgbClr r="0" g="0" b="0"/>
+          </a:effectRef>
+          <a:fontRef idx="minor"/>
+        </p:style>
+      </p:sp>
+      <p:sp>
+        <p:nvSpPr>
+          <p:cNvPr id="341" name="CustomShape 4"/>
+          <p:cNvSpPr/>
+          <p:nvPr/>
+        </p:nvSpPr>
+        <p:spPr>
+          <a:xfrm>
+            <a:off x="0" y="2194560"/>
+            <a:ext cx="1463040" cy="2103120"/>
+          </a:xfrm>
+          <a:prstGeom prst="rect">
+            <a:avLst/>
+          </a:prstGeom>
+          <a:solidFill>
+            <a:srgbClr val="FFFFFF"/>
+          </a:solidFill>
+          <a:ln>
+            <a:noFill/>
+          </a:ln>
+        </p:spPr>
+        <p:style>
+          <a:lnRef idx="0">
+            <a:scrgbClr r="0" g="0" b="0"/>
+          </a:lnRef>
+          <a:fillRef idx="0">
+            <a:scrgbClr r="0" g="0" b="0"/>
+          </a:fillRef>
+          <a:effectRef idx="0">
+            <a:scrgbClr r="0" g="0" b="0"/>
+          </a:effectRef>
+          <a:fontRef idx="minor"/>
+        </p:style>
+      </p:sp>
+      <p:sp>
+        <p:nvSpPr>
+          <p:cNvPr id="342" name="CustomShape 5"/>
+          <p:cNvSpPr/>
+          <p:nvPr/>
+        </p:nvSpPr>
+        <p:spPr>
+          <a:xfrm>
+            <a:off x="4389120" y="3108960"/>
+            <a:ext cx="4663440" cy="1188720"/>
+          </a:xfrm>
+          <a:prstGeom prst="rect">
+            <a:avLst/>
+          </a:prstGeom>
+          <a:solidFill>
+            <a:srgbClr val="FFFFFF"/>
+          </a:solidFill>
+          <a:ln>
+            <a:noFill/>
+          </a:ln>
+        </p:spPr>
+        <p:style>
+          <a:lnRef idx="0">
+            <a:scrgbClr r="0" g="0" b="0"/>
+          </a:lnRef>
+          <a:fillRef idx="0">
+            <a:scrgbClr r="0" g="0" b="0"/>
+          </a:fillRef>
+          <a:effectRef idx="0">
+            <a:scrgbClr r="0" g="0" b="0"/>
+          </a:effectRef>
+          <a:fontRef idx="minor"/>
+        </p:style>
+      </p:sp>
+      <p:sp>
+        <p:nvSpPr>
+          <p:cNvPr id="343" name="CustomShape 6"/>
+          <p:cNvSpPr/>
+          <p:nvPr/>
+        </p:nvSpPr>
+        <p:spPr>
+          <a:xfrm>
+            <a:off x="7589520" y="2743200"/>
+            <a:ext cx="1554120" cy="1645920"/>
+          </a:xfrm>
+          <a:prstGeom prst="rect">
+            <a:avLst/>
+          </a:prstGeom>
+          <a:solidFill>
+            <a:srgbClr val="FFFFFF"/>
+          </a:solidFill>
+          <a:ln>
+            <a:noFill/>
+          </a:ln>
+        </p:spPr>
+        <p:style>
+          <a:lnRef idx="0">
+            <a:scrgbClr r="0" g="0" b="0"/>
+          </a:lnRef>
+          <a:fillRef idx="0">
+            <a:scrgbClr r="0" g="0" b="0"/>
+          </a:fillRef>
+          <a:effectRef idx="0">
+            <a:scrgbClr r="0" g="0" b="0"/>
+          </a:effectRef>
+          <a:fontRef idx="minor"/>
+        </p:style>
+      </p:sp>
+      <p:sp>
+        <p:nvSpPr>
+          <p:cNvPr id="344" name="CustomShape 7"/>
+          <p:cNvSpPr/>
+          <p:nvPr/>
+        </p:nvSpPr>
+        <p:spPr>
+          <a:xfrm>
+            <a:off x="3657600" y="2743200"/>
+            <a:ext cx="1463040" cy="1645920"/>
           </a:xfrm>
           <a:prstGeom prst="rect">
             <a:avLst/>
@@ -20074,7 +20640,7 @@
       </p:grpSpPr>
       <p:pic>
         <p:nvPicPr>
-          <p:cNvPr id="353" name="Picture 352"/>
+          <p:cNvPr id="345" name="Picture 344"/>
           <p:cNvPicPr/>
           <p:nvPr/>
         </p:nvPicPr>
@@ -20084,8 +20650,8 @@
         </p:blipFill>
         <p:spPr>
           <a:xfrm>
-            <a:off x="16560" y="2525040"/>
-            <a:ext cx="9143280" cy="1815120"/>
+            <a:off x="0" y="1188720"/>
+            <a:ext cx="9143280" cy="5613120"/>
           </a:xfrm>
           <a:prstGeom prst="rect">
             <a:avLst/>
@@ -20097,7 +20663,7 @@
       </p:pic>
       <p:sp>
         <p:nvSpPr>
-          <p:cNvPr id="354" name="CustomShape 1"/>
+          <p:cNvPr id="346" name="CustomShape 1"/>
           <p:cNvSpPr/>
           <p:nvPr/>
         </p:nvSpPr>
@@ -20143,13 +20709,115 @@
                 <a:latin typeface="Calibri"/>
                 <a:ea typeface="DejaVu Sans"/>
               </a:rPr>
-              <a:t>Facade Design Pattern</a:t>
+              <a:t>Observer Design Pattern</a:t>
             </a:r>
             <a:endParaRPr lang="en-US" sz="4400" b="0" strike="noStrike" spc="-1">
               <a:latin typeface="Arial"/>
             </a:endParaRPr>
           </a:p>
         </p:txBody>
+      </p:sp>
+      <p:sp>
+        <p:nvSpPr>
+          <p:cNvPr id="347" name="CustomShape 2"/>
+          <p:cNvSpPr/>
+          <p:nvPr/>
+        </p:nvSpPr>
+        <p:spPr>
+          <a:xfrm>
+            <a:off x="0" y="1064160"/>
+            <a:ext cx="4754520" cy="1495800"/>
+          </a:xfrm>
+          <a:prstGeom prst="rect">
+            <a:avLst/>
+          </a:prstGeom>
+          <a:solidFill>
+            <a:srgbClr val="FFFFFF"/>
+          </a:solidFill>
+          <a:ln>
+            <a:noFill/>
+          </a:ln>
+        </p:spPr>
+        <p:style>
+          <a:lnRef idx="0">
+            <a:scrgbClr r="0" g="0" b="0"/>
+          </a:lnRef>
+          <a:fillRef idx="0">
+            <a:scrgbClr r="0" g="0" b="0"/>
+          </a:fillRef>
+          <a:effectRef idx="0">
+            <a:scrgbClr r="0" g="0" b="0"/>
+          </a:effectRef>
+          <a:fontRef idx="minor"/>
+        </p:style>
+      </p:sp>
+      <p:sp>
+        <p:nvSpPr>
+          <p:cNvPr id="348" name="CustomShape 3"/>
+          <p:cNvSpPr/>
+          <p:nvPr/>
+        </p:nvSpPr>
+        <p:spPr>
+          <a:xfrm>
+            <a:off x="0" y="2560320"/>
+            <a:ext cx="1920240" cy="2011680"/>
+          </a:xfrm>
+          <a:prstGeom prst="rect">
+            <a:avLst/>
+          </a:prstGeom>
+          <a:solidFill>
+            <a:srgbClr val="FFFFFF"/>
+          </a:solidFill>
+          <a:ln>
+            <a:noFill/>
+          </a:ln>
+        </p:spPr>
+        <p:style>
+          <a:lnRef idx="0">
+            <a:scrgbClr r="0" g="0" b="0"/>
+          </a:lnRef>
+          <a:fillRef idx="0">
+            <a:scrgbClr r="0" g="0" b="0"/>
+          </a:fillRef>
+          <a:effectRef idx="0">
+            <a:scrgbClr r="0" g="0" b="0"/>
+          </a:effectRef>
+          <a:fontRef idx="minor"/>
+        </p:style>
+      </p:sp>
+      <p:sp>
+        <p:nvSpPr>
+          <p:cNvPr id="349" name="CustomShape 4"/>
+          <p:cNvSpPr/>
+          <p:nvPr/>
+        </p:nvSpPr>
+        <p:spPr>
+          <a:xfrm>
+            <a:off x="5761080" y="1097280"/>
+            <a:ext cx="3382560" cy="3382920"/>
+          </a:xfrm>
+          <a:prstGeom prst="rect">
+            <a:avLst/>
+          </a:prstGeom>
+          <a:solidFill>
+            <a:srgbClr val="FFFFFF"/>
+          </a:solidFill>
+          <a:ln>
+            <a:noFill/>
+          </a:ln>
+        </p:spPr>
+        <p:style>
+          <a:lnRef idx="0">
+            <a:scrgbClr r="0" g="0" b="0"/>
+          </a:lnRef>
+          <a:fillRef idx="0">
+            <a:scrgbClr r="0" g="0" b="0"/>
+          </a:fillRef>
+          <a:effectRef idx="0">
+            <a:scrgbClr r="0" g="0" b="0"/>
+          </a:effectRef>
+          <a:fontRef idx="minor"/>
+        </p:style>
       </p:sp>
     </p:spTree>
   </p:cSld>
@@ -20205,7 +20873,7 @@
       </p:grpSpPr>
       <p:pic>
         <p:nvPicPr>
-          <p:cNvPr id="355" name="Picture 4"/>
+          <p:cNvPr id="350" name="Picture 349"/>
           <p:cNvPicPr/>
           <p:nvPr/>
         </p:nvPicPr>
@@ -20215,8 +20883,8 @@
         </p:blipFill>
         <p:spPr>
           <a:xfrm>
-            <a:off x="99360" y="1829520"/>
-            <a:ext cx="1636200" cy="4112280"/>
+            <a:off x="2011680" y="2194560"/>
+            <a:ext cx="4891680" cy="4259160"/>
           </a:xfrm>
           <a:prstGeom prst="rect">
             <a:avLst/>
@@ -20226,85 +20894,16 @@
           </a:ln>
         </p:spPr>
       </p:pic>
-      <p:pic>
-        <p:nvPicPr>
-          <p:cNvPr id="356" name="Picture 6"/>
-          <p:cNvPicPr/>
-          <p:nvPr/>
-        </p:nvPicPr>
-        <p:blipFill>
-          <a:blip r:embed="rId3"/>
-          <a:stretch/>
-        </p:blipFill>
-        <p:spPr>
-          <a:xfrm>
-            <a:off x="1828800" y="1829520"/>
-            <a:ext cx="1636200" cy="4112280"/>
-          </a:xfrm>
-          <a:prstGeom prst="rect">
-            <a:avLst/>
-          </a:prstGeom>
-          <a:ln>
-            <a:noFill/>
-          </a:ln>
-        </p:spPr>
-      </p:pic>
-      <p:pic>
-        <p:nvPicPr>
-          <p:cNvPr id="357" name="Picture 8"/>
-          <p:cNvPicPr/>
-          <p:nvPr/>
-        </p:nvPicPr>
-        <p:blipFill>
-          <a:blip r:embed="rId4"/>
-          <a:stretch/>
-        </p:blipFill>
-        <p:spPr>
-          <a:xfrm>
-            <a:off x="3566160" y="1828800"/>
-            <a:ext cx="1636200" cy="4112280"/>
-          </a:xfrm>
-          <a:prstGeom prst="rect">
-            <a:avLst/>
-          </a:prstGeom>
-          <a:ln>
-            <a:noFill/>
-          </a:ln>
-        </p:spPr>
-      </p:pic>
-      <p:pic>
-        <p:nvPicPr>
-          <p:cNvPr id="358" name="Picture 10"/>
-          <p:cNvPicPr/>
-          <p:nvPr/>
-        </p:nvPicPr>
-        <p:blipFill>
-          <a:blip r:embed="rId5"/>
-          <a:stretch/>
-        </p:blipFill>
-        <p:spPr>
-          <a:xfrm>
-            <a:off x="5303520" y="1828800"/>
-            <a:ext cx="1636200" cy="4112280"/>
-          </a:xfrm>
-          <a:prstGeom prst="rect">
-            <a:avLst/>
-          </a:prstGeom>
-          <a:ln>
-            <a:noFill/>
-          </a:ln>
-        </p:spPr>
-      </p:pic>
-      <p:sp>
-        <p:nvSpPr>
-          <p:cNvPr id="359" name="CustomShape 1"/>
+      <p:sp>
+        <p:nvSpPr>
+          <p:cNvPr id="351" name="CustomShape 1"/>
           <p:cNvSpPr/>
           <p:nvPr/>
         </p:nvSpPr>
         <p:spPr>
           <a:xfrm>
-            <a:off x="3457080" y="159480"/>
-            <a:ext cx="2054880" cy="638280"/>
+            <a:off x="1460160" y="304920"/>
+            <a:ext cx="5840280" cy="759240"/>
           </a:xfrm>
           <a:prstGeom prst="rect">
             <a:avLst/>
@@ -20336,67 +20935,55 @@
               </a:lnSpc>
             </a:pPr>
             <a:r>
-              <a:rPr lang="en-US" sz="3600" b="0" strike="noStrike" spc="-1">
+              <a:rPr lang="en-US" sz="4400" b="0" strike="noStrike" spc="-1">
                 <a:solidFill>
                   <a:srgbClr val="000000"/>
                 </a:solidFill>
-                <a:latin typeface="Times New Roman"/>
+                <a:latin typeface="Calibri"/>
                 <a:ea typeface="DejaVu Sans"/>
               </a:rPr>
-              <a:t>GUI</a:t>
+              <a:t>Strategy Design Pattern</a:t>
             </a:r>
-            <a:endParaRPr lang="en-US" sz="3600" b="0" strike="noStrike" spc="-1">
-              <a:latin typeface="Arial"/>
-            </a:endParaRPr>
-          </a:p>
-        </p:txBody>
-      </p:sp>
-      <p:pic>
-        <p:nvPicPr>
-          <p:cNvPr id="360" name="Picture 251"/>
-          <p:cNvPicPr/>
+            <a:endParaRPr lang="en-US" sz="4400" b="0" strike="noStrike" spc="-1">
+              <a:latin typeface="Arial"/>
+            </a:endParaRPr>
+          </a:p>
+        </p:txBody>
+      </p:sp>
+      <p:sp>
+        <p:nvSpPr>
+          <p:cNvPr id="352" name="CustomShape 2"/>
+          <p:cNvSpPr/>
           <p:nvPr/>
-        </p:nvPicPr>
-        <p:blipFill>
-          <a:blip r:embed="rId6"/>
-          <a:stretch/>
-        </p:blipFill>
-        <p:spPr>
-          <a:xfrm>
-            <a:off x="7132320" y="1821600"/>
-            <a:ext cx="2011320" cy="3480120"/>
-          </a:xfrm>
-          <a:prstGeom prst="rect">
-            <a:avLst/>
-          </a:prstGeom>
+        </p:nvSpPr>
+        <p:spPr>
+          <a:xfrm>
+            <a:off x="548640" y="1645920"/>
+            <a:ext cx="3291480" cy="2285640"/>
+          </a:xfrm>
+          <a:prstGeom prst="rect">
+            <a:avLst/>
+          </a:prstGeom>
+          <a:solidFill>
+            <a:srgbClr val="FFFFFF"/>
+          </a:solidFill>
           <a:ln>
             <a:noFill/>
           </a:ln>
         </p:spPr>
-      </p:pic>
-      <p:pic>
-        <p:nvPicPr>
-          <p:cNvPr id="361" name="Picture 170"/>
-          <p:cNvPicPr/>
-          <p:nvPr/>
-        </p:nvPicPr>
-        <p:blipFill>
-          <a:blip r:embed="rId7"/>
-          <a:stretch/>
-        </p:blipFill>
-        <p:spPr>
-          <a:xfrm>
-            <a:off x="7589520" y="91800"/>
-            <a:ext cx="1552680" cy="1231560"/>
-          </a:xfrm>
-          <a:prstGeom prst="rect">
-            <a:avLst/>
-          </a:prstGeom>
-          <a:ln>
-            <a:noFill/>
-          </a:ln>
-        </p:spPr>
-      </p:pic>
+        <p:style>
+          <a:lnRef idx="0">
+            <a:scrgbClr r="0" g="0" b="0"/>
+          </a:lnRef>
+          <a:fillRef idx="0">
+            <a:scrgbClr r="0" g="0" b="0"/>
+          </a:fillRef>
+          <a:effectRef idx="0">
+            <a:scrgbClr r="0" g="0" b="0"/>
+          </a:effectRef>
+          <a:fontRef idx="minor"/>
+        </p:style>
+      </p:sp>
     </p:spTree>
   </p:cSld>
   <p:clrMapOvr>
@@ -20408,260 +20995,7 @@
         <p:cTn id="1" dur="indefinite" restart="never" nodeType="tmRoot">
           <p:childTnLst>
             <p:seq>
-              <p:cTn id="2" dur="indefinite" nodeType="mainSeq">
-                <p:childTnLst>
-                  <p:par>
-                    <p:cTn id="3" fill="hold">
-                      <p:stCondLst>
-                        <p:cond delay="indefinite"/>
-                      </p:stCondLst>
-                      <p:childTnLst>
-                        <p:par>
-                          <p:cTn id="4" fill="hold">
-                            <p:stCondLst>
-                              <p:cond delay="0"/>
-                            </p:stCondLst>
-                            <p:childTnLst>
-                              <p:par>
-                                <p:cTn id="5" presetID="2" presetClass="entr" presetSubtype="4" fill="hold" nodeType="clickEffect">
-                                  <p:stCondLst>
-                                    <p:cond delay="0"/>
-                                  </p:stCondLst>
-                                  <p:childTnLst>
-                                    <p:set>
-                                      <p:cBhvr>
-                                        <p:cTn id="6" dur="1" fill="hold">
-                                          <p:stCondLst>
-                                            <p:cond delay="0"/>
-                                          </p:stCondLst>
-                                        </p:cTn>
-                                        <p:tgtEl>
-                                          <p:spTgt spid="355"/>
-                                        </p:tgtEl>
-                                        <p:attrNameLst>
-                                          <p:attrName>style.visibility</p:attrName>
-                                        </p:attrNameLst>
-                                      </p:cBhvr>
-                                      <p:to>
-                                        <p:strVal val="visible"/>
-                                      </p:to>
-                                    </p:set>
-                                    <p:anim calcmode="lin" valueType="num">
-                                      <p:cBhvr additive="repl">
-                                        <p:cTn id="7" dur="500" fill="hold"/>
-                                        <p:tgtEl>
-                                          <p:spTgt spid="355"/>
-                                        </p:tgtEl>
-                                        <p:attrNameLst>
-                                          <p:attrName>ppt_x</p:attrName>
-                                        </p:attrNameLst>
-                                      </p:cBhvr>
-                                      <p:tavLst>
-                                        <p:tav tm="0">
-                                          <p:val>
-                                            <p:strVal val="#ppt_x"/>
-                                          </p:val>
-                                        </p:tav>
-                                        <p:tav tm="100000">
-                                          <p:val>
-                                            <p:strVal val="#ppt_x"/>
-                                          </p:val>
-                                        </p:tav>
-                                      </p:tavLst>
-                                    </p:anim>
-                                    <p:anim calcmode="lin" valueType="num">
-                                      <p:cBhvr additive="repl">
-                                        <p:cTn id="8" dur="500" fill="hold"/>
-                                        <p:tgtEl>
-                                          <p:spTgt spid="355"/>
-                                        </p:tgtEl>
-                                        <p:attrNameLst>
-                                          <p:attrName>ppt_y</p:attrName>
-                                        </p:attrNameLst>
-                                      </p:cBhvr>
-                                      <p:tavLst>
-                                        <p:tav tm="0">
-                                          <p:val>
-                                            <p:strVal val="1+#ppt_h/2"/>
-                                          </p:val>
-                                        </p:tav>
-                                        <p:tav tm="100000">
-                                          <p:val>
-                                            <p:strVal val="#ppt_y"/>
-                                          </p:val>
-                                        </p:tav>
-                                      </p:tavLst>
-                                    </p:anim>
-                                  </p:childTnLst>
-                                </p:cTn>
-                              </p:par>
-                            </p:childTnLst>
-                          </p:cTn>
-                        </p:par>
-                      </p:childTnLst>
-                    </p:cTn>
-                  </p:par>
-                  <p:par>
-                    <p:cTn id="9" fill="hold">
-                      <p:stCondLst>
-                        <p:cond delay="indefinite"/>
-                      </p:stCondLst>
-                      <p:childTnLst>
-                        <p:par>
-                          <p:cTn id="10" fill="hold">
-                            <p:stCondLst>
-                              <p:cond delay="0"/>
-                            </p:stCondLst>
-                            <p:childTnLst>
-                              <p:par>
-                                <p:cTn id="11" presetID="10" presetClass="entr" fill="hold" nodeType="clickEffect">
-                                  <p:stCondLst>
-                                    <p:cond delay="0"/>
-                                  </p:stCondLst>
-                                  <p:childTnLst>
-                                    <p:set>
-                                      <p:cBhvr>
-                                        <p:cTn id="12" dur="1" fill="hold">
-                                          <p:stCondLst>
-                                            <p:cond delay="0"/>
-                                          </p:stCondLst>
-                                        </p:cTn>
-                                        <p:tgtEl>
-                                          <p:spTgt spid="356"/>
-                                        </p:tgtEl>
-                                        <p:attrNameLst>
-                                          <p:attrName>style.visibility</p:attrName>
-                                        </p:attrNameLst>
-                                      </p:cBhvr>
-                                      <p:to>
-                                        <p:strVal val="visible"/>
-                                      </p:to>
-                                    </p:set>
-                                    <p:animEffect transition="in" filter="fade">
-                                      <p:cBhvr additive="repl">
-                                        <p:cTn id="13" dur="500"/>
-                                        <p:tgtEl>
-                                          <p:spTgt spid="356"/>
-                                        </p:tgtEl>
-                                      </p:cBhvr>
-                                    </p:animEffect>
-                                  </p:childTnLst>
-                                </p:cTn>
-                              </p:par>
-                            </p:childTnLst>
-                          </p:cTn>
-                        </p:par>
-                      </p:childTnLst>
-                    </p:cTn>
-                  </p:par>
-                  <p:par>
-                    <p:cTn id="14" fill="hold">
-                      <p:stCondLst>
-                        <p:cond delay="indefinite"/>
-                      </p:stCondLst>
-                      <p:childTnLst>
-                        <p:par>
-                          <p:cTn id="15" fill="hold">
-                            <p:stCondLst>
-                              <p:cond delay="0"/>
-                            </p:stCondLst>
-                            <p:childTnLst>
-                              <p:par>
-                                <p:cTn id="16" presetID="10" presetClass="entr" fill="hold" nodeType="clickEffect">
-                                  <p:stCondLst>
-                                    <p:cond delay="0"/>
-                                  </p:stCondLst>
-                                  <p:childTnLst>
-                                    <p:set>
-                                      <p:cBhvr>
-                                        <p:cTn id="17" dur="1" fill="hold">
-                                          <p:stCondLst>
-                                            <p:cond delay="0"/>
-                                          </p:stCondLst>
-                                        </p:cTn>
-                                        <p:tgtEl>
-                                          <p:spTgt spid="357"/>
-                                        </p:tgtEl>
-                                        <p:attrNameLst>
-                                          <p:attrName>style.visibility</p:attrName>
-                                        </p:attrNameLst>
-                                      </p:cBhvr>
-                                      <p:to>
-                                        <p:strVal val="visible"/>
-                                      </p:to>
-                                    </p:set>
-                                    <p:animEffect transition="in" filter="fade">
-                                      <p:cBhvr additive="repl">
-                                        <p:cTn id="18" dur="500"/>
-                                        <p:tgtEl>
-                                          <p:spTgt spid="357"/>
-                                        </p:tgtEl>
-                                      </p:cBhvr>
-                                    </p:animEffect>
-                                  </p:childTnLst>
-                                </p:cTn>
-                              </p:par>
-                            </p:childTnLst>
-                          </p:cTn>
-                        </p:par>
-                      </p:childTnLst>
-                    </p:cTn>
-                  </p:par>
-                  <p:par>
-                    <p:cTn id="19" fill="hold">
-                      <p:stCondLst>
-                        <p:cond delay="indefinite"/>
-                      </p:stCondLst>
-                      <p:childTnLst>
-                        <p:par>
-                          <p:cTn id="20" fill="hold">
-                            <p:stCondLst>
-                              <p:cond delay="0"/>
-                            </p:stCondLst>
-                            <p:childTnLst>
-                              <p:par>
-                                <p:cTn id="21" presetID="10" presetClass="entr" fill="hold" nodeType="clickEffect">
-                                  <p:stCondLst>
-                                    <p:cond delay="0"/>
-                                  </p:stCondLst>
-                                  <p:childTnLst>
-                                    <p:set>
-                                      <p:cBhvr>
-                                        <p:cTn id="22" dur="1" fill="hold">
-                                          <p:stCondLst>
-                                            <p:cond delay="0"/>
-                                          </p:stCondLst>
-                                        </p:cTn>
-                                        <p:tgtEl>
-                                          <p:spTgt spid="358"/>
-                                        </p:tgtEl>
-                                        <p:attrNameLst>
-                                          <p:attrName>style.visibility</p:attrName>
-                                        </p:attrNameLst>
-                                      </p:cBhvr>
-                                      <p:to>
-                                        <p:strVal val="visible"/>
-                                      </p:to>
-                                    </p:set>
-                                    <p:animEffect transition="in" filter="fade">
-                                      <p:cBhvr additive="repl">
-                                        <p:cTn id="23" dur="500"/>
-                                        <p:tgtEl>
-                                          <p:spTgt spid="358"/>
-                                        </p:tgtEl>
-                                      </p:cBhvr>
-                                    </p:animEffect>
-                                  </p:childTnLst>
-                                </p:cTn>
-                              </p:par>
-                            </p:childTnLst>
-                          </p:cTn>
-                        </p:par>
-                      </p:childTnLst>
-                    </p:cTn>
-                  </p:par>
-                </p:childTnLst>
-              </p:cTn>
+              <p:cTn id="2" dur="indefinite" nodeType="mainSeq"/>
               <p:prevCondLst>
                 <p:cond evt="onPrev" delay="0">
                   <p:tgtEl>
